--- a/UnitTestProject.pptx
+++ b/UnitTestProject.pptx
@@ -2,16 +2,22 @@
 <file path=ppt/presentation.xml><?xml version="1.0" encoding="utf-8"?>
 <p:presentation xmlns:a="http://schemas.openxmlformats.org/drawingml/2006/main" xmlns:r="http://schemas.openxmlformats.org/officeDocument/2006/relationships" xmlns:p="http://schemas.openxmlformats.org/presentationml/2006/main" saveSubsetFonts="1">
   <p:sldMasterIdLst>
-    <p:sldMasterId id="2147483648" r:id="rId1"/>
-    <p:sldMasterId id="2147483660" r:id="rId2"/>
+    <p:sldMasterId id="2147483660" r:id="rId1"/>
   </p:sldMasterIdLst>
   <p:sldIdLst>
-    <p:sldId id="256" r:id="rId3"/>
+    <p:sldId id="256" r:id="rId2"/>
+    <p:sldId id="263" r:id="rId3"/>
     <p:sldId id="260" r:id="rId4"/>
     <p:sldId id="258" r:id="rId5"/>
     <p:sldId id="259" r:id="rId6"/>
     <p:sldId id="257" r:id="rId7"/>
     <p:sldId id="261" r:id="rId8"/>
+    <p:sldId id="264" r:id="rId9"/>
+    <p:sldId id="265" r:id="rId10"/>
+    <p:sldId id="266" r:id="rId11"/>
+    <p:sldId id="267" r:id="rId12"/>
+    <p:sldId id="268" r:id="rId13"/>
+    <p:sldId id="269" r:id="rId14"/>
   </p:sldIdLst>
   <p:sldSz cx="12192000" cy="6858000"/>
   <p:notesSz cx="6858000" cy="9144000"/>
@@ -147,17 +153,13 @@
         </p:nvSpPr>
         <p:spPr>
           <a:xfrm>
-            <a:off x="1524000" y="1122363"/>
-            <a:ext cx="9144000" cy="2387600"/>
+            <a:off x="914400" y="2130426"/>
+            <a:ext cx="10363200" cy="1470025"/>
           </a:xfrm>
         </p:spPr>
         <p:txBody>
-          <a:bodyPr anchor="b"/>
-          <a:lstStyle>
-            <a:lvl1pPr algn="ctr">
-              <a:defRPr sz="6000"/>
-            </a:lvl1pPr>
-          </a:lstStyle>
+          <a:bodyPr/>
+          <a:lstStyle/>
           <a:p>
             <a:r>
               <a:rPr lang="en-US"/>
@@ -178,8 +180,8 @@
         </p:nvSpPr>
         <p:spPr>
           <a:xfrm>
-            <a:off x="1524000" y="3602038"/>
-            <a:ext cx="9144000" cy="1655762"/>
+            <a:off x="1828800" y="3886200"/>
+            <a:ext cx="8534400" cy="1752600"/>
           </a:xfrm>
         </p:spPr>
         <p:txBody>
@@ -187,39 +189,39 @@
           <a:lstStyle>
             <a:lvl1pPr marL="0" indent="0" algn="ctr">
               <a:buNone/>
-              <a:defRPr sz="2400"/>
+              <a:defRPr/>
             </a:lvl1pPr>
             <a:lvl2pPr marL="457200" indent="0" algn="ctr">
               <a:buNone/>
-              <a:defRPr sz="2000"/>
+              <a:defRPr/>
             </a:lvl2pPr>
             <a:lvl3pPr marL="914400" indent="0" algn="ctr">
               <a:buNone/>
-              <a:defRPr sz="1800"/>
+              <a:defRPr/>
             </a:lvl3pPr>
             <a:lvl4pPr marL="1371600" indent="0" algn="ctr">
               <a:buNone/>
-              <a:defRPr sz="1600"/>
+              <a:defRPr/>
             </a:lvl4pPr>
             <a:lvl5pPr marL="1828800" indent="0" algn="ctr">
               <a:buNone/>
-              <a:defRPr sz="1600"/>
+              <a:defRPr/>
             </a:lvl5pPr>
             <a:lvl6pPr marL="2286000" indent="0" algn="ctr">
               <a:buNone/>
-              <a:defRPr sz="1600"/>
+              <a:defRPr/>
             </a:lvl6pPr>
             <a:lvl7pPr marL="2743200" indent="0" algn="ctr">
               <a:buNone/>
-              <a:defRPr sz="1600"/>
+              <a:defRPr/>
             </a:lvl7pPr>
             <a:lvl8pPr marL="3200400" indent="0" algn="ctr">
               <a:buNone/>
-              <a:defRPr sz="1600"/>
+              <a:defRPr/>
             </a:lvl8pPr>
             <a:lvl9pPr marL="3657600" indent="0" algn="ctr">
               <a:buNone/>
-              <a:defRPr sz="1600"/>
+              <a:defRPr/>
             </a:lvl9pPr>
           </a:lstStyle>
           <a:p>
@@ -232,73 +234,115 @@
       </p:sp>
       <p:sp>
         <p:nvSpPr>
-          <p:cNvPr id="4" name="Date Placeholder 3"/>
+          <p:cNvPr id="4" name="Rectangle 4"/>
           <p:cNvSpPr>
-            <a:spLocks noGrp="1"/>
+            <a:spLocks noGrp="1" noChangeArrowheads="1"/>
           </p:cNvSpPr>
           <p:nvPr>
             <p:ph type="dt" sz="half" idx="10"/>
           </p:nvPr>
         </p:nvSpPr>
-        <p:spPr/>
+        <p:spPr>
+          <a:ln/>
+        </p:spPr>
         <p:txBody>
           <a:bodyPr/>
-          <a:lstStyle/>
-          <a:p>
-            <a:fld id="{B64F0473-4824-4868-9863-EEA350BDC4C3}" type="datetimeFigureOut">
-              <a:rPr lang="en-US" smtClean="0"/>
-              <a:t>10/27/2019</a:t>
-            </a:fld>
-            <a:endParaRPr lang="en-US"/>
-          </a:p>
-        </p:txBody>
-      </p:sp>
-      <p:sp>
-        <p:nvSpPr>
-          <p:cNvPr id="5" name="Footer Placeholder 4"/>
+          <a:lstStyle>
+            <a:lvl1pPr>
+              <a:defRPr/>
+            </a:lvl1pPr>
+          </a:lstStyle>
+          <a:p>
+            <a:pPr>
+              <a:defRPr/>
+            </a:pPr>
+            <a:endParaRPr lang="en-US" dirty="0">
+              <a:solidFill>
+                <a:srgbClr val="000000"/>
+              </a:solidFill>
+            </a:endParaRPr>
+          </a:p>
+        </p:txBody>
+      </p:sp>
+      <p:sp>
+        <p:nvSpPr>
+          <p:cNvPr id="5" name="Rectangle 5"/>
           <p:cNvSpPr>
-            <a:spLocks noGrp="1"/>
+            <a:spLocks noGrp="1" noChangeArrowheads="1"/>
           </p:cNvSpPr>
           <p:nvPr>
             <p:ph type="ftr" sz="quarter" idx="11"/>
           </p:nvPr>
         </p:nvSpPr>
-        <p:spPr/>
+        <p:spPr>
+          <a:ln/>
+        </p:spPr>
         <p:txBody>
           <a:bodyPr/>
-          <a:lstStyle/>
-          <a:p>
-            <a:endParaRPr lang="en-US"/>
-          </a:p>
-        </p:txBody>
-      </p:sp>
-      <p:sp>
-        <p:nvSpPr>
-          <p:cNvPr id="6" name="Slide Number Placeholder 5"/>
+          <a:lstStyle>
+            <a:lvl1pPr>
+              <a:defRPr/>
+            </a:lvl1pPr>
+          </a:lstStyle>
+          <a:p>
+            <a:pPr>
+              <a:defRPr/>
+            </a:pPr>
+            <a:endParaRPr lang="en-US" dirty="0">
+              <a:solidFill>
+                <a:srgbClr val="000000"/>
+              </a:solidFill>
+            </a:endParaRPr>
+          </a:p>
+        </p:txBody>
+      </p:sp>
+      <p:sp>
+        <p:nvSpPr>
+          <p:cNvPr id="6" name="Rectangle 6"/>
           <p:cNvSpPr>
-            <a:spLocks noGrp="1"/>
+            <a:spLocks noGrp="1" noChangeArrowheads="1"/>
           </p:cNvSpPr>
           <p:nvPr>
             <p:ph type="sldNum" sz="quarter" idx="12"/>
           </p:nvPr>
         </p:nvSpPr>
-        <p:spPr/>
+        <p:spPr>
+          <a:ln/>
+        </p:spPr>
         <p:txBody>
           <a:bodyPr/>
-          <a:lstStyle/>
-          <a:p>
-            <a:fld id="{8F51AA48-4279-4C50-BCA8-9B89458F02DC}" type="slidenum">
-              <a:rPr lang="en-US" smtClean="0"/>
+          <a:lstStyle>
+            <a:lvl1pPr>
+              <a:defRPr/>
+            </a:lvl1pPr>
+          </a:lstStyle>
+          <a:p>
+            <a:pPr>
+              <a:defRPr/>
+            </a:pPr>
+            <a:fld id="{176B5372-0DD0-4AED-A3BB-6BC3BCAC6F7B}" type="slidenum">
+              <a:rPr lang="en-US">
+                <a:solidFill>
+                  <a:srgbClr val="000000"/>
+                </a:solidFill>
+              </a:rPr>
+              <a:pPr>
+                <a:defRPr/>
+              </a:pPr>
               <a:t>‹#›</a:t>
             </a:fld>
-            <a:endParaRPr lang="en-US"/>
+            <a:endParaRPr lang="en-US" dirty="0">
+              <a:solidFill>
+                <a:srgbClr val="000000"/>
+              </a:solidFill>
+            </a:endParaRPr>
           </a:p>
         </p:txBody>
       </p:sp>
     </p:spTree>
     <p:extLst>
       <p:ext uri="{BB962C8B-B14F-4D97-AF65-F5344CB8AC3E}">
-        <p14:creationId xmlns:p14="http://schemas.microsoft.com/office/powerpoint/2010/main" val="3639658103"/>
+        <p14:creationId xmlns:p14="http://schemas.microsoft.com/office/powerpoint/2010/main" val="2634071673"/>
       </p:ext>
     </p:extLst>
   </p:cSld>
@@ -400,73 +444,115 @@
       </p:sp>
       <p:sp>
         <p:nvSpPr>
-          <p:cNvPr id="4" name="Date Placeholder 3"/>
+          <p:cNvPr id="4" name="Rectangle 4"/>
           <p:cNvSpPr>
-            <a:spLocks noGrp="1"/>
+            <a:spLocks noGrp="1" noChangeArrowheads="1"/>
           </p:cNvSpPr>
           <p:nvPr>
             <p:ph type="dt" sz="half" idx="10"/>
           </p:nvPr>
         </p:nvSpPr>
-        <p:spPr/>
+        <p:spPr>
+          <a:ln/>
+        </p:spPr>
         <p:txBody>
           <a:bodyPr/>
-          <a:lstStyle/>
-          <a:p>
-            <a:fld id="{B64F0473-4824-4868-9863-EEA350BDC4C3}" type="datetimeFigureOut">
-              <a:rPr lang="en-US" smtClean="0"/>
-              <a:t>10/27/2019</a:t>
-            </a:fld>
-            <a:endParaRPr lang="en-US"/>
-          </a:p>
-        </p:txBody>
-      </p:sp>
-      <p:sp>
-        <p:nvSpPr>
-          <p:cNvPr id="5" name="Footer Placeholder 4"/>
+          <a:lstStyle>
+            <a:lvl1pPr>
+              <a:defRPr/>
+            </a:lvl1pPr>
+          </a:lstStyle>
+          <a:p>
+            <a:pPr>
+              <a:defRPr/>
+            </a:pPr>
+            <a:endParaRPr lang="en-US" dirty="0">
+              <a:solidFill>
+                <a:srgbClr val="000000"/>
+              </a:solidFill>
+            </a:endParaRPr>
+          </a:p>
+        </p:txBody>
+      </p:sp>
+      <p:sp>
+        <p:nvSpPr>
+          <p:cNvPr id="5" name="Rectangle 5"/>
           <p:cNvSpPr>
-            <a:spLocks noGrp="1"/>
+            <a:spLocks noGrp="1" noChangeArrowheads="1"/>
           </p:cNvSpPr>
           <p:nvPr>
             <p:ph type="ftr" sz="quarter" idx="11"/>
           </p:nvPr>
         </p:nvSpPr>
-        <p:spPr/>
+        <p:spPr>
+          <a:ln/>
+        </p:spPr>
         <p:txBody>
           <a:bodyPr/>
-          <a:lstStyle/>
-          <a:p>
-            <a:endParaRPr lang="en-US"/>
-          </a:p>
-        </p:txBody>
-      </p:sp>
-      <p:sp>
-        <p:nvSpPr>
-          <p:cNvPr id="6" name="Slide Number Placeholder 5"/>
+          <a:lstStyle>
+            <a:lvl1pPr>
+              <a:defRPr/>
+            </a:lvl1pPr>
+          </a:lstStyle>
+          <a:p>
+            <a:pPr>
+              <a:defRPr/>
+            </a:pPr>
+            <a:endParaRPr lang="en-US" dirty="0">
+              <a:solidFill>
+                <a:srgbClr val="000000"/>
+              </a:solidFill>
+            </a:endParaRPr>
+          </a:p>
+        </p:txBody>
+      </p:sp>
+      <p:sp>
+        <p:nvSpPr>
+          <p:cNvPr id="6" name="Rectangle 6"/>
           <p:cNvSpPr>
-            <a:spLocks noGrp="1"/>
+            <a:spLocks noGrp="1" noChangeArrowheads="1"/>
           </p:cNvSpPr>
           <p:nvPr>
             <p:ph type="sldNum" sz="quarter" idx="12"/>
           </p:nvPr>
         </p:nvSpPr>
-        <p:spPr/>
+        <p:spPr>
+          <a:ln/>
+        </p:spPr>
         <p:txBody>
           <a:bodyPr/>
-          <a:lstStyle/>
-          <a:p>
-            <a:fld id="{8F51AA48-4279-4C50-BCA8-9B89458F02DC}" type="slidenum">
-              <a:rPr lang="en-US" smtClean="0"/>
+          <a:lstStyle>
+            <a:lvl1pPr>
+              <a:defRPr/>
+            </a:lvl1pPr>
+          </a:lstStyle>
+          <a:p>
+            <a:pPr>
+              <a:defRPr/>
+            </a:pPr>
+            <a:fld id="{8650FDB2-47E9-4010-BC81-806F726BD2AE}" type="slidenum">
+              <a:rPr lang="en-US">
+                <a:solidFill>
+                  <a:srgbClr val="000000"/>
+                </a:solidFill>
+              </a:rPr>
+              <a:pPr>
+                <a:defRPr/>
+              </a:pPr>
               <a:t>‹#›</a:t>
             </a:fld>
-            <a:endParaRPr lang="en-US"/>
+            <a:endParaRPr lang="en-US" dirty="0">
+              <a:solidFill>
+                <a:srgbClr val="000000"/>
+              </a:solidFill>
+            </a:endParaRPr>
           </a:p>
         </p:txBody>
       </p:sp>
     </p:spTree>
     <p:extLst>
       <p:ext uri="{BB962C8B-B14F-4D97-AF65-F5344CB8AC3E}">
-        <p14:creationId xmlns:p14="http://schemas.microsoft.com/office/powerpoint/2010/main" val="1949558733"/>
+        <p14:creationId xmlns:p14="http://schemas.microsoft.com/office/powerpoint/2010/main" val="4129584446"/>
       </p:ext>
     </p:extLst>
   </p:cSld>
@@ -505,8 +591,8 @@
         </p:nvSpPr>
         <p:spPr>
           <a:xfrm>
-            <a:off x="8724900" y="365125"/>
-            <a:ext cx="2628900" cy="5811838"/>
+            <a:off x="8839200" y="274639"/>
+            <a:ext cx="2743200" cy="5851525"/>
           </a:xfrm>
         </p:spPr>
         <p:txBody>
@@ -532,8 +618,8 @@
         </p:nvSpPr>
         <p:spPr>
           <a:xfrm>
-            <a:off x="838200" y="365125"/>
-            <a:ext cx="7734300" cy="5811838"/>
+            <a:off x="609600" y="274639"/>
+            <a:ext cx="8026400" cy="5851525"/>
           </a:xfrm>
         </p:spPr>
         <p:txBody>
@@ -572,192 +658,6 @@
             <a:r>
               <a:rPr lang="en-US"/>
               <a:t>Fifth level</a:t>
-            </a:r>
-          </a:p>
-        </p:txBody>
-      </p:sp>
-      <p:sp>
-        <p:nvSpPr>
-          <p:cNvPr id="4" name="Date Placeholder 3"/>
-          <p:cNvSpPr>
-            <a:spLocks noGrp="1"/>
-          </p:cNvSpPr>
-          <p:nvPr>
-            <p:ph type="dt" sz="half" idx="10"/>
-          </p:nvPr>
-        </p:nvSpPr>
-        <p:spPr/>
-        <p:txBody>
-          <a:bodyPr/>
-          <a:lstStyle/>
-          <a:p>
-            <a:fld id="{B64F0473-4824-4868-9863-EEA350BDC4C3}" type="datetimeFigureOut">
-              <a:rPr lang="en-US" smtClean="0"/>
-              <a:t>10/27/2019</a:t>
-            </a:fld>
-            <a:endParaRPr lang="en-US"/>
-          </a:p>
-        </p:txBody>
-      </p:sp>
-      <p:sp>
-        <p:nvSpPr>
-          <p:cNvPr id="5" name="Footer Placeholder 4"/>
-          <p:cNvSpPr>
-            <a:spLocks noGrp="1"/>
-          </p:cNvSpPr>
-          <p:nvPr>
-            <p:ph type="ftr" sz="quarter" idx="11"/>
-          </p:nvPr>
-        </p:nvSpPr>
-        <p:spPr/>
-        <p:txBody>
-          <a:bodyPr/>
-          <a:lstStyle/>
-          <a:p>
-            <a:endParaRPr lang="en-US"/>
-          </a:p>
-        </p:txBody>
-      </p:sp>
-      <p:sp>
-        <p:nvSpPr>
-          <p:cNvPr id="6" name="Slide Number Placeholder 5"/>
-          <p:cNvSpPr>
-            <a:spLocks noGrp="1"/>
-          </p:cNvSpPr>
-          <p:nvPr>
-            <p:ph type="sldNum" sz="quarter" idx="12"/>
-          </p:nvPr>
-        </p:nvSpPr>
-        <p:spPr/>
-        <p:txBody>
-          <a:bodyPr/>
-          <a:lstStyle/>
-          <a:p>
-            <a:fld id="{8F51AA48-4279-4C50-BCA8-9B89458F02DC}" type="slidenum">
-              <a:rPr lang="en-US" smtClean="0"/>
-              <a:t>‹#›</a:t>
-            </a:fld>
-            <a:endParaRPr lang="en-US"/>
-          </a:p>
-        </p:txBody>
-      </p:sp>
-    </p:spTree>
-    <p:extLst>
-      <p:ext uri="{BB962C8B-B14F-4D97-AF65-F5344CB8AC3E}">
-        <p14:creationId xmlns:p14="http://schemas.microsoft.com/office/powerpoint/2010/main" val="2873385480"/>
-      </p:ext>
-    </p:extLst>
-  </p:cSld>
-  <p:clrMapOvr>
-    <a:masterClrMapping/>
-  </p:clrMapOvr>
-</p:sldLayout>
-</file>
-
-<file path=ppt/slideLayouts/slideLayout12.xml><?xml version="1.0" encoding="utf-8"?>
-<p:sldLayout xmlns:a="http://schemas.openxmlformats.org/drawingml/2006/main" xmlns:r="http://schemas.openxmlformats.org/officeDocument/2006/relationships" xmlns:p="http://schemas.openxmlformats.org/presentationml/2006/main" type="title" preserve="1">
-  <p:cSld name="Title Slide">
-    <p:spTree>
-      <p:nvGrpSpPr>
-        <p:cNvPr id="1" name=""/>
-        <p:cNvGrpSpPr/>
-        <p:nvPr/>
-      </p:nvGrpSpPr>
-      <p:grpSpPr>
-        <a:xfrm>
-          <a:off x="0" y="0"/>
-          <a:ext cx="0" cy="0"/>
-          <a:chOff x="0" y="0"/>
-          <a:chExt cx="0" cy="0"/>
-        </a:xfrm>
-      </p:grpSpPr>
-      <p:sp>
-        <p:nvSpPr>
-          <p:cNvPr id="2" name="Title 1"/>
-          <p:cNvSpPr>
-            <a:spLocks noGrp="1"/>
-          </p:cNvSpPr>
-          <p:nvPr>
-            <p:ph type="ctrTitle"/>
-          </p:nvPr>
-        </p:nvSpPr>
-        <p:spPr>
-          <a:xfrm>
-            <a:off x="914400" y="2130426"/>
-            <a:ext cx="10363200" cy="1470025"/>
-          </a:xfrm>
-        </p:spPr>
-        <p:txBody>
-          <a:bodyPr/>
-          <a:lstStyle/>
-          <a:p>
-            <a:r>
-              <a:rPr lang="en-US"/>
-              <a:t>Click to edit Master title style</a:t>
-            </a:r>
-          </a:p>
-        </p:txBody>
-      </p:sp>
-      <p:sp>
-        <p:nvSpPr>
-          <p:cNvPr id="3" name="Subtitle 2"/>
-          <p:cNvSpPr>
-            <a:spLocks noGrp="1"/>
-          </p:cNvSpPr>
-          <p:nvPr>
-            <p:ph type="subTitle" idx="1"/>
-          </p:nvPr>
-        </p:nvSpPr>
-        <p:spPr>
-          <a:xfrm>
-            <a:off x="1828800" y="3886200"/>
-            <a:ext cx="8534400" cy="1752600"/>
-          </a:xfrm>
-        </p:spPr>
-        <p:txBody>
-          <a:bodyPr/>
-          <a:lstStyle>
-            <a:lvl1pPr marL="0" indent="0" algn="ctr">
-              <a:buNone/>
-              <a:defRPr/>
-            </a:lvl1pPr>
-            <a:lvl2pPr marL="457200" indent="0" algn="ctr">
-              <a:buNone/>
-              <a:defRPr/>
-            </a:lvl2pPr>
-            <a:lvl3pPr marL="914400" indent="0" algn="ctr">
-              <a:buNone/>
-              <a:defRPr/>
-            </a:lvl3pPr>
-            <a:lvl4pPr marL="1371600" indent="0" algn="ctr">
-              <a:buNone/>
-              <a:defRPr/>
-            </a:lvl4pPr>
-            <a:lvl5pPr marL="1828800" indent="0" algn="ctr">
-              <a:buNone/>
-              <a:defRPr/>
-            </a:lvl5pPr>
-            <a:lvl6pPr marL="2286000" indent="0" algn="ctr">
-              <a:buNone/>
-              <a:defRPr/>
-            </a:lvl6pPr>
-            <a:lvl7pPr marL="2743200" indent="0" algn="ctr">
-              <a:buNone/>
-              <a:defRPr/>
-            </a:lvl7pPr>
-            <a:lvl8pPr marL="3200400" indent="0" algn="ctr">
-              <a:buNone/>
-              <a:defRPr/>
-            </a:lvl8pPr>
-            <a:lvl9pPr marL="3657600" indent="0" algn="ctr">
-              <a:buNone/>
-              <a:defRPr/>
-            </a:lvl9pPr>
-          </a:lstStyle>
-          <a:p>
-            <a:r>
-              <a:rPr lang="en-US"/>
-              <a:t>Click to edit Master subtitle style</a:t>
             </a:r>
           </a:p>
         </p:txBody>
@@ -850,7 +750,7 @@
             <a:pPr>
               <a:defRPr/>
             </a:pPr>
-            <a:fld id="{176B5372-0DD0-4AED-A3BB-6BC3BCAC6F7B}" type="slidenum">
+            <a:fld id="{A7D563DD-87DE-4767-9301-F18B40F59ACD}" type="slidenum">
               <a:rPr lang="en-US">
                 <a:solidFill>
                   <a:srgbClr val="000000"/>
@@ -872,7 +772,7 @@
     </p:spTree>
     <p:extLst>
       <p:ext uri="{BB962C8B-B14F-4D97-AF65-F5344CB8AC3E}">
-        <p14:creationId xmlns:p14="http://schemas.microsoft.com/office/powerpoint/2010/main" val="2634071673"/>
+        <p14:creationId xmlns:p14="http://schemas.microsoft.com/office/powerpoint/2010/main" val="1947268624"/>
       </p:ext>
     </p:extLst>
   </p:cSld>
@@ -882,7 +782,7 @@
 </p:sldLayout>
 </file>
 
-<file path=ppt/slideLayouts/slideLayout13.xml><?xml version="1.0" encoding="utf-8"?>
+<file path=ppt/slideLayouts/slideLayout2.xml><?xml version="1.0" encoding="utf-8"?>
 <p:sldLayout xmlns:a="http://schemas.openxmlformats.org/drawingml/2006/main" xmlns:r="http://schemas.openxmlformats.org/officeDocument/2006/relationships" xmlns:p="http://schemas.openxmlformats.org/presentationml/2006/main" type="obj" preserve="1">
   <p:cSld name="Title and Content">
     <p:spTree>
@@ -1092,7 +992,7 @@
 </p:sldLayout>
 </file>
 
-<file path=ppt/slideLayouts/slideLayout14.xml><?xml version="1.0" encoding="utf-8"?>
+<file path=ppt/slideLayouts/slideLayout3.xml><?xml version="1.0" encoding="utf-8"?>
 <p:sldLayout xmlns:a="http://schemas.openxmlformats.org/drawingml/2006/main" xmlns:r="http://schemas.openxmlformats.org/officeDocument/2006/relationships" xmlns:p="http://schemas.openxmlformats.org/presentationml/2006/main" type="secHead" preserve="1">
   <p:cSld name="Section Header">
     <p:spTree>
@@ -1325,7 +1225,7 @@
 </p:sldLayout>
 </file>
 
-<file path=ppt/slideLayouts/slideLayout15.xml><?xml version="1.0" encoding="utf-8"?>
+<file path=ppt/slideLayouts/slideLayout4.xml><?xml version="1.0" encoding="utf-8"?>
 <p:sldLayout xmlns:a="http://schemas.openxmlformats.org/drawingml/2006/main" xmlns:r="http://schemas.openxmlformats.org/officeDocument/2006/relationships" xmlns:p="http://schemas.openxmlformats.org/presentationml/2006/main" type="twoObj" preserve="1">
   <p:cSld name="Two Content">
     <p:spTree>
@@ -1652,7 +1552,7 @@
 </p:sldLayout>
 </file>
 
-<file path=ppt/slideLayouts/slideLayout16.xml><?xml version="1.0" encoding="utf-8"?>
+<file path=ppt/slideLayouts/slideLayout5.xml><?xml version="1.0" encoding="utf-8"?>
 <p:sldLayout xmlns:a="http://schemas.openxmlformats.org/drawingml/2006/main" xmlns:r="http://schemas.openxmlformats.org/officeDocument/2006/relationships" xmlns:p="http://schemas.openxmlformats.org/presentationml/2006/main" type="twoTxTwoObj" preserve="1">
   <p:cSld name="Comparison">
     <p:spTree>
@@ -2113,7 +2013,7 @@
 </p:sldLayout>
 </file>
 
-<file path=ppt/slideLayouts/slideLayout17.xml><?xml version="1.0" encoding="utf-8"?>
+<file path=ppt/slideLayouts/slideLayout6.xml><?xml version="1.0" encoding="utf-8"?>
 <p:sldLayout xmlns:a="http://schemas.openxmlformats.org/drawingml/2006/main" xmlns:r="http://schemas.openxmlformats.org/officeDocument/2006/relationships" xmlns:p="http://schemas.openxmlformats.org/presentationml/2006/main" type="titleOnly" preserve="1">
   <p:cSld name="Title Only">
     <p:spTree>
@@ -2272,7 +2172,7 @@
 </p:sldLayout>
 </file>
 
-<file path=ppt/slideLayouts/slideLayout18.xml><?xml version="1.0" encoding="utf-8"?>
+<file path=ppt/slideLayouts/slideLayout7.xml><?xml version="1.0" encoding="utf-8"?>
 <p:sldLayout xmlns:a="http://schemas.openxmlformats.org/drawingml/2006/main" xmlns:r="http://schemas.openxmlformats.org/officeDocument/2006/relationships" xmlns:p="http://schemas.openxmlformats.org/presentationml/2006/main" type="blank" preserve="1">
   <p:cSld name="Blank">
     <p:spTree>
@@ -2409,7 +2309,7 @@
 </p:sldLayout>
 </file>
 
-<file path=ppt/slideLayouts/slideLayout19.xml><?xml version="1.0" encoding="utf-8"?>
+<file path=ppt/slideLayouts/slideLayout8.xml><?xml version="1.0" encoding="utf-8"?>
 <p:sldLayout xmlns:a="http://schemas.openxmlformats.org/drawingml/2006/main" xmlns:r="http://schemas.openxmlformats.org/officeDocument/2006/relationships" xmlns:p="http://schemas.openxmlformats.org/presentationml/2006/main" type="objTx" preserve="1">
   <p:cSld name="Content with Caption">
     <p:spTree>
@@ -2726,2224 +2626,6 @@
 </p:sldLayout>
 </file>
 
-<file path=ppt/slideLayouts/slideLayout2.xml><?xml version="1.0" encoding="utf-8"?>
-<p:sldLayout xmlns:a="http://schemas.openxmlformats.org/drawingml/2006/main" xmlns:r="http://schemas.openxmlformats.org/officeDocument/2006/relationships" xmlns:p="http://schemas.openxmlformats.org/presentationml/2006/main" type="obj" preserve="1">
-  <p:cSld name="Title and Content">
-    <p:spTree>
-      <p:nvGrpSpPr>
-        <p:cNvPr id="1" name=""/>
-        <p:cNvGrpSpPr/>
-        <p:nvPr/>
-      </p:nvGrpSpPr>
-      <p:grpSpPr>
-        <a:xfrm>
-          <a:off x="0" y="0"/>
-          <a:ext cx="0" cy="0"/>
-          <a:chOff x="0" y="0"/>
-          <a:chExt cx="0" cy="0"/>
-        </a:xfrm>
-      </p:grpSpPr>
-      <p:sp>
-        <p:nvSpPr>
-          <p:cNvPr id="2" name="Title 1"/>
-          <p:cNvSpPr>
-            <a:spLocks noGrp="1"/>
-          </p:cNvSpPr>
-          <p:nvPr>
-            <p:ph type="title"/>
-          </p:nvPr>
-        </p:nvSpPr>
-        <p:spPr/>
-        <p:txBody>
-          <a:bodyPr/>
-          <a:lstStyle/>
-          <a:p>
-            <a:r>
-              <a:rPr lang="en-US"/>
-              <a:t>Click to edit Master title style</a:t>
-            </a:r>
-          </a:p>
-        </p:txBody>
-      </p:sp>
-      <p:sp>
-        <p:nvSpPr>
-          <p:cNvPr id="3" name="Content Placeholder 2"/>
-          <p:cNvSpPr>
-            <a:spLocks noGrp="1"/>
-          </p:cNvSpPr>
-          <p:nvPr>
-            <p:ph idx="1"/>
-          </p:nvPr>
-        </p:nvSpPr>
-        <p:spPr/>
-        <p:txBody>
-          <a:bodyPr/>
-          <a:lstStyle/>
-          <a:p>
-            <a:pPr lvl="0"/>
-            <a:r>
-              <a:rPr lang="en-US"/>
-              <a:t>Click to edit Master text styles</a:t>
-            </a:r>
-          </a:p>
-          <a:p>
-            <a:pPr lvl="1"/>
-            <a:r>
-              <a:rPr lang="en-US"/>
-              <a:t>Second level</a:t>
-            </a:r>
-          </a:p>
-          <a:p>
-            <a:pPr lvl="2"/>
-            <a:r>
-              <a:rPr lang="en-US"/>
-              <a:t>Third level</a:t>
-            </a:r>
-          </a:p>
-          <a:p>
-            <a:pPr lvl="3"/>
-            <a:r>
-              <a:rPr lang="en-US"/>
-              <a:t>Fourth level</a:t>
-            </a:r>
-          </a:p>
-          <a:p>
-            <a:pPr lvl="4"/>
-            <a:r>
-              <a:rPr lang="en-US"/>
-              <a:t>Fifth level</a:t>
-            </a:r>
-          </a:p>
-        </p:txBody>
-      </p:sp>
-      <p:sp>
-        <p:nvSpPr>
-          <p:cNvPr id="4" name="Date Placeholder 3"/>
-          <p:cNvSpPr>
-            <a:spLocks noGrp="1"/>
-          </p:cNvSpPr>
-          <p:nvPr>
-            <p:ph type="dt" sz="half" idx="10"/>
-          </p:nvPr>
-        </p:nvSpPr>
-        <p:spPr/>
-        <p:txBody>
-          <a:bodyPr/>
-          <a:lstStyle/>
-          <a:p>
-            <a:fld id="{B64F0473-4824-4868-9863-EEA350BDC4C3}" type="datetimeFigureOut">
-              <a:rPr lang="en-US" smtClean="0"/>
-              <a:t>10/27/2019</a:t>
-            </a:fld>
-            <a:endParaRPr lang="en-US"/>
-          </a:p>
-        </p:txBody>
-      </p:sp>
-      <p:sp>
-        <p:nvSpPr>
-          <p:cNvPr id="5" name="Footer Placeholder 4"/>
-          <p:cNvSpPr>
-            <a:spLocks noGrp="1"/>
-          </p:cNvSpPr>
-          <p:nvPr>
-            <p:ph type="ftr" sz="quarter" idx="11"/>
-          </p:nvPr>
-        </p:nvSpPr>
-        <p:spPr/>
-        <p:txBody>
-          <a:bodyPr/>
-          <a:lstStyle/>
-          <a:p>
-            <a:endParaRPr lang="en-US"/>
-          </a:p>
-        </p:txBody>
-      </p:sp>
-      <p:sp>
-        <p:nvSpPr>
-          <p:cNvPr id="6" name="Slide Number Placeholder 5"/>
-          <p:cNvSpPr>
-            <a:spLocks noGrp="1"/>
-          </p:cNvSpPr>
-          <p:nvPr>
-            <p:ph type="sldNum" sz="quarter" idx="12"/>
-          </p:nvPr>
-        </p:nvSpPr>
-        <p:spPr/>
-        <p:txBody>
-          <a:bodyPr/>
-          <a:lstStyle/>
-          <a:p>
-            <a:fld id="{8F51AA48-4279-4C50-BCA8-9B89458F02DC}" type="slidenum">
-              <a:rPr lang="en-US" smtClean="0"/>
-              <a:t>‹#›</a:t>
-            </a:fld>
-            <a:endParaRPr lang="en-US"/>
-          </a:p>
-        </p:txBody>
-      </p:sp>
-    </p:spTree>
-    <p:extLst>
-      <p:ext uri="{BB962C8B-B14F-4D97-AF65-F5344CB8AC3E}">
-        <p14:creationId xmlns:p14="http://schemas.microsoft.com/office/powerpoint/2010/main" val="440243192"/>
-      </p:ext>
-    </p:extLst>
-  </p:cSld>
-  <p:clrMapOvr>
-    <a:masterClrMapping/>
-  </p:clrMapOvr>
-</p:sldLayout>
-</file>
-
-<file path=ppt/slideLayouts/slideLayout20.xml><?xml version="1.0" encoding="utf-8"?>
-<p:sldLayout xmlns:a="http://schemas.openxmlformats.org/drawingml/2006/main" xmlns:r="http://schemas.openxmlformats.org/officeDocument/2006/relationships" xmlns:p="http://schemas.openxmlformats.org/presentationml/2006/main" type="picTx" preserve="1">
-  <p:cSld name="Picture with Caption">
-    <p:spTree>
-      <p:nvGrpSpPr>
-        <p:cNvPr id="1" name=""/>
-        <p:cNvGrpSpPr/>
-        <p:nvPr/>
-      </p:nvGrpSpPr>
-      <p:grpSpPr>
-        <a:xfrm>
-          <a:off x="0" y="0"/>
-          <a:ext cx="0" cy="0"/>
-          <a:chOff x="0" y="0"/>
-          <a:chExt cx="0" cy="0"/>
-        </a:xfrm>
-      </p:grpSpPr>
-      <p:sp>
-        <p:nvSpPr>
-          <p:cNvPr id="2" name="Title 1"/>
-          <p:cNvSpPr>
-            <a:spLocks noGrp="1"/>
-          </p:cNvSpPr>
-          <p:nvPr>
-            <p:ph type="title"/>
-          </p:nvPr>
-        </p:nvSpPr>
-        <p:spPr>
-          <a:xfrm>
-            <a:off x="2389717" y="4800600"/>
-            <a:ext cx="7315200" cy="566738"/>
-          </a:xfrm>
-        </p:spPr>
-        <p:txBody>
-          <a:bodyPr anchor="b"/>
-          <a:lstStyle>
-            <a:lvl1pPr algn="l">
-              <a:defRPr sz="2000" b="1"/>
-            </a:lvl1pPr>
-          </a:lstStyle>
-          <a:p>
-            <a:r>
-              <a:rPr lang="en-US"/>
-              <a:t>Click to edit Master title style</a:t>
-            </a:r>
-          </a:p>
-        </p:txBody>
-      </p:sp>
-      <p:sp>
-        <p:nvSpPr>
-          <p:cNvPr id="3" name="Picture Placeholder 2"/>
-          <p:cNvSpPr>
-            <a:spLocks noGrp="1"/>
-          </p:cNvSpPr>
-          <p:nvPr>
-            <p:ph type="pic" idx="1"/>
-          </p:nvPr>
-        </p:nvSpPr>
-        <p:spPr>
-          <a:xfrm>
-            <a:off x="2389717" y="612775"/>
-            <a:ext cx="7315200" cy="4114800"/>
-          </a:xfrm>
-        </p:spPr>
-        <p:txBody>
-          <a:bodyPr/>
-          <a:lstStyle>
-            <a:lvl1pPr marL="0" indent="0">
-              <a:buNone/>
-              <a:defRPr sz="3200"/>
-            </a:lvl1pPr>
-            <a:lvl2pPr marL="457200" indent="0">
-              <a:buNone/>
-              <a:defRPr sz="2800"/>
-            </a:lvl2pPr>
-            <a:lvl3pPr marL="914400" indent="0">
-              <a:buNone/>
-              <a:defRPr sz="2400"/>
-            </a:lvl3pPr>
-            <a:lvl4pPr marL="1371600" indent="0">
-              <a:buNone/>
-              <a:defRPr sz="2000"/>
-            </a:lvl4pPr>
-            <a:lvl5pPr marL="1828800" indent="0">
-              <a:buNone/>
-              <a:defRPr sz="2000"/>
-            </a:lvl5pPr>
-            <a:lvl6pPr marL="2286000" indent="0">
-              <a:buNone/>
-              <a:defRPr sz="2000"/>
-            </a:lvl6pPr>
-            <a:lvl7pPr marL="2743200" indent="0">
-              <a:buNone/>
-              <a:defRPr sz="2000"/>
-            </a:lvl7pPr>
-            <a:lvl8pPr marL="3200400" indent="0">
-              <a:buNone/>
-              <a:defRPr sz="2000"/>
-            </a:lvl8pPr>
-            <a:lvl9pPr marL="3657600" indent="0">
-              <a:buNone/>
-              <a:defRPr sz="2000"/>
-            </a:lvl9pPr>
-          </a:lstStyle>
-          <a:p>
-            <a:pPr lvl="0"/>
-            <a:endParaRPr lang="en-US" noProof="0" dirty="0"/>
-          </a:p>
-        </p:txBody>
-      </p:sp>
-      <p:sp>
-        <p:nvSpPr>
-          <p:cNvPr id="4" name="Text Placeholder 3"/>
-          <p:cNvSpPr>
-            <a:spLocks noGrp="1"/>
-          </p:cNvSpPr>
-          <p:nvPr>
-            <p:ph type="body" sz="half" idx="2"/>
-          </p:nvPr>
-        </p:nvSpPr>
-        <p:spPr>
-          <a:xfrm>
-            <a:off x="2389717" y="5367338"/>
-            <a:ext cx="7315200" cy="804862"/>
-          </a:xfrm>
-        </p:spPr>
-        <p:txBody>
-          <a:bodyPr/>
-          <a:lstStyle>
-            <a:lvl1pPr marL="0" indent="0">
-              <a:buNone/>
-              <a:defRPr sz="1400"/>
-            </a:lvl1pPr>
-            <a:lvl2pPr marL="457200" indent="0">
-              <a:buNone/>
-              <a:defRPr sz="1200"/>
-            </a:lvl2pPr>
-            <a:lvl3pPr marL="914400" indent="0">
-              <a:buNone/>
-              <a:defRPr sz="1000"/>
-            </a:lvl3pPr>
-            <a:lvl4pPr marL="1371600" indent="0">
-              <a:buNone/>
-              <a:defRPr sz="900"/>
-            </a:lvl4pPr>
-            <a:lvl5pPr marL="1828800" indent="0">
-              <a:buNone/>
-              <a:defRPr sz="900"/>
-            </a:lvl5pPr>
-            <a:lvl6pPr marL="2286000" indent="0">
-              <a:buNone/>
-              <a:defRPr sz="900"/>
-            </a:lvl6pPr>
-            <a:lvl7pPr marL="2743200" indent="0">
-              <a:buNone/>
-              <a:defRPr sz="900"/>
-            </a:lvl7pPr>
-            <a:lvl8pPr marL="3200400" indent="0">
-              <a:buNone/>
-              <a:defRPr sz="900"/>
-            </a:lvl8pPr>
-            <a:lvl9pPr marL="3657600" indent="0">
-              <a:buNone/>
-              <a:defRPr sz="900"/>
-            </a:lvl9pPr>
-          </a:lstStyle>
-          <a:p>
-            <a:pPr lvl="0"/>
-            <a:r>
-              <a:rPr lang="en-US"/>
-              <a:t>Click to edit Master text styles</a:t>
-            </a:r>
-          </a:p>
-        </p:txBody>
-      </p:sp>
-      <p:sp>
-        <p:nvSpPr>
-          <p:cNvPr id="5" name="Rectangle 4"/>
-          <p:cNvSpPr>
-            <a:spLocks noGrp="1" noChangeArrowheads="1"/>
-          </p:cNvSpPr>
-          <p:nvPr>
-            <p:ph type="dt" sz="half" idx="10"/>
-          </p:nvPr>
-        </p:nvSpPr>
-        <p:spPr>
-          <a:ln/>
-        </p:spPr>
-        <p:txBody>
-          <a:bodyPr/>
-          <a:lstStyle>
-            <a:lvl1pPr>
-              <a:defRPr/>
-            </a:lvl1pPr>
-          </a:lstStyle>
-          <a:p>
-            <a:pPr>
-              <a:defRPr/>
-            </a:pPr>
-            <a:endParaRPr lang="en-US" dirty="0">
-              <a:solidFill>
-                <a:srgbClr val="000000"/>
-              </a:solidFill>
-            </a:endParaRPr>
-          </a:p>
-        </p:txBody>
-      </p:sp>
-      <p:sp>
-        <p:nvSpPr>
-          <p:cNvPr id="6" name="Rectangle 5"/>
-          <p:cNvSpPr>
-            <a:spLocks noGrp="1" noChangeArrowheads="1"/>
-          </p:cNvSpPr>
-          <p:nvPr>
-            <p:ph type="ftr" sz="quarter" idx="11"/>
-          </p:nvPr>
-        </p:nvSpPr>
-        <p:spPr>
-          <a:ln/>
-        </p:spPr>
-        <p:txBody>
-          <a:bodyPr/>
-          <a:lstStyle>
-            <a:lvl1pPr>
-              <a:defRPr/>
-            </a:lvl1pPr>
-          </a:lstStyle>
-          <a:p>
-            <a:pPr>
-              <a:defRPr/>
-            </a:pPr>
-            <a:endParaRPr lang="en-US" dirty="0">
-              <a:solidFill>
-                <a:srgbClr val="000000"/>
-              </a:solidFill>
-            </a:endParaRPr>
-          </a:p>
-        </p:txBody>
-      </p:sp>
-      <p:sp>
-        <p:nvSpPr>
-          <p:cNvPr id="7" name="Rectangle 6"/>
-          <p:cNvSpPr>
-            <a:spLocks noGrp="1" noChangeArrowheads="1"/>
-          </p:cNvSpPr>
-          <p:nvPr>
-            <p:ph type="sldNum" sz="quarter" idx="12"/>
-          </p:nvPr>
-        </p:nvSpPr>
-        <p:spPr>
-          <a:ln/>
-        </p:spPr>
-        <p:txBody>
-          <a:bodyPr/>
-          <a:lstStyle>
-            <a:lvl1pPr>
-              <a:defRPr/>
-            </a:lvl1pPr>
-          </a:lstStyle>
-          <a:p>
-            <a:pPr>
-              <a:defRPr/>
-            </a:pPr>
-            <a:fld id="{5A9B10AC-3682-441E-9D29-583962F2F275}" type="slidenum">
-              <a:rPr lang="en-US">
-                <a:solidFill>
-                  <a:srgbClr val="000000"/>
-                </a:solidFill>
-              </a:rPr>
-              <a:pPr>
-                <a:defRPr/>
-              </a:pPr>
-              <a:t>‹#›</a:t>
-            </a:fld>
-            <a:endParaRPr lang="en-US" dirty="0">
-              <a:solidFill>
-                <a:srgbClr val="000000"/>
-              </a:solidFill>
-            </a:endParaRPr>
-          </a:p>
-        </p:txBody>
-      </p:sp>
-    </p:spTree>
-    <p:extLst>
-      <p:ext uri="{BB962C8B-B14F-4D97-AF65-F5344CB8AC3E}">
-        <p14:creationId xmlns:p14="http://schemas.microsoft.com/office/powerpoint/2010/main" val="3995572213"/>
-      </p:ext>
-    </p:extLst>
-  </p:cSld>
-  <p:clrMapOvr>
-    <a:masterClrMapping/>
-  </p:clrMapOvr>
-</p:sldLayout>
-</file>
-
-<file path=ppt/slideLayouts/slideLayout21.xml><?xml version="1.0" encoding="utf-8"?>
-<p:sldLayout xmlns:a="http://schemas.openxmlformats.org/drawingml/2006/main" xmlns:r="http://schemas.openxmlformats.org/officeDocument/2006/relationships" xmlns:p="http://schemas.openxmlformats.org/presentationml/2006/main" type="vertTx" preserve="1">
-  <p:cSld name="Title and Vertical Text">
-    <p:spTree>
-      <p:nvGrpSpPr>
-        <p:cNvPr id="1" name=""/>
-        <p:cNvGrpSpPr/>
-        <p:nvPr/>
-      </p:nvGrpSpPr>
-      <p:grpSpPr>
-        <a:xfrm>
-          <a:off x="0" y="0"/>
-          <a:ext cx="0" cy="0"/>
-          <a:chOff x="0" y="0"/>
-          <a:chExt cx="0" cy="0"/>
-        </a:xfrm>
-      </p:grpSpPr>
-      <p:sp>
-        <p:nvSpPr>
-          <p:cNvPr id="2" name="Title 1"/>
-          <p:cNvSpPr>
-            <a:spLocks noGrp="1"/>
-          </p:cNvSpPr>
-          <p:nvPr>
-            <p:ph type="title"/>
-          </p:nvPr>
-        </p:nvSpPr>
-        <p:spPr/>
-        <p:txBody>
-          <a:bodyPr/>
-          <a:lstStyle/>
-          <a:p>
-            <a:r>
-              <a:rPr lang="en-US"/>
-              <a:t>Click to edit Master title style</a:t>
-            </a:r>
-          </a:p>
-        </p:txBody>
-      </p:sp>
-      <p:sp>
-        <p:nvSpPr>
-          <p:cNvPr id="3" name="Vertical Text Placeholder 2"/>
-          <p:cNvSpPr>
-            <a:spLocks noGrp="1"/>
-          </p:cNvSpPr>
-          <p:nvPr>
-            <p:ph type="body" orient="vert" idx="1"/>
-          </p:nvPr>
-        </p:nvSpPr>
-        <p:spPr/>
-        <p:txBody>
-          <a:bodyPr vert="eaVert"/>
-          <a:lstStyle/>
-          <a:p>
-            <a:pPr lvl="0"/>
-            <a:r>
-              <a:rPr lang="en-US"/>
-              <a:t>Click to edit Master text styles</a:t>
-            </a:r>
-          </a:p>
-          <a:p>
-            <a:pPr lvl="1"/>
-            <a:r>
-              <a:rPr lang="en-US"/>
-              <a:t>Second level</a:t>
-            </a:r>
-          </a:p>
-          <a:p>
-            <a:pPr lvl="2"/>
-            <a:r>
-              <a:rPr lang="en-US"/>
-              <a:t>Third level</a:t>
-            </a:r>
-          </a:p>
-          <a:p>
-            <a:pPr lvl="3"/>
-            <a:r>
-              <a:rPr lang="en-US"/>
-              <a:t>Fourth level</a:t>
-            </a:r>
-          </a:p>
-          <a:p>
-            <a:pPr lvl="4"/>
-            <a:r>
-              <a:rPr lang="en-US"/>
-              <a:t>Fifth level</a:t>
-            </a:r>
-          </a:p>
-        </p:txBody>
-      </p:sp>
-      <p:sp>
-        <p:nvSpPr>
-          <p:cNvPr id="4" name="Rectangle 4"/>
-          <p:cNvSpPr>
-            <a:spLocks noGrp="1" noChangeArrowheads="1"/>
-          </p:cNvSpPr>
-          <p:nvPr>
-            <p:ph type="dt" sz="half" idx="10"/>
-          </p:nvPr>
-        </p:nvSpPr>
-        <p:spPr>
-          <a:ln/>
-        </p:spPr>
-        <p:txBody>
-          <a:bodyPr/>
-          <a:lstStyle>
-            <a:lvl1pPr>
-              <a:defRPr/>
-            </a:lvl1pPr>
-          </a:lstStyle>
-          <a:p>
-            <a:pPr>
-              <a:defRPr/>
-            </a:pPr>
-            <a:endParaRPr lang="en-US" dirty="0">
-              <a:solidFill>
-                <a:srgbClr val="000000"/>
-              </a:solidFill>
-            </a:endParaRPr>
-          </a:p>
-        </p:txBody>
-      </p:sp>
-      <p:sp>
-        <p:nvSpPr>
-          <p:cNvPr id="5" name="Rectangle 5"/>
-          <p:cNvSpPr>
-            <a:spLocks noGrp="1" noChangeArrowheads="1"/>
-          </p:cNvSpPr>
-          <p:nvPr>
-            <p:ph type="ftr" sz="quarter" idx="11"/>
-          </p:nvPr>
-        </p:nvSpPr>
-        <p:spPr>
-          <a:ln/>
-        </p:spPr>
-        <p:txBody>
-          <a:bodyPr/>
-          <a:lstStyle>
-            <a:lvl1pPr>
-              <a:defRPr/>
-            </a:lvl1pPr>
-          </a:lstStyle>
-          <a:p>
-            <a:pPr>
-              <a:defRPr/>
-            </a:pPr>
-            <a:endParaRPr lang="en-US" dirty="0">
-              <a:solidFill>
-                <a:srgbClr val="000000"/>
-              </a:solidFill>
-            </a:endParaRPr>
-          </a:p>
-        </p:txBody>
-      </p:sp>
-      <p:sp>
-        <p:nvSpPr>
-          <p:cNvPr id="6" name="Rectangle 6"/>
-          <p:cNvSpPr>
-            <a:spLocks noGrp="1" noChangeArrowheads="1"/>
-          </p:cNvSpPr>
-          <p:nvPr>
-            <p:ph type="sldNum" sz="quarter" idx="12"/>
-          </p:nvPr>
-        </p:nvSpPr>
-        <p:spPr>
-          <a:ln/>
-        </p:spPr>
-        <p:txBody>
-          <a:bodyPr/>
-          <a:lstStyle>
-            <a:lvl1pPr>
-              <a:defRPr/>
-            </a:lvl1pPr>
-          </a:lstStyle>
-          <a:p>
-            <a:pPr>
-              <a:defRPr/>
-            </a:pPr>
-            <a:fld id="{8650FDB2-47E9-4010-BC81-806F726BD2AE}" type="slidenum">
-              <a:rPr lang="en-US">
-                <a:solidFill>
-                  <a:srgbClr val="000000"/>
-                </a:solidFill>
-              </a:rPr>
-              <a:pPr>
-                <a:defRPr/>
-              </a:pPr>
-              <a:t>‹#›</a:t>
-            </a:fld>
-            <a:endParaRPr lang="en-US" dirty="0">
-              <a:solidFill>
-                <a:srgbClr val="000000"/>
-              </a:solidFill>
-            </a:endParaRPr>
-          </a:p>
-        </p:txBody>
-      </p:sp>
-    </p:spTree>
-    <p:extLst>
-      <p:ext uri="{BB962C8B-B14F-4D97-AF65-F5344CB8AC3E}">
-        <p14:creationId xmlns:p14="http://schemas.microsoft.com/office/powerpoint/2010/main" val="4129584446"/>
-      </p:ext>
-    </p:extLst>
-  </p:cSld>
-  <p:clrMapOvr>
-    <a:masterClrMapping/>
-  </p:clrMapOvr>
-</p:sldLayout>
-</file>
-
-<file path=ppt/slideLayouts/slideLayout22.xml><?xml version="1.0" encoding="utf-8"?>
-<p:sldLayout xmlns:a="http://schemas.openxmlformats.org/drawingml/2006/main" xmlns:r="http://schemas.openxmlformats.org/officeDocument/2006/relationships" xmlns:p="http://schemas.openxmlformats.org/presentationml/2006/main" type="vertTitleAndTx" preserve="1">
-  <p:cSld name="Vertical Title and Text">
-    <p:spTree>
-      <p:nvGrpSpPr>
-        <p:cNvPr id="1" name=""/>
-        <p:cNvGrpSpPr/>
-        <p:nvPr/>
-      </p:nvGrpSpPr>
-      <p:grpSpPr>
-        <a:xfrm>
-          <a:off x="0" y="0"/>
-          <a:ext cx="0" cy="0"/>
-          <a:chOff x="0" y="0"/>
-          <a:chExt cx="0" cy="0"/>
-        </a:xfrm>
-      </p:grpSpPr>
-      <p:sp>
-        <p:nvSpPr>
-          <p:cNvPr id="2" name="Vertical Title 1"/>
-          <p:cNvSpPr>
-            <a:spLocks noGrp="1"/>
-          </p:cNvSpPr>
-          <p:nvPr>
-            <p:ph type="title" orient="vert"/>
-          </p:nvPr>
-        </p:nvSpPr>
-        <p:spPr>
-          <a:xfrm>
-            <a:off x="8839200" y="274639"/>
-            <a:ext cx="2743200" cy="5851525"/>
-          </a:xfrm>
-        </p:spPr>
-        <p:txBody>
-          <a:bodyPr vert="eaVert"/>
-          <a:lstStyle/>
-          <a:p>
-            <a:r>
-              <a:rPr lang="en-US"/>
-              <a:t>Click to edit Master title style</a:t>
-            </a:r>
-          </a:p>
-        </p:txBody>
-      </p:sp>
-      <p:sp>
-        <p:nvSpPr>
-          <p:cNvPr id="3" name="Vertical Text Placeholder 2"/>
-          <p:cNvSpPr>
-            <a:spLocks noGrp="1"/>
-          </p:cNvSpPr>
-          <p:nvPr>
-            <p:ph type="body" orient="vert" idx="1"/>
-          </p:nvPr>
-        </p:nvSpPr>
-        <p:spPr>
-          <a:xfrm>
-            <a:off x="609600" y="274639"/>
-            <a:ext cx="8026400" cy="5851525"/>
-          </a:xfrm>
-        </p:spPr>
-        <p:txBody>
-          <a:bodyPr vert="eaVert"/>
-          <a:lstStyle/>
-          <a:p>
-            <a:pPr lvl="0"/>
-            <a:r>
-              <a:rPr lang="en-US"/>
-              <a:t>Click to edit Master text styles</a:t>
-            </a:r>
-          </a:p>
-          <a:p>
-            <a:pPr lvl="1"/>
-            <a:r>
-              <a:rPr lang="en-US"/>
-              <a:t>Second level</a:t>
-            </a:r>
-          </a:p>
-          <a:p>
-            <a:pPr lvl="2"/>
-            <a:r>
-              <a:rPr lang="en-US"/>
-              <a:t>Third level</a:t>
-            </a:r>
-          </a:p>
-          <a:p>
-            <a:pPr lvl="3"/>
-            <a:r>
-              <a:rPr lang="en-US"/>
-              <a:t>Fourth level</a:t>
-            </a:r>
-          </a:p>
-          <a:p>
-            <a:pPr lvl="4"/>
-            <a:r>
-              <a:rPr lang="en-US"/>
-              <a:t>Fifth level</a:t>
-            </a:r>
-          </a:p>
-        </p:txBody>
-      </p:sp>
-      <p:sp>
-        <p:nvSpPr>
-          <p:cNvPr id="4" name="Rectangle 4"/>
-          <p:cNvSpPr>
-            <a:spLocks noGrp="1" noChangeArrowheads="1"/>
-          </p:cNvSpPr>
-          <p:nvPr>
-            <p:ph type="dt" sz="half" idx="10"/>
-          </p:nvPr>
-        </p:nvSpPr>
-        <p:spPr>
-          <a:ln/>
-        </p:spPr>
-        <p:txBody>
-          <a:bodyPr/>
-          <a:lstStyle>
-            <a:lvl1pPr>
-              <a:defRPr/>
-            </a:lvl1pPr>
-          </a:lstStyle>
-          <a:p>
-            <a:pPr>
-              <a:defRPr/>
-            </a:pPr>
-            <a:endParaRPr lang="en-US" dirty="0">
-              <a:solidFill>
-                <a:srgbClr val="000000"/>
-              </a:solidFill>
-            </a:endParaRPr>
-          </a:p>
-        </p:txBody>
-      </p:sp>
-      <p:sp>
-        <p:nvSpPr>
-          <p:cNvPr id="5" name="Rectangle 5"/>
-          <p:cNvSpPr>
-            <a:spLocks noGrp="1" noChangeArrowheads="1"/>
-          </p:cNvSpPr>
-          <p:nvPr>
-            <p:ph type="ftr" sz="quarter" idx="11"/>
-          </p:nvPr>
-        </p:nvSpPr>
-        <p:spPr>
-          <a:ln/>
-        </p:spPr>
-        <p:txBody>
-          <a:bodyPr/>
-          <a:lstStyle>
-            <a:lvl1pPr>
-              <a:defRPr/>
-            </a:lvl1pPr>
-          </a:lstStyle>
-          <a:p>
-            <a:pPr>
-              <a:defRPr/>
-            </a:pPr>
-            <a:endParaRPr lang="en-US" dirty="0">
-              <a:solidFill>
-                <a:srgbClr val="000000"/>
-              </a:solidFill>
-            </a:endParaRPr>
-          </a:p>
-        </p:txBody>
-      </p:sp>
-      <p:sp>
-        <p:nvSpPr>
-          <p:cNvPr id="6" name="Rectangle 6"/>
-          <p:cNvSpPr>
-            <a:spLocks noGrp="1" noChangeArrowheads="1"/>
-          </p:cNvSpPr>
-          <p:nvPr>
-            <p:ph type="sldNum" sz="quarter" idx="12"/>
-          </p:nvPr>
-        </p:nvSpPr>
-        <p:spPr>
-          <a:ln/>
-        </p:spPr>
-        <p:txBody>
-          <a:bodyPr/>
-          <a:lstStyle>
-            <a:lvl1pPr>
-              <a:defRPr/>
-            </a:lvl1pPr>
-          </a:lstStyle>
-          <a:p>
-            <a:pPr>
-              <a:defRPr/>
-            </a:pPr>
-            <a:fld id="{A7D563DD-87DE-4767-9301-F18B40F59ACD}" type="slidenum">
-              <a:rPr lang="en-US">
-                <a:solidFill>
-                  <a:srgbClr val="000000"/>
-                </a:solidFill>
-              </a:rPr>
-              <a:pPr>
-                <a:defRPr/>
-              </a:pPr>
-              <a:t>‹#›</a:t>
-            </a:fld>
-            <a:endParaRPr lang="en-US" dirty="0">
-              <a:solidFill>
-                <a:srgbClr val="000000"/>
-              </a:solidFill>
-            </a:endParaRPr>
-          </a:p>
-        </p:txBody>
-      </p:sp>
-    </p:spTree>
-    <p:extLst>
-      <p:ext uri="{BB962C8B-B14F-4D97-AF65-F5344CB8AC3E}">
-        <p14:creationId xmlns:p14="http://schemas.microsoft.com/office/powerpoint/2010/main" val="1947268624"/>
-      </p:ext>
-    </p:extLst>
-  </p:cSld>
-  <p:clrMapOvr>
-    <a:masterClrMapping/>
-  </p:clrMapOvr>
-</p:sldLayout>
-</file>
-
-<file path=ppt/slideLayouts/slideLayout3.xml><?xml version="1.0" encoding="utf-8"?>
-<p:sldLayout xmlns:a="http://schemas.openxmlformats.org/drawingml/2006/main" xmlns:r="http://schemas.openxmlformats.org/officeDocument/2006/relationships" xmlns:p="http://schemas.openxmlformats.org/presentationml/2006/main" type="secHead" preserve="1">
-  <p:cSld name="Section Header">
-    <p:spTree>
-      <p:nvGrpSpPr>
-        <p:cNvPr id="1" name=""/>
-        <p:cNvGrpSpPr/>
-        <p:nvPr/>
-      </p:nvGrpSpPr>
-      <p:grpSpPr>
-        <a:xfrm>
-          <a:off x="0" y="0"/>
-          <a:ext cx="0" cy="0"/>
-          <a:chOff x="0" y="0"/>
-          <a:chExt cx="0" cy="0"/>
-        </a:xfrm>
-      </p:grpSpPr>
-      <p:sp>
-        <p:nvSpPr>
-          <p:cNvPr id="2" name="Title 1"/>
-          <p:cNvSpPr>
-            <a:spLocks noGrp="1"/>
-          </p:cNvSpPr>
-          <p:nvPr>
-            <p:ph type="title"/>
-          </p:nvPr>
-        </p:nvSpPr>
-        <p:spPr>
-          <a:xfrm>
-            <a:off x="831850" y="1709738"/>
-            <a:ext cx="10515600" cy="2852737"/>
-          </a:xfrm>
-        </p:spPr>
-        <p:txBody>
-          <a:bodyPr anchor="b"/>
-          <a:lstStyle>
-            <a:lvl1pPr>
-              <a:defRPr sz="6000"/>
-            </a:lvl1pPr>
-          </a:lstStyle>
-          <a:p>
-            <a:r>
-              <a:rPr lang="en-US"/>
-              <a:t>Click to edit Master title style</a:t>
-            </a:r>
-          </a:p>
-        </p:txBody>
-      </p:sp>
-      <p:sp>
-        <p:nvSpPr>
-          <p:cNvPr id="3" name="Text Placeholder 2"/>
-          <p:cNvSpPr>
-            <a:spLocks noGrp="1"/>
-          </p:cNvSpPr>
-          <p:nvPr>
-            <p:ph type="body" idx="1"/>
-          </p:nvPr>
-        </p:nvSpPr>
-        <p:spPr>
-          <a:xfrm>
-            <a:off x="831850" y="4589463"/>
-            <a:ext cx="10515600" cy="1500187"/>
-          </a:xfrm>
-        </p:spPr>
-        <p:txBody>
-          <a:bodyPr/>
-          <a:lstStyle>
-            <a:lvl1pPr marL="0" indent="0">
-              <a:buNone/>
-              <a:defRPr sz="2400">
-                <a:solidFill>
-                  <a:schemeClr val="tx1">
-                    <a:tint val="75000"/>
-                  </a:schemeClr>
-                </a:solidFill>
-              </a:defRPr>
-            </a:lvl1pPr>
-            <a:lvl2pPr marL="457200" indent="0">
-              <a:buNone/>
-              <a:defRPr sz="2000">
-                <a:solidFill>
-                  <a:schemeClr val="tx1">
-                    <a:tint val="75000"/>
-                  </a:schemeClr>
-                </a:solidFill>
-              </a:defRPr>
-            </a:lvl2pPr>
-            <a:lvl3pPr marL="914400" indent="0">
-              <a:buNone/>
-              <a:defRPr sz="1800">
-                <a:solidFill>
-                  <a:schemeClr val="tx1">
-                    <a:tint val="75000"/>
-                  </a:schemeClr>
-                </a:solidFill>
-              </a:defRPr>
-            </a:lvl3pPr>
-            <a:lvl4pPr marL="1371600" indent="0">
-              <a:buNone/>
-              <a:defRPr sz="1600">
-                <a:solidFill>
-                  <a:schemeClr val="tx1">
-                    <a:tint val="75000"/>
-                  </a:schemeClr>
-                </a:solidFill>
-              </a:defRPr>
-            </a:lvl4pPr>
-            <a:lvl5pPr marL="1828800" indent="0">
-              <a:buNone/>
-              <a:defRPr sz="1600">
-                <a:solidFill>
-                  <a:schemeClr val="tx1">
-                    <a:tint val="75000"/>
-                  </a:schemeClr>
-                </a:solidFill>
-              </a:defRPr>
-            </a:lvl5pPr>
-            <a:lvl6pPr marL="2286000" indent="0">
-              <a:buNone/>
-              <a:defRPr sz="1600">
-                <a:solidFill>
-                  <a:schemeClr val="tx1">
-                    <a:tint val="75000"/>
-                  </a:schemeClr>
-                </a:solidFill>
-              </a:defRPr>
-            </a:lvl6pPr>
-            <a:lvl7pPr marL="2743200" indent="0">
-              <a:buNone/>
-              <a:defRPr sz="1600">
-                <a:solidFill>
-                  <a:schemeClr val="tx1">
-                    <a:tint val="75000"/>
-                  </a:schemeClr>
-                </a:solidFill>
-              </a:defRPr>
-            </a:lvl7pPr>
-            <a:lvl8pPr marL="3200400" indent="0">
-              <a:buNone/>
-              <a:defRPr sz="1600">
-                <a:solidFill>
-                  <a:schemeClr val="tx1">
-                    <a:tint val="75000"/>
-                  </a:schemeClr>
-                </a:solidFill>
-              </a:defRPr>
-            </a:lvl8pPr>
-            <a:lvl9pPr marL="3657600" indent="0">
-              <a:buNone/>
-              <a:defRPr sz="1600">
-                <a:solidFill>
-                  <a:schemeClr val="tx1">
-                    <a:tint val="75000"/>
-                  </a:schemeClr>
-                </a:solidFill>
-              </a:defRPr>
-            </a:lvl9pPr>
-          </a:lstStyle>
-          <a:p>
-            <a:pPr lvl="0"/>
-            <a:r>
-              <a:rPr lang="en-US"/>
-              <a:t>Click to edit Master text styles</a:t>
-            </a:r>
-          </a:p>
-        </p:txBody>
-      </p:sp>
-      <p:sp>
-        <p:nvSpPr>
-          <p:cNvPr id="4" name="Date Placeholder 3"/>
-          <p:cNvSpPr>
-            <a:spLocks noGrp="1"/>
-          </p:cNvSpPr>
-          <p:nvPr>
-            <p:ph type="dt" sz="half" idx="10"/>
-          </p:nvPr>
-        </p:nvSpPr>
-        <p:spPr/>
-        <p:txBody>
-          <a:bodyPr/>
-          <a:lstStyle/>
-          <a:p>
-            <a:fld id="{B64F0473-4824-4868-9863-EEA350BDC4C3}" type="datetimeFigureOut">
-              <a:rPr lang="en-US" smtClean="0"/>
-              <a:t>10/27/2019</a:t>
-            </a:fld>
-            <a:endParaRPr lang="en-US"/>
-          </a:p>
-        </p:txBody>
-      </p:sp>
-      <p:sp>
-        <p:nvSpPr>
-          <p:cNvPr id="5" name="Footer Placeholder 4"/>
-          <p:cNvSpPr>
-            <a:spLocks noGrp="1"/>
-          </p:cNvSpPr>
-          <p:nvPr>
-            <p:ph type="ftr" sz="quarter" idx="11"/>
-          </p:nvPr>
-        </p:nvSpPr>
-        <p:spPr/>
-        <p:txBody>
-          <a:bodyPr/>
-          <a:lstStyle/>
-          <a:p>
-            <a:endParaRPr lang="en-US"/>
-          </a:p>
-        </p:txBody>
-      </p:sp>
-      <p:sp>
-        <p:nvSpPr>
-          <p:cNvPr id="6" name="Slide Number Placeholder 5"/>
-          <p:cNvSpPr>
-            <a:spLocks noGrp="1"/>
-          </p:cNvSpPr>
-          <p:nvPr>
-            <p:ph type="sldNum" sz="quarter" idx="12"/>
-          </p:nvPr>
-        </p:nvSpPr>
-        <p:spPr/>
-        <p:txBody>
-          <a:bodyPr/>
-          <a:lstStyle/>
-          <a:p>
-            <a:fld id="{8F51AA48-4279-4C50-BCA8-9B89458F02DC}" type="slidenum">
-              <a:rPr lang="en-US" smtClean="0"/>
-              <a:t>‹#›</a:t>
-            </a:fld>
-            <a:endParaRPr lang="en-US"/>
-          </a:p>
-        </p:txBody>
-      </p:sp>
-    </p:spTree>
-    <p:extLst>
-      <p:ext uri="{BB962C8B-B14F-4D97-AF65-F5344CB8AC3E}">
-        <p14:creationId xmlns:p14="http://schemas.microsoft.com/office/powerpoint/2010/main" val="3533521554"/>
-      </p:ext>
-    </p:extLst>
-  </p:cSld>
-  <p:clrMapOvr>
-    <a:masterClrMapping/>
-  </p:clrMapOvr>
-</p:sldLayout>
-</file>
-
-<file path=ppt/slideLayouts/slideLayout4.xml><?xml version="1.0" encoding="utf-8"?>
-<p:sldLayout xmlns:a="http://schemas.openxmlformats.org/drawingml/2006/main" xmlns:r="http://schemas.openxmlformats.org/officeDocument/2006/relationships" xmlns:p="http://schemas.openxmlformats.org/presentationml/2006/main" type="twoObj" preserve="1">
-  <p:cSld name="Two Content">
-    <p:spTree>
-      <p:nvGrpSpPr>
-        <p:cNvPr id="1" name=""/>
-        <p:cNvGrpSpPr/>
-        <p:nvPr/>
-      </p:nvGrpSpPr>
-      <p:grpSpPr>
-        <a:xfrm>
-          <a:off x="0" y="0"/>
-          <a:ext cx="0" cy="0"/>
-          <a:chOff x="0" y="0"/>
-          <a:chExt cx="0" cy="0"/>
-        </a:xfrm>
-      </p:grpSpPr>
-      <p:sp>
-        <p:nvSpPr>
-          <p:cNvPr id="2" name="Title 1"/>
-          <p:cNvSpPr>
-            <a:spLocks noGrp="1"/>
-          </p:cNvSpPr>
-          <p:nvPr>
-            <p:ph type="title"/>
-          </p:nvPr>
-        </p:nvSpPr>
-        <p:spPr/>
-        <p:txBody>
-          <a:bodyPr/>
-          <a:lstStyle/>
-          <a:p>
-            <a:r>
-              <a:rPr lang="en-US"/>
-              <a:t>Click to edit Master title style</a:t>
-            </a:r>
-          </a:p>
-        </p:txBody>
-      </p:sp>
-      <p:sp>
-        <p:nvSpPr>
-          <p:cNvPr id="3" name="Content Placeholder 2"/>
-          <p:cNvSpPr>
-            <a:spLocks noGrp="1"/>
-          </p:cNvSpPr>
-          <p:nvPr>
-            <p:ph sz="half" idx="1"/>
-          </p:nvPr>
-        </p:nvSpPr>
-        <p:spPr>
-          <a:xfrm>
-            <a:off x="838200" y="1825625"/>
-            <a:ext cx="5181600" cy="4351338"/>
-          </a:xfrm>
-        </p:spPr>
-        <p:txBody>
-          <a:bodyPr/>
-          <a:lstStyle/>
-          <a:p>
-            <a:pPr lvl="0"/>
-            <a:r>
-              <a:rPr lang="en-US"/>
-              <a:t>Click to edit Master text styles</a:t>
-            </a:r>
-          </a:p>
-          <a:p>
-            <a:pPr lvl="1"/>
-            <a:r>
-              <a:rPr lang="en-US"/>
-              <a:t>Second level</a:t>
-            </a:r>
-          </a:p>
-          <a:p>
-            <a:pPr lvl="2"/>
-            <a:r>
-              <a:rPr lang="en-US"/>
-              <a:t>Third level</a:t>
-            </a:r>
-          </a:p>
-          <a:p>
-            <a:pPr lvl="3"/>
-            <a:r>
-              <a:rPr lang="en-US"/>
-              <a:t>Fourth level</a:t>
-            </a:r>
-          </a:p>
-          <a:p>
-            <a:pPr lvl="4"/>
-            <a:r>
-              <a:rPr lang="en-US"/>
-              <a:t>Fifth level</a:t>
-            </a:r>
-          </a:p>
-        </p:txBody>
-      </p:sp>
-      <p:sp>
-        <p:nvSpPr>
-          <p:cNvPr id="4" name="Content Placeholder 3"/>
-          <p:cNvSpPr>
-            <a:spLocks noGrp="1"/>
-          </p:cNvSpPr>
-          <p:nvPr>
-            <p:ph sz="half" idx="2"/>
-          </p:nvPr>
-        </p:nvSpPr>
-        <p:spPr>
-          <a:xfrm>
-            <a:off x="6172200" y="1825625"/>
-            <a:ext cx="5181600" cy="4351338"/>
-          </a:xfrm>
-        </p:spPr>
-        <p:txBody>
-          <a:bodyPr/>
-          <a:lstStyle/>
-          <a:p>
-            <a:pPr lvl="0"/>
-            <a:r>
-              <a:rPr lang="en-US"/>
-              <a:t>Click to edit Master text styles</a:t>
-            </a:r>
-          </a:p>
-          <a:p>
-            <a:pPr lvl="1"/>
-            <a:r>
-              <a:rPr lang="en-US"/>
-              <a:t>Second level</a:t>
-            </a:r>
-          </a:p>
-          <a:p>
-            <a:pPr lvl="2"/>
-            <a:r>
-              <a:rPr lang="en-US"/>
-              <a:t>Third level</a:t>
-            </a:r>
-          </a:p>
-          <a:p>
-            <a:pPr lvl="3"/>
-            <a:r>
-              <a:rPr lang="en-US"/>
-              <a:t>Fourth level</a:t>
-            </a:r>
-          </a:p>
-          <a:p>
-            <a:pPr lvl="4"/>
-            <a:r>
-              <a:rPr lang="en-US"/>
-              <a:t>Fifth level</a:t>
-            </a:r>
-          </a:p>
-        </p:txBody>
-      </p:sp>
-      <p:sp>
-        <p:nvSpPr>
-          <p:cNvPr id="5" name="Date Placeholder 4"/>
-          <p:cNvSpPr>
-            <a:spLocks noGrp="1"/>
-          </p:cNvSpPr>
-          <p:nvPr>
-            <p:ph type="dt" sz="half" idx="10"/>
-          </p:nvPr>
-        </p:nvSpPr>
-        <p:spPr/>
-        <p:txBody>
-          <a:bodyPr/>
-          <a:lstStyle/>
-          <a:p>
-            <a:fld id="{B64F0473-4824-4868-9863-EEA350BDC4C3}" type="datetimeFigureOut">
-              <a:rPr lang="en-US" smtClean="0"/>
-              <a:t>10/27/2019</a:t>
-            </a:fld>
-            <a:endParaRPr lang="en-US"/>
-          </a:p>
-        </p:txBody>
-      </p:sp>
-      <p:sp>
-        <p:nvSpPr>
-          <p:cNvPr id="6" name="Footer Placeholder 5"/>
-          <p:cNvSpPr>
-            <a:spLocks noGrp="1"/>
-          </p:cNvSpPr>
-          <p:nvPr>
-            <p:ph type="ftr" sz="quarter" idx="11"/>
-          </p:nvPr>
-        </p:nvSpPr>
-        <p:spPr/>
-        <p:txBody>
-          <a:bodyPr/>
-          <a:lstStyle/>
-          <a:p>
-            <a:endParaRPr lang="en-US"/>
-          </a:p>
-        </p:txBody>
-      </p:sp>
-      <p:sp>
-        <p:nvSpPr>
-          <p:cNvPr id="7" name="Slide Number Placeholder 6"/>
-          <p:cNvSpPr>
-            <a:spLocks noGrp="1"/>
-          </p:cNvSpPr>
-          <p:nvPr>
-            <p:ph type="sldNum" sz="quarter" idx="12"/>
-          </p:nvPr>
-        </p:nvSpPr>
-        <p:spPr/>
-        <p:txBody>
-          <a:bodyPr/>
-          <a:lstStyle/>
-          <a:p>
-            <a:fld id="{8F51AA48-4279-4C50-BCA8-9B89458F02DC}" type="slidenum">
-              <a:rPr lang="en-US" smtClean="0"/>
-              <a:t>‹#›</a:t>
-            </a:fld>
-            <a:endParaRPr lang="en-US"/>
-          </a:p>
-        </p:txBody>
-      </p:sp>
-    </p:spTree>
-    <p:extLst>
-      <p:ext uri="{BB962C8B-B14F-4D97-AF65-F5344CB8AC3E}">
-        <p14:creationId xmlns:p14="http://schemas.microsoft.com/office/powerpoint/2010/main" val="3050121051"/>
-      </p:ext>
-    </p:extLst>
-  </p:cSld>
-  <p:clrMapOvr>
-    <a:masterClrMapping/>
-  </p:clrMapOvr>
-</p:sldLayout>
-</file>
-
-<file path=ppt/slideLayouts/slideLayout5.xml><?xml version="1.0" encoding="utf-8"?>
-<p:sldLayout xmlns:a="http://schemas.openxmlformats.org/drawingml/2006/main" xmlns:r="http://schemas.openxmlformats.org/officeDocument/2006/relationships" xmlns:p="http://schemas.openxmlformats.org/presentationml/2006/main" type="twoTxTwoObj" preserve="1">
-  <p:cSld name="Comparison">
-    <p:spTree>
-      <p:nvGrpSpPr>
-        <p:cNvPr id="1" name=""/>
-        <p:cNvGrpSpPr/>
-        <p:nvPr/>
-      </p:nvGrpSpPr>
-      <p:grpSpPr>
-        <a:xfrm>
-          <a:off x="0" y="0"/>
-          <a:ext cx="0" cy="0"/>
-          <a:chOff x="0" y="0"/>
-          <a:chExt cx="0" cy="0"/>
-        </a:xfrm>
-      </p:grpSpPr>
-      <p:sp>
-        <p:nvSpPr>
-          <p:cNvPr id="2" name="Title 1"/>
-          <p:cNvSpPr>
-            <a:spLocks noGrp="1"/>
-          </p:cNvSpPr>
-          <p:nvPr>
-            <p:ph type="title"/>
-          </p:nvPr>
-        </p:nvSpPr>
-        <p:spPr>
-          <a:xfrm>
-            <a:off x="839788" y="365125"/>
-            <a:ext cx="10515600" cy="1325563"/>
-          </a:xfrm>
-        </p:spPr>
-        <p:txBody>
-          <a:bodyPr/>
-          <a:lstStyle/>
-          <a:p>
-            <a:r>
-              <a:rPr lang="en-US"/>
-              <a:t>Click to edit Master title style</a:t>
-            </a:r>
-          </a:p>
-        </p:txBody>
-      </p:sp>
-      <p:sp>
-        <p:nvSpPr>
-          <p:cNvPr id="3" name="Text Placeholder 2"/>
-          <p:cNvSpPr>
-            <a:spLocks noGrp="1"/>
-          </p:cNvSpPr>
-          <p:nvPr>
-            <p:ph type="body" idx="1"/>
-          </p:nvPr>
-        </p:nvSpPr>
-        <p:spPr>
-          <a:xfrm>
-            <a:off x="839788" y="1681163"/>
-            <a:ext cx="5157787" cy="823912"/>
-          </a:xfrm>
-        </p:spPr>
-        <p:txBody>
-          <a:bodyPr anchor="b"/>
-          <a:lstStyle>
-            <a:lvl1pPr marL="0" indent="0">
-              <a:buNone/>
-              <a:defRPr sz="2400" b="1"/>
-            </a:lvl1pPr>
-            <a:lvl2pPr marL="457200" indent="0">
-              <a:buNone/>
-              <a:defRPr sz="2000" b="1"/>
-            </a:lvl2pPr>
-            <a:lvl3pPr marL="914400" indent="0">
-              <a:buNone/>
-              <a:defRPr sz="1800" b="1"/>
-            </a:lvl3pPr>
-            <a:lvl4pPr marL="1371600" indent="0">
-              <a:buNone/>
-              <a:defRPr sz="1600" b="1"/>
-            </a:lvl4pPr>
-            <a:lvl5pPr marL="1828800" indent="0">
-              <a:buNone/>
-              <a:defRPr sz="1600" b="1"/>
-            </a:lvl5pPr>
-            <a:lvl6pPr marL="2286000" indent="0">
-              <a:buNone/>
-              <a:defRPr sz="1600" b="1"/>
-            </a:lvl6pPr>
-            <a:lvl7pPr marL="2743200" indent="0">
-              <a:buNone/>
-              <a:defRPr sz="1600" b="1"/>
-            </a:lvl7pPr>
-            <a:lvl8pPr marL="3200400" indent="0">
-              <a:buNone/>
-              <a:defRPr sz="1600" b="1"/>
-            </a:lvl8pPr>
-            <a:lvl9pPr marL="3657600" indent="0">
-              <a:buNone/>
-              <a:defRPr sz="1600" b="1"/>
-            </a:lvl9pPr>
-          </a:lstStyle>
-          <a:p>
-            <a:pPr lvl="0"/>
-            <a:r>
-              <a:rPr lang="en-US"/>
-              <a:t>Click to edit Master text styles</a:t>
-            </a:r>
-          </a:p>
-        </p:txBody>
-      </p:sp>
-      <p:sp>
-        <p:nvSpPr>
-          <p:cNvPr id="4" name="Content Placeholder 3"/>
-          <p:cNvSpPr>
-            <a:spLocks noGrp="1"/>
-          </p:cNvSpPr>
-          <p:nvPr>
-            <p:ph sz="half" idx="2"/>
-          </p:nvPr>
-        </p:nvSpPr>
-        <p:spPr>
-          <a:xfrm>
-            <a:off x="839788" y="2505075"/>
-            <a:ext cx="5157787" cy="3684588"/>
-          </a:xfrm>
-        </p:spPr>
-        <p:txBody>
-          <a:bodyPr/>
-          <a:lstStyle/>
-          <a:p>
-            <a:pPr lvl="0"/>
-            <a:r>
-              <a:rPr lang="en-US"/>
-              <a:t>Click to edit Master text styles</a:t>
-            </a:r>
-          </a:p>
-          <a:p>
-            <a:pPr lvl="1"/>
-            <a:r>
-              <a:rPr lang="en-US"/>
-              <a:t>Second level</a:t>
-            </a:r>
-          </a:p>
-          <a:p>
-            <a:pPr lvl="2"/>
-            <a:r>
-              <a:rPr lang="en-US"/>
-              <a:t>Third level</a:t>
-            </a:r>
-          </a:p>
-          <a:p>
-            <a:pPr lvl="3"/>
-            <a:r>
-              <a:rPr lang="en-US"/>
-              <a:t>Fourth level</a:t>
-            </a:r>
-          </a:p>
-          <a:p>
-            <a:pPr lvl="4"/>
-            <a:r>
-              <a:rPr lang="en-US"/>
-              <a:t>Fifth level</a:t>
-            </a:r>
-          </a:p>
-        </p:txBody>
-      </p:sp>
-      <p:sp>
-        <p:nvSpPr>
-          <p:cNvPr id="5" name="Text Placeholder 4"/>
-          <p:cNvSpPr>
-            <a:spLocks noGrp="1"/>
-          </p:cNvSpPr>
-          <p:nvPr>
-            <p:ph type="body" sz="quarter" idx="3"/>
-          </p:nvPr>
-        </p:nvSpPr>
-        <p:spPr>
-          <a:xfrm>
-            <a:off x="6172200" y="1681163"/>
-            <a:ext cx="5183188" cy="823912"/>
-          </a:xfrm>
-        </p:spPr>
-        <p:txBody>
-          <a:bodyPr anchor="b"/>
-          <a:lstStyle>
-            <a:lvl1pPr marL="0" indent="0">
-              <a:buNone/>
-              <a:defRPr sz="2400" b="1"/>
-            </a:lvl1pPr>
-            <a:lvl2pPr marL="457200" indent="0">
-              <a:buNone/>
-              <a:defRPr sz="2000" b="1"/>
-            </a:lvl2pPr>
-            <a:lvl3pPr marL="914400" indent="0">
-              <a:buNone/>
-              <a:defRPr sz="1800" b="1"/>
-            </a:lvl3pPr>
-            <a:lvl4pPr marL="1371600" indent="0">
-              <a:buNone/>
-              <a:defRPr sz="1600" b="1"/>
-            </a:lvl4pPr>
-            <a:lvl5pPr marL="1828800" indent="0">
-              <a:buNone/>
-              <a:defRPr sz="1600" b="1"/>
-            </a:lvl5pPr>
-            <a:lvl6pPr marL="2286000" indent="0">
-              <a:buNone/>
-              <a:defRPr sz="1600" b="1"/>
-            </a:lvl6pPr>
-            <a:lvl7pPr marL="2743200" indent="0">
-              <a:buNone/>
-              <a:defRPr sz="1600" b="1"/>
-            </a:lvl7pPr>
-            <a:lvl8pPr marL="3200400" indent="0">
-              <a:buNone/>
-              <a:defRPr sz="1600" b="1"/>
-            </a:lvl8pPr>
-            <a:lvl9pPr marL="3657600" indent="0">
-              <a:buNone/>
-              <a:defRPr sz="1600" b="1"/>
-            </a:lvl9pPr>
-          </a:lstStyle>
-          <a:p>
-            <a:pPr lvl="0"/>
-            <a:r>
-              <a:rPr lang="en-US"/>
-              <a:t>Click to edit Master text styles</a:t>
-            </a:r>
-          </a:p>
-        </p:txBody>
-      </p:sp>
-      <p:sp>
-        <p:nvSpPr>
-          <p:cNvPr id="6" name="Content Placeholder 5"/>
-          <p:cNvSpPr>
-            <a:spLocks noGrp="1"/>
-          </p:cNvSpPr>
-          <p:nvPr>
-            <p:ph sz="quarter" idx="4"/>
-          </p:nvPr>
-        </p:nvSpPr>
-        <p:spPr>
-          <a:xfrm>
-            <a:off x="6172200" y="2505075"/>
-            <a:ext cx="5183188" cy="3684588"/>
-          </a:xfrm>
-        </p:spPr>
-        <p:txBody>
-          <a:bodyPr/>
-          <a:lstStyle/>
-          <a:p>
-            <a:pPr lvl="0"/>
-            <a:r>
-              <a:rPr lang="en-US"/>
-              <a:t>Click to edit Master text styles</a:t>
-            </a:r>
-          </a:p>
-          <a:p>
-            <a:pPr lvl="1"/>
-            <a:r>
-              <a:rPr lang="en-US"/>
-              <a:t>Second level</a:t>
-            </a:r>
-          </a:p>
-          <a:p>
-            <a:pPr lvl="2"/>
-            <a:r>
-              <a:rPr lang="en-US"/>
-              <a:t>Third level</a:t>
-            </a:r>
-          </a:p>
-          <a:p>
-            <a:pPr lvl="3"/>
-            <a:r>
-              <a:rPr lang="en-US"/>
-              <a:t>Fourth level</a:t>
-            </a:r>
-          </a:p>
-          <a:p>
-            <a:pPr lvl="4"/>
-            <a:r>
-              <a:rPr lang="en-US"/>
-              <a:t>Fifth level</a:t>
-            </a:r>
-          </a:p>
-        </p:txBody>
-      </p:sp>
-      <p:sp>
-        <p:nvSpPr>
-          <p:cNvPr id="7" name="Date Placeholder 6"/>
-          <p:cNvSpPr>
-            <a:spLocks noGrp="1"/>
-          </p:cNvSpPr>
-          <p:nvPr>
-            <p:ph type="dt" sz="half" idx="10"/>
-          </p:nvPr>
-        </p:nvSpPr>
-        <p:spPr/>
-        <p:txBody>
-          <a:bodyPr/>
-          <a:lstStyle/>
-          <a:p>
-            <a:fld id="{B64F0473-4824-4868-9863-EEA350BDC4C3}" type="datetimeFigureOut">
-              <a:rPr lang="en-US" smtClean="0"/>
-              <a:t>10/27/2019</a:t>
-            </a:fld>
-            <a:endParaRPr lang="en-US"/>
-          </a:p>
-        </p:txBody>
-      </p:sp>
-      <p:sp>
-        <p:nvSpPr>
-          <p:cNvPr id="8" name="Footer Placeholder 7"/>
-          <p:cNvSpPr>
-            <a:spLocks noGrp="1"/>
-          </p:cNvSpPr>
-          <p:nvPr>
-            <p:ph type="ftr" sz="quarter" idx="11"/>
-          </p:nvPr>
-        </p:nvSpPr>
-        <p:spPr/>
-        <p:txBody>
-          <a:bodyPr/>
-          <a:lstStyle/>
-          <a:p>
-            <a:endParaRPr lang="en-US"/>
-          </a:p>
-        </p:txBody>
-      </p:sp>
-      <p:sp>
-        <p:nvSpPr>
-          <p:cNvPr id="9" name="Slide Number Placeholder 8"/>
-          <p:cNvSpPr>
-            <a:spLocks noGrp="1"/>
-          </p:cNvSpPr>
-          <p:nvPr>
-            <p:ph type="sldNum" sz="quarter" idx="12"/>
-          </p:nvPr>
-        </p:nvSpPr>
-        <p:spPr/>
-        <p:txBody>
-          <a:bodyPr/>
-          <a:lstStyle/>
-          <a:p>
-            <a:fld id="{8F51AA48-4279-4C50-BCA8-9B89458F02DC}" type="slidenum">
-              <a:rPr lang="en-US" smtClean="0"/>
-              <a:t>‹#›</a:t>
-            </a:fld>
-            <a:endParaRPr lang="en-US"/>
-          </a:p>
-        </p:txBody>
-      </p:sp>
-    </p:spTree>
-    <p:extLst>
-      <p:ext uri="{BB962C8B-B14F-4D97-AF65-F5344CB8AC3E}">
-        <p14:creationId xmlns:p14="http://schemas.microsoft.com/office/powerpoint/2010/main" val="2381134802"/>
-      </p:ext>
-    </p:extLst>
-  </p:cSld>
-  <p:clrMapOvr>
-    <a:masterClrMapping/>
-  </p:clrMapOvr>
-</p:sldLayout>
-</file>
-
-<file path=ppt/slideLayouts/slideLayout6.xml><?xml version="1.0" encoding="utf-8"?>
-<p:sldLayout xmlns:a="http://schemas.openxmlformats.org/drawingml/2006/main" xmlns:r="http://schemas.openxmlformats.org/officeDocument/2006/relationships" xmlns:p="http://schemas.openxmlformats.org/presentationml/2006/main" type="titleOnly" preserve="1">
-  <p:cSld name="Title Only">
-    <p:spTree>
-      <p:nvGrpSpPr>
-        <p:cNvPr id="1" name=""/>
-        <p:cNvGrpSpPr/>
-        <p:nvPr/>
-      </p:nvGrpSpPr>
-      <p:grpSpPr>
-        <a:xfrm>
-          <a:off x="0" y="0"/>
-          <a:ext cx="0" cy="0"/>
-          <a:chOff x="0" y="0"/>
-          <a:chExt cx="0" cy="0"/>
-        </a:xfrm>
-      </p:grpSpPr>
-      <p:sp>
-        <p:nvSpPr>
-          <p:cNvPr id="2" name="Title 1"/>
-          <p:cNvSpPr>
-            <a:spLocks noGrp="1"/>
-          </p:cNvSpPr>
-          <p:nvPr>
-            <p:ph type="title"/>
-          </p:nvPr>
-        </p:nvSpPr>
-        <p:spPr/>
-        <p:txBody>
-          <a:bodyPr/>
-          <a:lstStyle/>
-          <a:p>
-            <a:r>
-              <a:rPr lang="en-US"/>
-              <a:t>Click to edit Master title style</a:t>
-            </a:r>
-          </a:p>
-        </p:txBody>
-      </p:sp>
-      <p:sp>
-        <p:nvSpPr>
-          <p:cNvPr id="3" name="Date Placeholder 2"/>
-          <p:cNvSpPr>
-            <a:spLocks noGrp="1"/>
-          </p:cNvSpPr>
-          <p:nvPr>
-            <p:ph type="dt" sz="half" idx="10"/>
-          </p:nvPr>
-        </p:nvSpPr>
-        <p:spPr/>
-        <p:txBody>
-          <a:bodyPr/>
-          <a:lstStyle/>
-          <a:p>
-            <a:fld id="{B64F0473-4824-4868-9863-EEA350BDC4C3}" type="datetimeFigureOut">
-              <a:rPr lang="en-US" smtClean="0"/>
-              <a:t>10/27/2019</a:t>
-            </a:fld>
-            <a:endParaRPr lang="en-US"/>
-          </a:p>
-        </p:txBody>
-      </p:sp>
-      <p:sp>
-        <p:nvSpPr>
-          <p:cNvPr id="4" name="Footer Placeholder 3"/>
-          <p:cNvSpPr>
-            <a:spLocks noGrp="1"/>
-          </p:cNvSpPr>
-          <p:nvPr>
-            <p:ph type="ftr" sz="quarter" idx="11"/>
-          </p:nvPr>
-        </p:nvSpPr>
-        <p:spPr/>
-        <p:txBody>
-          <a:bodyPr/>
-          <a:lstStyle/>
-          <a:p>
-            <a:endParaRPr lang="en-US"/>
-          </a:p>
-        </p:txBody>
-      </p:sp>
-      <p:sp>
-        <p:nvSpPr>
-          <p:cNvPr id="5" name="Slide Number Placeholder 4"/>
-          <p:cNvSpPr>
-            <a:spLocks noGrp="1"/>
-          </p:cNvSpPr>
-          <p:nvPr>
-            <p:ph type="sldNum" sz="quarter" idx="12"/>
-          </p:nvPr>
-        </p:nvSpPr>
-        <p:spPr/>
-        <p:txBody>
-          <a:bodyPr/>
-          <a:lstStyle/>
-          <a:p>
-            <a:fld id="{8F51AA48-4279-4C50-BCA8-9B89458F02DC}" type="slidenum">
-              <a:rPr lang="en-US" smtClean="0"/>
-              <a:t>‹#›</a:t>
-            </a:fld>
-            <a:endParaRPr lang="en-US"/>
-          </a:p>
-        </p:txBody>
-      </p:sp>
-    </p:spTree>
-    <p:extLst>
-      <p:ext uri="{BB962C8B-B14F-4D97-AF65-F5344CB8AC3E}">
-        <p14:creationId xmlns:p14="http://schemas.microsoft.com/office/powerpoint/2010/main" val="1764033406"/>
-      </p:ext>
-    </p:extLst>
-  </p:cSld>
-  <p:clrMapOvr>
-    <a:masterClrMapping/>
-  </p:clrMapOvr>
-</p:sldLayout>
-</file>
-
-<file path=ppt/slideLayouts/slideLayout7.xml><?xml version="1.0" encoding="utf-8"?>
-<p:sldLayout xmlns:a="http://schemas.openxmlformats.org/drawingml/2006/main" xmlns:r="http://schemas.openxmlformats.org/officeDocument/2006/relationships" xmlns:p="http://schemas.openxmlformats.org/presentationml/2006/main" type="blank" preserve="1">
-  <p:cSld name="Blank">
-    <p:spTree>
-      <p:nvGrpSpPr>
-        <p:cNvPr id="1" name=""/>
-        <p:cNvGrpSpPr/>
-        <p:nvPr/>
-      </p:nvGrpSpPr>
-      <p:grpSpPr>
-        <a:xfrm>
-          <a:off x="0" y="0"/>
-          <a:ext cx="0" cy="0"/>
-          <a:chOff x="0" y="0"/>
-          <a:chExt cx="0" cy="0"/>
-        </a:xfrm>
-      </p:grpSpPr>
-      <p:sp>
-        <p:nvSpPr>
-          <p:cNvPr id="2" name="Date Placeholder 1"/>
-          <p:cNvSpPr>
-            <a:spLocks noGrp="1"/>
-          </p:cNvSpPr>
-          <p:nvPr>
-            <p:ph type="dt" sz="half" idx="10"/>
-          </p:nvPr>
-        </p:nvSpPr>
-        <p:spPr/>
-        <p:txBody>
-          <a:bodyPr/>
-          <a:lstStyle/>
-          <a:p>
-            <a:fld id="{B64F0473-4824-4868-9863-EEA350BDC4C3}" type="datetimeFigureOut">
-              <a:rPr lang="en-US" smtClean="0"/>
-              <a:t>10/27/2019</a:t>
-            </a:fld>
-            <a:endParaRPr lang="en-US"/>
-          </a:p>
-        </p:txBody>
-      </p:sp>
-      <p:sp>
-        <p:nvSpPr>
-          <p:cNvPr id="3" name="Footer Placeholder 2"/>
-          <p:cNvSpPr>
-            <a:spLocks noGrp="1"/>
-          </p:cNvSpPr>
-          <p:nvPr>
-            <p:ph type="ftr" sz="quarter" idx="11"/>
-          </p:nvPr>
-        </p:nvSpPr>
-        <p:spPr/>
-        <p:txBody>
-          <a:bodyPr/>
-          <a:lstStyle/>
-          <a:p>
-            <a:endParaRPr lang="en-US"/>
-          </a:p>
-        </p:txBody>
-      </p:sp>
-      <p:sp>
-        <p:nvSpPr>
-          <p:cNvPr id="4" name="Slide Number Placeholder 3"/>
-          <p:cNvSpPr>
-            <a:spLocks noGrp="1"/>
-          </p:cNvSpPr>
-          <p:nvPr>
-            <p:ph type="sldNum" sz="quarter" idx="12"/>
-          </p:nvPr>
-        </p:nvSpPr>
-        <p:spPr/>
-        <p:txBody>
-          <a:bodyPr/>
-          <a:lstStyle/>
-          <a:p>
-            <a:fld id="{8F51AA48-4279-4C50-BCA8-9B89458F02DC}" type="slidenum">
-              <a:rPr lang="en-US" smtClean="0"/>
-              <a:t>‹#›</a:t>
-            </a:fld>
-            <a:endParaRPr lang="en-US"/>
-          </a:p>
-        </p:txBody>
-      </p:sp>
-    </p:spTree>
-    <p:extLst>
-      <p:ext uri="{BB962C8B-B14F-4D97-AF65-F5344CB8AC3E}">
-        <p14:creationId xmlns:p14="http://schemas.microsoft.com/office/powerpoint/2010/main" val="2195539406"/>
-      </p:ext>
-    </p:extLst>
-  </p:cSld>
-  <p:clrMapOvr>
-    <a:masterClrMapping/>
-  </p:clrMapOvr>
-</p:sldLayout>
-</file>
-
-<file path=ppt/slideLayouts/slideLayout8.xml><?xml version="1.0" encoding="utf-8"?>
-<p:sldLayout xmlns:a="http://schemas.openxmlformats.org/drawingml/2006/main" xmlns:r="http://schemas.openxmlformats.org/officeDocument/2006/relationships" xmlns:p="http://schemas.openxmlformats.org/presentationml/2006/main" type="objTx" preserve="1">
-  <p:cSld name="Content with Caption">
-    <p:spTree>
-      <p:nvGrpSpPr>
-        <p:cNvPr id="1" name=""/>
-        <p:cNvGrpSpPr/>
-        <p:nvPr/>
-      </p:nvGrpSpPr>
-      <p:grpSpPr>
-        <a:xfrm>
-          <a:off x="0" y="0"/>
-          <a:ext cx="0" cy="0"/>
-          <a:chOff x="0" y="0"/>
-          <a:chExt cx="0" cy="0"/>
-        </a:xfrm>
-      </p:grpSpPr>
-      <p:sp>
-        <p:nvSpPr>
-          <p:cNvPr id="2" name="Title 1"/>
-          <p:cNvSpPr>
-            <a:spLocks noGrp="1"/>
-          </p:cNvSpPr>
-          <p:nvPr>
-            <p:ph type="title"/>
-          </p:nvPr>
-        </p:nvSpPr>
-        <p:spPr>
-          <a:xfrm>
-            <a:off x="839788" y="457200"/>
-            <a:ext cx="3932237" cy="1600200"/>
-          </a:xfrm>
-        </p:spPr>
-        <p:txBody>
-          <a:bodyPr anchor="b"/>
-          <a:lstStyle>
-            <a:lvl1pPr>
-              <a:defRPr sz="3200"/>
-            </a:lvl1pPr>
-          </a:lstStyle>
-          <a:p>
-            <a:r>
-              <a:rPr lang="en-US"/>
-              <a:t>Click to edit Master title style</a:t>
-            </a:r>
-          </a:p>
-        </p:txBody>
-      </p:sp>
-      <p:sp>
-        <p:nvSpPr>
-          <p:cNvPr id="3" name="Content Placeholder 2"/>
-          <p:cNvSpPr>
-            <a:spLocks noGrp="1"/>
-          </p:cNvSpPr>
-          <p:nvPr>
-            <p:ph idx="1"/>
-          </p:nvPr>
-        </p:nvSpPr>
-        <p:spPr>
-          <a:xfrm>
-            <a:off x="5183188" y="987425"/>
-            <a:ext cx="6172200" cy="4873625"/>
-          </a:xfrm>
-        </p:spPr>
-        <p:txBody>
-          <a:bodyPr/>
-          <a:lstStyle>
-            <a:lvl1pPr>
-              <a:defRPr sz="3200"/>
-            </a:lvl1pPr>
-            <a:lvl2pPr>
-              <a:defRPr sz="2800"/>
-            </a:lvl2pPr>
-            <a:lvl3pPr>
-              <a:defRPr sz="2400"/>
-            </a:lvl3pPr>
-            <a:lvl4pPr>
-              <a:defRPr sz="2000"/>
-            </a:lvl4pPr>
-            <a:lvl5pPr>
-              <a:defRPr sz="2000"/>
-            </a:lvl5pPr>
-            <a:lvl6pPr>
-              <a:defRPr sz="2000"/>
-            </a:lvl6pPr>
-            <a:lvl7pPr>
-              <a:defRPr sz="2000"/>
-            </a:lvl7pPr>
-            <a:lvl8pPr>
-              <a:defRPr sz="2000"/>
-            </a:lvl8pPr>
-            <a:lvl9pPr>
-              <a:defRPr sz="2000"/>
-            </a:lvl9pPr>
-          </a:lstStyle>
-          <a:p>
-            <a:pPr lvl="0"/>
-            <a:r>
-              <a:rPr lang="en-US"/>
-              <a:t>Click to edit Master text styles</a:t>
-            </a:r>
-          </a:p>
-          <a:p>
-            <a:pPr lvl="1"/>
-            <a:r>
-              <a:rPr lang="en-US"/>
-              <a:t>Second level</a:t>
-            </a:r>
-          </a:p>
-          <a:p>
-            <a:pPr lvl="2"/>
-            <a:r>
-              <a:rPr lang="en-US"/>
-              <a:t>Third level</a:t>
-            </a:r>
-          </a:p>
-          <a:p>
-            <a:pPr lvl="3"/>
-            <a:r>
-              <a:rPr lang="en-US"/>
-              <a:t>Fourth level</a:t>
-            </a:r>
-          </a:p>
-          <a:p>
-            <a:pPr lvl="4"/>
-            <a:r>
-              <a:rPr lang="en-US"/>
-              <a:t>Fifth level</a:t>
-            </a:r>
-          </a:p>
-        </p:txBody>
-      </p:sp>
-      <p:sp>
-        <p:nvSpPr>
-          <p:cNvPr id="4" name="Text Placeholder 3"/>
-          <p:cNvSpPr>
-            <a:spLocks noGrp="1"/>
-          </p:cNvSpPr>
-          <p:nvPr>
-            <p:ph type="body" sz="half" idx="2"/>
-          </p:nvPr>
-        </p:nvSpPr>
-        <p:spPr>
-          <a:xfrm>
-            <a:off x="839788" y="2057400"/>
-            <a:ext cx="3932237" cy="3811588"/>
-          </a:xfrm>
-        </p:spPr>
-        <p:txBody>
-          <a:bodyPr/>
-          <a:lstStyle>
-            <a:lvl1pPr marL="0" indent="0">
-              <a:buNone/>
-              <a:defRPr sz="1600"/>
-            </a:lvl1pPr>
-            <a:lvl2pPr marL="457200" indent="0">
-              <a:buNone/>
-              <a:defRPr sz="1400"/>
-            </a:lvl2pPr>
-            <a:lvl3pPr marL="914400" indent="0">
-              <a:buNone/>
-              <a:defRPr sz="1200"/>
-            </a:lvl3pPr>
-            <a:lvl4pPr marL="1371600" indent="0">
-              <a:buNone/>
-              <a:defRPr sz="1000"/>
-            </a:lvl4pPr>
-            <a:lvl5pPr marL="1828800" indent="0">
-              <a:buNone/>
-              <a:defRPr sz="1000"/>
-            </a:lvl5pPr>
-            <a:lvl6pPr marL="2286000" indent="0">
-              <a:buNone/>
-              <a:defRPr sz="1000"/>
-            </a:lvl6pPr>
-            <a:lvl7pPr marL="2743200" indent="0">
-              <a:buNone/>
-              <a:defRPr sz="1000"/>
-            </a:lvl7pPr>
-            <a:lvl8pPr marL="3200400" indent="0">
-              <a:buNone/>
-              <a:defRPr sz="1000"/>
-            </a:lvl8pPr>
-            <a:lvl9pPr marL="3657600" indent="0">
-              <a:buNone/>
-              <a:defRPr sz="1000"/>
-            </a:lvl9pPr>
-          </a:lstStyle>
-          <a:p>
-            <a:pPr lvl="0"/>
-            <a:r>
-              <a:rPr lang="en-US"/>
-              <a:t>Click to edit Master text styles</a:t>
-            </a:r>
-          </a:p>
-        </p:txBody>
-      </p:sp>
-      <p:sp>
-        <p:nvSpPr>
-          <p:cNvPr id="5" name="Date Placeholder 4"/>
-          <p:cNvSpPr>
-            <a:spLocks noGrp="1"/>
-          </p:cNvSpPr>
-          <p:nvPr>
-            <p:ph type="dt" sz="half" idx="10"/>
-          </p:nvPr>
-        </p:nvSpPr>
-        <p:spPr/>
-        <p:txBody>
-          <a:bodyPr/>
-          <a:lstStyle/>
-          <a:p>
-            <a:fld id="{B64F0473-4824-4868-9863-EEA350BDC4C3}" type="datetimeFigureOut">
-              <a:rPr lang="en-US" smtClean="0"/>
-              <a:t>10/27/2019</a:t>
-            </a:fld>
-            <a:endParaRPr lang="en-US"/>
-          </a:p>
-        </p:txBody>
-      </p:sp>
-      <p:sp>
-        <p:nvSpPr>
-          <p:cNvPr id="6" name="Footer Placeholder 5"/>
-          <p:cNvSpPr>
-            <a:spLocks noGrp="1"/>
-          </p:cNvSpPr>
-          <p:nvPr>
-            <p:ph type="ftr" sz="quarter" idx="11"/>
-          </p:nvPr>
-        </p:nvSpPr>
-        <p:spPr/>
-        <p:txBody>
-          <a:bodyPr/>
-          <a:lstStyle/>
-          <a:p>
-            <a:endParaRPr lang="en-US"/>
-          </a:p>
-        </p:txBody>
-      </p:sp>
-      <p:sp>
-        <p:nvSpPr>
-          <p:cNvPr id="7" name="Slide Number Placeholder 6"/>
-          <p:cNvSpPr>
-            <a:spLocks noGrp="1"/>
-          </p:cNvSpPr>
-          <p:nvPr>
-            <p:ph type="sldNum" sz="quarter" idx="12"/>
-          </p:nvPr>
-        </p:nvSpPr>
-        <p:spPr/>
-        <p:txBody>
-          <a:bodyPr/>
-          <a:lstStyle/>
-          <a:p>
-            <a:fld id="{8F51AA48-4279-4C50-BCA8-9B89458F02DC}" type="slidenum">
-              <a:rPr lang="en-US" smtClean="0"/>
-              <a:t>‹#›</a:t>
-            </a:fld>
-            <a:endParaRPr lang="en-US"/>
-          </a:p>
-        </p:txBody>
-      </p:sp>
-    </p:spTree>
-    <p:extLst>
-      <p:ext uri="{BB962C8B-B14F-4D97-AF65-F5344CB8AC3E}">
-        <p14:creationId xmlns:p14="http://schemas.microsoft.com/office/powerpoint/2010/main" val="2957014651"/>
-      </p:ext>
-    </p:extLst>
-  </p:cSld>
-  <p:clrMapOvr>
-    <a:masterClrMapping/>
-  </p:clrMapOvr>
-</p:sldLayout>
-</file>
-
 <file path=ppt/slideLayouts/slideLayout9.xml><?xml version="1.0" encoding="utf-8"?>
 <p:sldLayout xmlns:a="http://schemas.openxmlformats.org/drawingml/2006/main" xmlns:r="http://schemas.openxmlformats.org/officeDocument/2006/relationships" xmlns:p="http://schemas.openxmlformats.org/presentationml/2006/main" type="picTx" preserve="1">
   <p:cSld name="Picture with Caption">
@@ -4973,15 +2655,15 @@
         </p:nvSpPr>
         <p:spPr>
           <a:xfrm>
-            <a:off x="839788" y="457200"/>
-            <a:ext cx="3932237" cy="1600200"/>
+            <a:off x="2389717" y="4800600"/>
+            <a:ext cx="7315200" cy="566738"/>
           </a:xfrm>
         </p:spPr>
         <p:txBody>
           <a:bodyPr anchor="b"/>
           <a:lstStyle>
-            <a:lvl1pPr>
-              <a:defRPr sz="3200"/>
+            <a:lvl1pPr algn="l">
+              <a:defRPr sz="2000" b="1"/>
             </a:lvl1pPr>
           </a:lstStyle>
           <a:p>
@@ -5004,8 +2686,8 @@
         </p:nvSpPr>
         <p:spPr>
           <a:xfrm>
-            <a:off x="5183188" y="987425"/>
-            <a:ext cx="6172200" cy="4873625"/>
+            <a:off x="2389717" y="612775"/>
+            <a:ext cx="7315200" cy="4114800"/>
           </a:xfrm>
         </p:spPr>
         <p:txBody>
@@ -5049,7 +2731,8 @@
             </a:lvl9pPr>
           </a:lstStyle>
           <a:p>
-            <a:endParaRPr lang="en-US"/>
+            <a:pPr lvl="0"/>
+            <a:endParaRPr lang="en-US" noProof="0" dirty="0"/>
           </a:p>
         </p:txBody>
       </p:sp>
@@ -5065,8 +2748,8 @@
         </p:nvSpPr>
         <p:spPr>
           <a:xfrm>
-            <a:off x="839788" y="2057400"/>
-            <a:ext cx="3932237" cy="3811588"/>
+            <a:off x="2389717" y="5367338"/>
+            <a:ext cx="7315200" cy="804862"/>
           </a:xfrm>
         </p:spPr>
         <p:txBody>
@@ -5074,39 +2757,39 @@
           <a:lstStyle>
             <a:lvl1pPr marL="0" indent="0">
               <a:buNone/>
-              <a:defRPr sz="1600"/>
+              <a:defRPr sz="1400"/>
             </a:lvl1pPr>
             <a:lvl2pPr marL="457200" indent="0">
               <a:buNone/>
-              <a:defRPr sz="1400"/>
+              <a:defRPr sz="1200"/>
             </a:lvl2pPr>
             <a:lvl3pPr marL="914400" indent="0">
               <a:buNone/>
-              <a:defRPr sz="1200"/>
+              <a:defRPr sz="1000"/>
             </a:lvl3pPr>
             <a:lvl4pPr marL="1371600" indent="0">
               <a:buNone/>
-              <a:defRPr sz="1000"/>
+              <a:defRPr sz="900"/>
             </a:lvl4pPr>
             <a:lvl5pPr marL="1828800" indent="0">
               <a:buNone/>
-              <a:defRPr sz="1000"/>
+              <a:defRPr sz="900"/>
             </a:lvl5pPr>
             <a:lvl6pPr marL="2286000" indent="0">
               <a:buNone/>
-              <a:defRPr sz="1000"/>
+              <a:defRPr sz="900"/>
             </a:lvl6pPr>
             <a:lvl7pPr marL="2743200" indent="0">
               <a:buNone/>
-              <a:defRPr sz="1000"/>
+              <a:defRPr sz="900"/>
             </a:lvl7pPr>
             <a:lvl8pPr marL="3200400" indent="0">
               <a:buNone/>
-              <a:defRPr sz="1000"/>
+              <a:defRPr sz="900"/>
             </a:lvl8pPr>
             <a:lvl9pPr marL="3657600" indent="0">
               <a:buNone/>
-              <a:defRPr sz="1000"/>
+              <a:defRPr sz="900"/>
             </a:lvl9pPr>
           </a:lstStyle>
           <a:p>
@@ -5120,73 +2803,115 @@
       </p:sp>
       <p:sp>
         <p:nvSpPr>
-          <p:cNvPr id="5" name="Date Placeholder 4"/>
+          <p:cNvPr id="5" name="Rectangle 4"/>
           <p:cNvSpPr>
-            <a:spLocks noGrp="1"/>
+            <a:spLocks noGrp="1" noChangeArrowheads="1"/>
           </p:cNvSpPr>
           <p:nvPr>
             <p:ph type="dt" sz="half" idx="10"/>
           </p:nvPr>
         </p:nvSpPr>
-        <p:spPr/>
+        <p:spPr>
+          <a:ln/>
+        </p:spPr>
         <p:txBody>
           <a:bodyPr/>
-          <a:lstStyle/>
-          <a:p>
-            <a:fld id="{B64F0473-4824-4868-9863-EEA350BDC4C3}" type="datetimeFigureOut">
-              <a:rPr lang="en-US" smtClean="0"/>
-              <a:t>10/27/2019</a:t>
-            </a:fld>
-            <a:endParaRPr lang="en-US"/>
-          </a:p>
-        </p:txBody>
-      </p:sp>
-      <p:sp>
-        <p:nvSpPr>
-          <p:cNvPr id="6" name="Footer Placeholder 5"/>
+          <a:lstStyle>
+            <a:lvl1pPr>
+              <a:defRPr/>
+            </a:lvl1pPr>
+          </a:lstStyle>
+          <a:p>
+            <a:pPr>
+              <a:defRPr/>
+            </a:pPr>
+            <a:endParaRPr lang="en-US" dirty="0">
+              <a:solidFill>
+                <a:srgbClr val="000000"/>
+              </a:solidFill>
+            </a:endParaRPr>
+          </a:p>
+        </p:txBody>
+      </p:sp>
+      <p:sp>
+        <p:nvSpPr>
+          <p:cNvPr id="6" name="Rectangle 5"/>
           <p:cNvSpPr>
-            <a:spLocks noGrp="1"/>
+            <a:spLocks noGrp="1" noChangeArrowheads="1"/>
           </p:cNvSpPr>
           <p:nvPr>
             <p:ph type="ftr" sz="quarter" idx="11"/>
           </p:nvPr>
         </p:nvSpPr>
-        <p:spPr/>
+        <p:spPr>
+          <a:ln/>
+        </p:spPr>
         <p:txBody>
           <a:bodyPr/>
-          <a:lstStyle/>
-          <a:p>
-            <a:endParaRPr lang="en-US"/>
-          </a:p>
-        </p:txBody>
-      </p:sp>
-      <p:sp>
-        <p:nvSpPr>
-          <p:cNvPr id="7" name="Slide Number Placeholder 6"/>
+          <a:lstStyle>
+            <a:lvl1pPr>
+              <a:defRPr/>
+            </a:lvl1pPr>
+          </a:lstStyle>
+          <a:p>
+            <a:pPr>
+              <a:defRPr/>
+            </a:pPr>
+            <a:endParaRPr lang="en-US" dirty="0">
+              <a:solidFill>
+                <a:srgbClr val="000000"/>
+              </a:solidFill>
+            </a:endParaRPr>
+          </a:p>
+        </p:txBody>
+      </p:sp>
+      <p:sp>
+        <p:nvSpPr>
+          <p:cNvPr id="7" name="Rectangle 6"/>
           <p:cNvSpPr>
-            <a:spLocks noGrp="1"/>
+            <a:spLocks noGrp="1" noChangeArrowheads="1"/>
           </p:cNvSpPr>
           <p:nvPr>
             <p:ph type="sldNum" sz="quarter" idx="12"/>
           </p:nvPr>
         </p:nvSpPr>
-        <p:spPr/>
+        <p:spPr>
+          <a:ln/>
+        </p:spPr>
         <p:txBody>
           <a:bodyPr/>
-          <a:lstStyle/>
-          <a:p>
-            <a:fld id="{8F51AA48-4279-4C50-BCA8-9B89458F02DC}" type="slidenum">
-              <a:rPr lang="en-US" smtClean="0"/>
+          <a:lstStyle>
+            <a:lvl1pPr>
+              <a:defRPr/>
+            </a:lvl1pPr>
+          </a:lstStyle>
+          <a:p>
+            <a:pPr>
+              <a:defRPr/>
+            </a:pPr>
+            <a:fld id="{5A9B10AC-3682-441E-9D29-583962F2F275}" type="slidenum">
+              <a:rPr lang="en-US">
+                <a:solidFill>
+                  <a:srgbClr val="000000"/>
+                </a:solidFill>
+              </a:rPr>
+              <a:pPr>
+                <a:defRPr/>
+              </a:pPr>
               <a:t>‹#›</a:t>
             </a:fld>
-            <a:endParaRPr lang="en-US"/>
+            <a:endParaRPr lang="en-US" dirty="0">
+              <a:solidFill>
+                <a:srgbClr val="000000"/>
+              </a:solidFill>
+            </a:endParaRPr>
           </a:p>
         </p:txBody>
       </p:sp>
     </p:spTree>
     <p:extLst>
       <p:ext uri="{BB962C8B-B14F-4D97-AF65-F5344CB8AC3E}">
-        <p14:creationId xmlns:p14="http://schemas.microsoft.com/office/powerpoint/2010/main" val="3687322177"/>
+        <p14:creationId xmlns:p14="http://schemas.microsoft.com/office/powerpoint/2010/main" val="3995572213"/>
       </p:ext>
     </p:extLst>
   </p:cSld>
@@ -5197,544 +2922,6 @@
 </file>
 
 <file path=ppt/slideMasters/slideMaster1.xml><?xml version="1.0" encoding="utf-8"?>
-<p:sldMaster xmlns:a="http://schemas.openxmlformats.org/drawingml/2006/main" xmlns:r="http://schemas.openxmlformats.org/officeDocument/2006/relationships" xmlns:p="http://schemas.openxmlformats.org/presentationml/2006/main">
-  <p:cSld>
-    <p:bg>
-      <p:bgRef idx="1001">
-        <a:schemeClr val="bg1"/>
-      </p:bgRef>
-    </p:bg>
-    <p:spTree>
-      <p:nvGrpSpPr>
-        <p:cNvPr id="1" name=""/>
-        <p:cNvGrpSpPr/>
-        <p:nvPr/>
-      </p:nvGrpSpPr>
-      <p:grpSpPr>
-        <a:xfrm>
-          <a:off x="0" y="0"/>
-          <a:ext cx="0" cy="0"/>
-          <a:chOff x="0" y="0"/>
-          <a:chExt cx="0" cy="0"/>
-        </a:xfrm>
-      </p:grpSpPr>
-      <p:sp>
-        <p:nvSpPr>
-          <p:cNvPr id="2" name="Title Placeholder 1"/>
-          <p:cNvSpPr>
-            <a:spLocks noGrp="1"/>
-          </p:cNvSpPr>
-          <p:nvPr>
-            <p:ph type="title"/>
-          </p:nvPr>
-        </p:nvSpPr>
-        <p:spPr>
-          <a:xfrm>
-            <a:off x="838200" y="365125"/>
-            <a:ext cx="10515600" cy="1325563"/>
-          </a:xfrm>
-          <a:prstGeom prst="rect">
-            <a:avLst/>
-          </a:prstGeom>
-        </p:spPr>
-        <p:txBody>
-          <a:bodyPr vert="horz" lIns="91440" tIns="45720" rIns="91440" bIns="45720" rtlCol="0" anchor="ctr">
-            <a:normAutofit/>
-          </a:bodyPr>
-          <a:lstStyle/>
-          <a:p>
-            <a:r>
-              <a:rPr lang="en-US"/>
-              <a:t>Click to edit Master title style</a:t>
-            </a:r>
-          </a:p>
-        </p:txBody>
-      </p:sp>
-      <p:sp>
-        <p:nvSpPr>
-          <p:cNvPr id="3" name="Text Placeholder 2"/>
-          <p:cNvSpPr>
-            <a:spLocks noGrp="1"/>
-          </p:cNvSpPr>
-          <p:nvPr>
-            <p:ph type="body" idx="1"/>
-          </p:nvPr>
-        </p:nvSpPr>
-        <p:spPr>
-          <a:xfrm>
-            <a:off x="838200" y="1825625"/>
-            <a:ext cx="10515600" cy="4351338"/>
-          </a:xfrm>
-          <a:prstGeom prst="rect">
-            <a:avLst/>
-          </a:prstGeom>
-        </p:spPr>
-        <p:txBody>
-          <a:bodyPr vert="horz" lIns="91440" tIns="45720" rIns="91440" bIns="45720" rtlCol="0">
-            <a:normAutofit/>
-          </a:bodyPr>
-          <a:lstStyle/>
-          <a:p>
-            <a:pPr lvl="0"/>
-            <a:r>
-              <a:rPr lang="en-US"/>
-              <a:t>Click to edit Master text styles</a:t>
-            </a:r>
-          </a:p>
-          <a:p>
-            <a:pPr lvl="1"/>
-            <a:r>
-              <a:rPr lang="en-US"/>
-              <a:t>Second level</a:t>
-            </a:r>
-          </a:p>
-          <a:p>
-            <a:pPr lvl="2"/>
-            <a:r>
-              <a:rPr lang="en-US"/>
-              <a:t>Third level</a:t>
-            </a:r>
-          </a:p>
-          <a:p>
-            <a:pPr lvl="3"/>
-            <a:r>
-              <a:rPr lang="en-US"/>
-              <a:t>Fourth level</a:t>
-            </a:r>
-          </a:p>
-          <a:p>
-            <a:pPr lvl="4"/>
-            <a:r>
-              <a:rPr lang="en-US"/>
-              <a:t>Fifth level</a:t>
-            </a:r>
-          </a:p>
-        </p:txBody>
-      </p:sp>
-      <p:sp>
-        <p:nvSpPr>
-          <p:cNvPr id="4" name="Date Placeholder 3"/>
-          <p:cNvSpPr>
-            <a:spLocks noGrp="1"/>
-          </p:cNvSpPr>
-          <p:nvPr>
-            <p:ph type="dt" sz="half" idx="2"/>
-          </p:nvPr>
-        </p:nvSpPr>
-        <p:spPr>
-          <a:xfrm>
-            <a:off x="838200" y="6356350"/>
-            <a:ext cx="2743200" cy="365125"/>
-          </a:xfrm>
-          <a:prstGeom prst="rect">
-            <a:avLst/>
-          </a:prstGeom>
-        </p:spPr>
-        <p:txBody>
-          <a:bodyPr vert="horz" lIns="91440" tIns="45720" rIns="91440" bIns="45720" rtlCol="0" anchor="ctr"/>
-          <a:lstStyle>
-            <a:lvl1pPr algn="l">
-              <a:defRPr sz="1200">
-                <a:solidFill>
-                  <a:schemeClr val="tx1">
-                    <a:tint val="75000"/>
-                  </a:schemeClr>
-                </a:solidFill>
-              </a:defRPr>
-            </a:lvl1pPr>
-          </a:lstStyle>
-          <a:p>
-            <a:fld id="{B64F0473-4824-4868-9863-EEA350BDC4C3}" type="datetimeFigureOut">
-              <a:rPr lang="en-US" smtClean="0"/>
-              <a:t>10/27/2019</a:t>
-            </a:fld>
-            <a:endParaRPr lang="en-US"/>
-          </a:p>
-        </p:txBody>
-      </p:sp>
-      <p:sp>
-        <p:nvSpPr>
-          <p:cNvPr id="5" name="Footer Placeholder 4"/>
-          <p:cNvSpPr>
-            <a:spLocks noGrp="1"/>
-          </p:cNvSpPr>
-          <p:nvPr>
-            <p:ph type="ftr" sz="quarter" idx="3"/>
-          </p:nvPr>
-        </p:nvSpPr>
-        <p:spPr>
-          <a:xfrm>
-            <a:off x="4038600" y="6356350"/>
-            <a:ext cx="4114800" cy="365125"/>
-          </a:xfrm>
-          <a:prstGeom prst="rect">
-            <a:avLst/>
-          </a:prstGeom>
-        </p:spPr>
-        <p:txBody>
-          <a:bodyPr vert="horz" lIns="91440" tIns="45720" rIns="91440" bIns="45720" rtlCol="0" anchor="ctr"/>
-          <a:lstStyle>
-            <a:lvl1pPr algn="ctr">
-              <a:defRPr sz="1200">
-                <a:solidFill>
-                  <a:schemeClr val="tx1">
-                    <a:tint val="75000"/>
-                  </a:schemeClr>
-                </a:solidFill>
-              </a:defRPr>
-            </a:lvl1pPr>
-          </a:lstStyle>
-          <a:p>
-            <a:endParaRPr lang="en-US"/>
-          </a:p>
-        </p:txBody>
-      </p:sp>
-      <p:sp>
-        <p:nvSpPr>
-          <p:cNvPr id="6" name="Slide Number Placeholder 5"/>
-          <p:cNvSpPr>
-            <a:spLocks noGrp="1"/>
-          </p:cNvSpPr>
-          <p:nvPr>
-            <p:ph type="sldNum" sz="quarter" idx="4"/>
-          </p:nvPr>
-        </p:nvSpPr>
-        <p:spPr>
-          <a:xfrm>
-            <a:off x="8610600" y="6356350"/>
-            <a:ext cx="2743200" cy="365125"/>
-          </a:xfrm>
-          <a:prstGeom prst="rect">
-            <a:avLst/>
-          </a:prstGeom>
-        </p:spPr>
-        <p:txBody>
-          <a:bodyPr vert="horz" lIns="91440" tIns="45720" rIns="91440" bIns="45720" rtlCol="0" anchor="ctr"/>
-          <a:lstStyle>
-            <a:lvl1pPr algn="r">
-              <a:defRPr sz="1200">
-                <a:solidFill>
-                  <a:schemeClr val="tx1">
-                    <a:tint val="75000"/>
-                  </a:schemeClr>
-                </a:solidFill>
-              </a:defRPr>
-            </a:lvl1pPr>
-          </a:lstStyle>
-          <a:p>
-            <a:fld id="{8F51AA48-4279-4C50-BCA8-9B89458F02DC}" type="slidenum">
-              <a:rPr lang="en-US" smtClean="0"/>
-              <a:t>‹#›</a:t>
-            </a:fld>
-            <a:endParaRPr lang="en-US"/>
-          </a:p>
-        </p:txBody>
-      </p:sp>
-    </p:spTree>
-    <p:extLst>
-      <p:ext uri="{BB962C8B-B14F-4D97-AF65-F5344CB8AC3E}">
-        <p14:creationId xmlns:p14="http://schemas.microsoft.com/office/powerpoint/2010/main" val="2048450951"/>
-      </p:ext>
-    </p:extLst>
-  </p:cSld>
-  <p:clrMap bg1="lt1" tx1="dk1" bg2="lt2" tx2="dk2" accent1="accent1" accent2="accent2" accent3="accent3" accent4="accent4" accent5="accent5" accent6="accent6" hlink="hlink" folHlink="folHlink"/>
-  <p:sldLayoutIdLst>
-    <p:sldLayoutId id="2147483649" r:id="rId1"/>
-    <p:sldLayoutId id="2147483650" r:id="rId2"/>
-    <p:sldLayoutId id="2147483651" r:id="rId3"/>
-    <p:sldLayoutId id="2147483652" r:id="rId4"/>
-    <p:sldLayoutId id="2147483653" r:id="rId5"/>
-    <p:sldLayoutId id="2147483654" r:id="rId6"/>
-    <p:sldLayoutId id="2147483655" r:id="rId7"/>
-    <p:sldLayoutId id="2147483656" r:id="rId8"/>
-    <p:sldLayoutId id="2147483657" r:id="rId9"/>
-    <p:sldLayoutId id="2147483658" r:id="rId10"/>
-    <p:sldLayoutId id="2147483659" r:id="rId11"/>
-  </p:sldLayoutIdLst>
-  <p:txStyles>
-    <p:titleStyle>
-      <a:lvl1pPr algn="l" defTabSz="914400" rtl="0" eaLnBrk="1" latinLnBrk="0" hangingPunct="1">
-        <a:lnSpc>
-          <a:spcPct val="90000"/>
-        </a:lnSpc>
-        <a:spcBef>
-          <a:spcPct val="0"/>
-        </a:spcBef>
-        <a:buNone/>
-        <a:defRPr sz="4400" kern="1200">
-          <a:solidFill>
-            <a:schemeClr val="tx1"/>
-          </a:solidFill>
-          <a:latin typeface="+mj-lt"/>
-          <a:ea typeface="+mj-ea"/>
-          <a:cs typeface="+mj-cs"/>
-        </a:defRPr>
-      </a:lvl1pPr>
-    </p:titleStyle>
-    <p:bodyStyle>
-      <a:lvl1pPr marL="228600" indent="-228600" algn="l" defTabSz="914400" rtl="0" eaLnBrk="1" latinLnBrk="0" hangingPunct="1">
-        <a:lnSpc>
-          <a:spcPct val="90000"/>
-        </a:lnSpc>
-        <a:spcBef>
-          <a:spcPts val="1000"/>
-        </a:spcBef>
-        <a:buFont typeface="Arial" panose="020B0604020202020204" pitchFamily="34" charset="0"/>
-        <a:buChar char="•"/>
-        <a:defRPr sz="2800" kern="1200">
-          <a:solidFill>
-            <a:schemeClr val="tx1"/>
-          </a:solidFill>
-          <a:latin typeface="+mn-lt"/>
-          <a:ea typeface="+mn-ea"/>
-          <a:cs typeface="+mn-cs"/>
-        </a:defRPr>
-      </a:lvl1pPr>
-      <a:lvl2pPr marL="685800" indent="-228600" algn="l" defTabSz="914400" rtl="0" eaLnBrk="1" latinLnBrk="0" hangingPunct="1">
-        <a:lnSpc>
-          <a:spcPct val="90000"/>
-        </a:lnSpc>
-        <a:spcBef>
-          <a:spcPts val="500"/>
-        </a:spcBef>
-        <a:buFont typeface="Arial" panose="020B0604020202020204" pitchFamily="34" charset="0"/>
-        <a:buChar char="•"/>
-        <a:defRPr sz="2400" kern="1200">
-          <a:solidFill>
-            <a:schemeClr val="tx1"/>
-          </a:solidFill>
-          <a:latin typeface="+mn-lt"/>
-          <a:ea typeface="+mn-ea"/>
-          <a:cs typeface="+mn-cs"/>
-        </a:defRPr>
-      </a:lvl2pPr>
-      <a:lvl3pPr marL="1143000" indent="-228600" algn="l" defTabSz="914400" rtl="0" eaLnBrk="1" latinLnBrk="0" hangingPunct="1">
-        <a:lnSpc>
-          <a:spcPct val="90000"/>
-        </a:lnSpc>
-        <a:spcBef>
-          <a:spcPts val="500"/>
-        </a:spcBef>
-        <a:buFont typeface="Arial" panose="020B0604020202020204" pitchFamily="34" charset="0"/>
-        <a:buChar char="•"/>
-        <a:defRPr sz="2000" kern="1200">
-          <a:solidFill>
-            <a:schemeClr val="tx1"/>
-          </a:solidFill>
-          <a:latin typeface="+mn-lt"/>
-          <a:ea typeface="+mn-ea"/>
-          <a:cs typeface="+mn-cs"/>
-        </a:defRPr>
-      </a:lvl3pPr>
-      <a:lvl4pPr marL="1600200" indent="-228600" algn="l" defTabSz="914400" rtl="0" eaLnBrk="1" latinLnBrk="0" hangingPunct="1">
-        <a:lnSpc>
-          <a:spcPct val="90000"/>
-        </a:lnSpc>
-        <a:spcBef>
-          <a:spcPts val="500"/>
-        </a:spcBef>
-        <a:buFont typeface="Arial" panose="020B0604020202020204" pitchFamily="34" charset="0"/>
-        <a:buChar char="•"/>
-        <a:defRPr sz="1800" kern="1200">
-          <a:solidFill>
-            <a:schemeClr val="tx1"/>
-          </a:solidFill>
-          <a:latin typeface="+mn-lt"/>
-          <a:ea typeface="+mn-ea"/>
-          <a:cs typeface="+mn-cs"/>
-        </a:defRPr>
-      </a:lvl4pPr>
-      <a:lvl5pPr marL="2057400" indent="-228600" algn="l" defTabSz="914400" rtl="0" eaLnBrk="1" latinLnBrk="0" hangingPunct="1">
-        <a:lnSpc>
-          <a:spcPct val="90000"/>
-        </a:lnSpc>
-        <a:spcBef>
-          <a:spcPts val="500"/>
-        </a:spcBef>
-        <a:buFont typeface="Arial" panose="020B0604020202020204" pitchFamily="34" charset="0"/>
-        <a:buChar char="•"/>
-        <a:defRPr sz="1800" kern="1200">
-          <a:solidFill>
-            <a:schemeClr val="tx1"/>
-          </a:solidFill>
-          <a:latin typeface="+mn-lt"/>
-          <a:ea typeface="+mn-ea"/>
-          <a:cs typeface="+mn-cs"/>
-        </a:defRPr>
-      </a:lvl5pPr>
-      <a:lvl6pPr marL="2514600" indent="-228600" algn="l" defTabSz="914400" rtl="0" eaLnBrk="1" latinLnBrk="0" hangingPunct="1">
-        <a:lnSpc>
-          <a:spcPct val="90000"/>
-        </a:lnSpc>
-        <a:spcBef>
-          <a:spcPts val="500"/>
-        </a:spcBef>
-        <a:buFont typeface="Arial" panose="020B0604020202020204" pitchFamily="34" charset="0"/>
-        <a:buChar char="•"/>
-        <a:defRPr sz="1800" kern="1200">
-          <a:solidFill>
-            <a:schemeClr val="tx1"/>
-          </a:solidFill>
-          <a:latin typeface="+mn-lt"/>
-          <a:ea typeface="+mn-ea"/>
-          <a:cs typeface="+mn-cs"/>
-        </a:defRPr>
-      </a:lvl6pPr>
-      <a:lvl7pPr marL="2971800" indent="-228600" algn="l" defTabSz="914400" rtl="0" eaLnBrk="1" latinLnBrk="0" hangingPunct="1">
-        <a:lnSpc>
-          <a:spcPct val="90000"/>
-        </a:lnSpc>
-        <a:spcBef>
-          <a:spcPts val="500"/>
-        </a:spcBef>
-        <a:buFont typeface="Arial" panose="020B0604020202020204" pitchFamily="34" charset="0"/>
-        <a:buChar char="•"/>
-        <a:defRPr sz="1800" kern="1200">
-          <a:solidFill>
-            <a:schemeClr val="tx1"/>
-          </a:solidFill>
-          <a:latin typeface="+mn-lt"/>
-          <a:ea typeface="+mn-ea"/>
-          <a:cs typeface="+mn-cs"/>
-        </a:defRPr>
-      </a:lvl7pPr>
-      <a:lvl8pPr marL="3429000" indent="-228600" algn="l" defTabSz="914400" rtl="0" eaLnBrk="1" latinLnBrk="0" hangingPunct="1">
-        <a:lnSpc>
-          <a:spcPct val="90000"/>
-        </a:lnSpc>
-        <a:spcBef>
-          <a:spcPts val="500"/>
-        </a:spcBef>
-        <a:buFont typeface="Arial" panose="020B0604020202020204" pitchFamily="34" charset="0"/>
-        <a:buChar char="•"/>
-        <a:defRPr sz="1800" kern="1200">
-          <a:solidFill>
-            <a:schemeClr val="tx1"/>
-          </a:solidFill>
-          <a:latin typeface="+mn-lt"/>
-          <a:ea typeface="+mn-ea"/>
-          <a:cs typeface="+mn-cs"/>
-        </a:defRPr>
-      </a:lvl8pPr>
-      <a:lvl9pPr marL="3886200" indent="-228600" algn="l" defTabSz="914400" rtl="0" eaLnBrk="1" latinLnBrk="0" hangingPunct="1">
-        <a:lnSpc>
-          <a:spcPct val="90000"/>
-        </a:lnSpc>
-        <a:spcBef>
-          <a:spcPts val="500"/>
-        </a:spcBef>
-        <a:buFont typeface="Arial" panose="020B0604020202020204" pitchFamily="34" charset="0"/>
-        <a:buChar char="•"/>
-        <a:defRPr sz="1800" kern="1200">
-          <a:solidFill>
-            <a:schemeClr val="tx1"/>
-          </a:solidFill>
-          <a:latin typeface="+mn-lt"/>
-          <a:ea typeface="+mn-ea"/>
-          <a:cs typeface="+mn-cs"/>
-        </a:defRPr>
-      </a:lvl9pPr>
-    </p:bodyStyle>
-    <p:otherStyle>
-      <a:defPPr>
-        <a:defRPr lang="en-US"/>
-      </a:defPPr>
-      <a:lvl1pPr marL="0" algn="l" defTabSz="914400" rtl="0" eaLnBrk="1" latinLnBrk="0" hangingPunct="1">
-        <a:defRPr sz="1800" kern="1200">
-          <a:solidFill>
-            <a:schemeClr val="tx1"/>
-          </a:solidFill>
-          <a:latin typeface="+mn-lt"/>
-          <a:ea typeface="+mn-ea"/>
-          <a:cs typeface="+mn-cs"/>
-        </a:defRPr>
-      </a:lvl1pPr>
-      <a:lvl2pPr marL="457200" algn="l" defTabSz="914400" rtl="0" eaLnBrk="1" latinLnBrk="0" hangingPunct="1">
-        <a:defRPr sz="1800" kern="1200">
-          <a:solidFill>
-            <a:schemeClr val="tx1"/>
-          </a:solidFill>
-          <a:latin typeface="+mn-lt"/>
-          <a:ea typeface="+mn-ea"/>
-          <a:cs typeface="+mn-cs"/>
-        </a:defRPr>
-      </a:lvl2pPr>
-      <a:lvl3pPr marL="914400" algn="l" defTabSz="914400" rtl="0" eaLnBrk="1" latinLnBrk="0" hangingPunct="1">
-        <a:defRPr sz="1800" kern="1200">
-          <a:solidFill>
-            <a:schemeClr val="tx1"/>
-          </a:solidFill>
-          <a:latin typeface="+mn-lt"/>
-          <a:ea typeface="+mn-ea"/>
-          <a:cs typeface="+mn-cs"/>
-        </a:defRPr>
-      </a:lvl3pPr>
-      <a:lvl4pPr marL="1371600" algn="l" defTabSz="914400" rtl="0" eaLnBrk="1" latinLnBrk="0" hangingPunct="1">
-        <a:defRPr sz="1800" kern="1200">
-          <a:solidFill>
-            <a:schemeClr val="tx1"/>
-          </a:solidFill>
-          <a:latin typeface="+mn-lt"/>
-          <a:ea typeface="+mn-ea"/>
-          <a:cs typeface="+mn-cs"/>
-        </a:defRPr>
-      </a:lvl4pPr>
-      <a:lvl5pPr marL="1828800" algn="l" defTabSz="914400" rtl="0" eaLnBrk="1" latinLnBrk="0" hangingPunct="1">
-        <a:defRPr sz="1800" kern="1200">
-          <a:solidFill>
-            <a:schemeClr val="tx1"/>
-          </a:solidFill>
-          <a:latin typeface="+mn-lt"/>
-          <a:ea typeface="+mn-ea"/>
-          <a:cs typeface="+mn-cs"/>
-        </a:defRPr>
-      </a:lvl5pPr>
-      <a:lvl6pPr marL="2286000" algn="l" defTabSz="914400" rtl="0" eaLnBrk="1" latinLnBrk="0" hangingPunct="1">
-        <a:defRPr sz="1800" kern="1200">
-          <a:solidFill>
-            <a:schemeClr val="tx1"/>
-          </a:solidFill>
-          <a:latin typeface="+mn-lt"/>
-          <a:ea typeface="+mn-ea"/>
-          <a:cs typeface="+mn-cs"/>
-        </a:defRPr>
-      </a:lvl6pPr>
-      <a:lvl7pPr marL="2743200" algn="l" defTabSz="914400" rtl="0" eaLnBrk="1" latinLnBrk="0" hangingPunct="1">
-        <a:defRPr sz="1800" kern="1200">
-          <a:solidFill>
-            <a:schemeClr val="tx1"/>
-          </a:solidFill>
-          <a:latin typeface="+mn-lt"/>
-          <a:ea typeface="+mn-ea"/>
-          <a:cs typeface="+mn-cs"/>
-        </a:defRPr>
-      </a:lvl7pPr>
-      <a:lvl8pPr marL="3200400" algn="l" defTabSz="914400" rtl="0" eaLnBrk="1" latinLnBrk="0" hangingPunct="1">
-        <a:defRPr sz="1800" kern="1200">
-          <a:solidFill>
-            <a:schemeClr val="tx1"/>
-          </a:solidFill>
-          <a:latin typeface="+mn-lt"/>
-          <a:ea typeface="+mn-ea"/>
-          <a:cs typeface="+mn-cs"/>
-        </a:defRPr>
-      </a:lvl8pPr>
-      <a:lvl9pPr marL="3657600" algn="l" defTabSz="914400" rtl="0" eaLnBrk="1" latinLnBrk="0" hangingPunct="1">
-        <a:defRPr sz="1800" kern="1200">
-          <a:solidFill>
-            <a:schemeClr val="tx1"/>
-          </a:solidFill>
-          <a:latin typeface="+mn-lt"/>
-          <a:ea typeface="+mn-ea"/>
-          <a:cs typeface="+mn-cs"/>
-        </a:defRPr>
-      </a:lvl9pPr>
-    </p:otherStyle>
-  </p:txStyles>
-</p:sldMaster>
-</file>
-
-<file path=ppt/slideMasters/slideMaster2.xml><?xml version="1.0" encoding="utf-8"?>
 <p:sldMaster xmlns:a="http://schemas.openxmlformats.org/drawingml/2006/main" xmlns:r="http://schemas.openxmlformats.org/officeDocument/2006/relationships" xmlns:p="http://schemas.openxmlformats.org/presentationml/2006/main">
   <p:cSld>
     <p:bg>
@@ -6551,6 +3738,2263 @@
       </p:grpSpPr>
       <p:sp>
         <p:nvSpPr>
+          <p:cNvPr id="4" name="TextBox 3"/>
+          <p:cNvSpPr txBox="1"/>
+          <p:nvPr/>
+        </p:nvSpPr>
+        <p:spPr>
+          <a:xfrm>
+            <a:off x="10134600" y="6450568"/>
+            <a:ext cx="441146" cy="369332"/>
+          </a:xfrm>
+          <a:prstGeom prst="rect">
+            <a:avLst/>
+          </a:prstGeom>
+          <a:noFill/>
+        </p:spPr>
+        <p:txBody>
+          <a:bodyPr wrap="none" rtlCol="0">
+            <a:spAutoFit/>
+          </a:bodyPr>
+          <a:lstStyle/>
+          <a:p>
+            <a:pPr fontAlgn="base">
+              <a:spcBef>
+                <a:spcPct val="0"/>
+              </a:spcBef>
+              <a:spcAft>
+                <a:spcPct val="0"/>
+              </a:spcAft>
+            </a:pPr>
+            <a:r>
+              <a:rPr lang="en-US">
+                <a:solidFill>
+                  <a:srgbClr val="000000"/>
+                </a:solidFill>
+              </a:rPr>
+              <a:t>[2]</a:t>
+            </a:r>
+          </a:p>
+        </p:txBody>
+      </p:sp>
+      <p:sp>
+        <p:nvSpPr>
+          <p:cNvPr id="9" name="Title 1">
+            <a:extLst>
+              <a:ext uri="{FF2B5EF4-FFF2-40B4-BE49-F238E27FC236}">
+                <a16:creationId xmlns:a16="http://schemas.microsoft.com/office/drawing/2014/main" id="{7EA781C6-EEE0-408D-B5A2-927D6B42C779}"/>
+              </a:ext>
+            </a:extLst>
+          </p:cNvPr>
+          <p:cNvSpPr txBox="1">
+            <a:spLocks/>
+          </p:cNvSpPr>
+          <p:nvPr/>
+        </p:nvSpPr>
+        <p:spPr>
+          <a:xfrm>
+            <a:off x="1524000" y="1122363"/>
+            <a:ext cx="9144000" cy="2387600"/>
+          </a:xfrm>
+          <a:prstGeom prst="rect">
+            <a:avLst/>
+          </a:prstGeom>
+        </p:spPr>
+        <p:txBody>
+          <a:bodyPr vert="horz" lIns="91440" tIns="45720" rIns="91440" bIns="45720" rtlCol="0" anchor="b">
+            <a:normAutofit fontScale="97500" lnSpcReduction="10000"/>
+          </a:bodyPr>
+          <a:lstStyle>
+            <a:lvl1pPr algn="ctr" defTabSz="914400" rtl="0" eaLnBrk="1" latinLnBrk="0" hangingPunct="1">
+              <a:lnSpc>
+                <a:spcPct val="90000"/>
+              </a:lnSpc>
+              <a:spcBef>
+                <a:spcPct val="0"/>
+              </a:spcBef>
+              <a:buNone/>
+              <a:defRPr sz="6000" kern="1200">
+                <a:solidFill>
+                  <a:schemeClr val="tx1"/>
+                </a:solidFill>
+                <a:latin typeface="+mj-lt"/>
+                <a:ea typeface="+mj-ea"/>
+                <a:cs typeface="+mj-cs"/>
+              </a:defRPr>
+            </a:lvl1pPr>
+          </a:lstStyle>
+          <a:p>
+            <a:pPr marL="0" marR="0" lvl="0" indent="0" algn="ctr" defTabSz="914400" rtl="0" eaLnBrk="1" fontAlgn="auto" latinLnBrk="0" hangingPunct="1">
+              <a:lnSpc>
+                <a:spcPct val="90000"/>
+              </a:lnSpc>
+              <a:spcBef>
+                <a:spcPct val="0"/>
+              </a:spcBef>
+              <a:spcAft>
+                <a:spcPts val="0"/>
+              </a:spcAft>
+              <a:buClrTx/>
+              <a:buSzTx/>
+              <a:buFontTx/>
+              <a:buNone/>
+              <a:tabLst/>
+              <a:defRPr/>
+            </a:pPr>
+            <a:r>
+              <a:rPr kumimoji="0" lang="en-US" sz="6000" b="0" i="0" u="none" strike="noStrike" kern="1200" cap="none" spc="0" normalizeH="0" baseline="0" noProof="0">
+                <a:ln>
+                  <a:noFill/>
+                </a:ln>
+                <a:solidFill>
+                  <a:sysClr val="windowText" lastClr="000000"/>
+                </a:solidFill>
+                <a:effectLst/>
+                <a:uLnTx/>
+                <a:uFillTx/>
+                <a:latin typeface="Calibri Light" panose="020F0302020204030204"/>
+                <a:ea typeface="+mj-ea"/>
+                <a:cs typeface="+mj-cs"/>
+              </a:rPr>
+              <a:t>Unit Testing</a:t>
+            </a:r>
+            <a:br>
+              <a:rPr kumimoji="0" lang="en-US" sz="6000" b="0" i="0" u="none" strike="noStrike" kern="1200" cap="none" spc="0" normalizeH="0" baseline="0" noProof="0">
+                <a:ln>
+                  <a:noFill/>
+                </a:ln>
+                <a:solidFill>
+                  <a:sysClr val="windowText" lastClr="000000"/>
+                </a:solidFill>
+                <a:effectLst/>
+                <a:uLnTx/>
+                <a:uFillTx/>
+                <a:latin typeface="Calibri Light" panose="020F0302020204030204"/>
+                <a:ea typeface="+mj-ea"/>
+                <a:cs typeface="+mj-cs"/>
+              </a:rPr>
+            </a:br>
+            <a:r>
+              <a:rPr kumimoji="0" lang="en-US" sz="6000" b="0" i="0" u="none" strike="noStrike" kern="1200" cap="none" spc="0" normalizeH="0" baseline="0" noProof="0">
+                <a:ln>
+                  <a:noFill/>
+                </a:ln>
+                <a:solidFill>
+                  <a:sysClr val="windowText" lastClr="000000"/>
+                </a:solidFill>
+                <a:effectLst/>
+                <a:uLnTx/>
+                <a:uFillTx/>
+                <a:latin typeface="Calibri Light" panose="020F0302020204030204"/>
+                <a:ea typeface="+mj-ea"/>
+                <a:cs typeface="+mj-cs"/>
+              </a:rPr>
+              <a:t>&amp;</a:t>
+            </a:r>
+            <a:br>
+              <a:rPr kumimoji="0" lang="en-US" sz="6000" b="0" i="0" u="none" strike="noStrike" kern="1200" cap="none" spc="0" normalizeH="0" baseline="0" noProof="0">
+                <a:ln>
+                  <a:noFill/>
+                </a:ln>
+                <a:solidFill>
+                  <a:sysClr val="windowText" lastClr="000000"/>
+                </a:solidFill>
+                <a:effectLst/>
+                <a:uLnTx/>
+                <a:uFillTx/>
+                <a:latin typeface="Calibri Light" panose="020F0302020204030204"/>
+                <a:ea typeface="+mj-ea"/>
+                <a:cs typeface="+mj-cs"/>
+              </a:rPr>
+            </a:br>
+            <a:r>
+              <a:rPr kumimoji="0" lang="en-US" sz="6000" b="0" i="0" u="none" strike="noStrike" kern="1200" cap="none" spc="0" normalizeH="0" baseline="0" noProof="0">
+                <a:ln>
+                  <a:noFill/>
+                </a:ln>
+                <a:solidFill>
+                  <a:sysClr val="windowText" lastClr="000000"/>
+                </a:solidFill>
+                <a:effectLst/>
+                <a:uLnTx/>
+                <a:uFillTx/>
+                <a:latin typeface="Calibri Light" panose="020F0302020204030204"/>
+                <a:ea typeface="+mj-ea"/>
+                <a:cs typeface="+mj-cs"/>
+              </a:rPr>
+              <a:t>Dependency Injection</a:t>
+            </a:r>
+          </a:p>
+        </p:txBody>
+      </p:sp>
+      <p:sp>
+        <p:nvSpPr>
+          <p:cNvPr id="10" name="Subtitle 2">
+            <a:extLst>
+              <a:ext uri="{FF2B5EF4-FFF2-40B4-BE49-F238E27FC236}">
+                <a16:creationId xmlns:a16="http://schemas.microsoft.com/office/drawing/2014/main" id="{DEB9F9FC-962D-444C-9945-39FE2683E6A7}"/>
+              </a:ext>
+            </a:extLst>
+          </p:cNvPr>
+          <p:cNvSpPr txBox="1">
+            <a:spLocks/>
+          </p:cNvSpPr>
+          <p:nvPr/>
+        </p:nvSpPr>
+        <p:spPr>
+          <a:xfrm>
+            <a:off x="1524000" y="4330262"/>
+            <a:ext cx="9144000" cy="927538"/>
+          </a:xfrm>
+          <a:prstGeom prst="rect">
+            <a:avLst/>
+          </a:prstGeom>
+        </p:spPr>
+        <p:txBody>
+          <a:bodyPr vert="horz" lIns="91440" tIns="45720" rIns="91440" bIns="45720" rtlCol="0">
+            <a:normAutofit/>
+          </a:bodyPr>
+          <a:lstStyle>
+            <a:lvl1pPr marL="0" indent="0" algn="ctr" defTabSz="914400" rtl="0" eaLnBrk="1" latinLnBrk="0" hangingPunct="1">
+              <a:lnSpc>
+                <a:spcPct val="90000"/>
+              </a:lnSpc>
+              <a:spcBef>
+                <a:spcPts val="1000"/>
+              </a:spcBef>
+              <a:buFont typeface="Arial" panose="020B0604020202020204" pitchFamily="34" charset="0"/>
+              <a:buNone/>
+              <a:defRPr sz="2400" kern="1200">
+                <a:solidFill>
+                  <a:schemeClr val="tx1"/>
+                </a:solidFill>
+                <a:latin typeface="+mn-lt"/>
+                <a:ea typeface="+mn-ea"/>
+                <a:cs typeface="+mn-cs"/>
+              </a:defRPr>
+            </a:lvl1pPr>
+            <a:lvl2pPr marL="457200" indent="0" algn="ctr" defTabSz="914400" rtl="0" eaLnBrk="1" latinLnBrk="0" hangingPunct="1">
+              <a:lnSpc>
+                <a:spcPct val="90000"/>
+              </a:lnSpc>
+              <a:spcBef>
+                <a:spcPts val="500"/>
+              </a:spcBef>
+              <a:buFont typeface="Arial" panose="020B0604020202020204" pitchFamily="34" charset="0"/>
+              <a:buNone/>
+              <a:defRPr sz="2000" kern="1200">
+                <a:solidFill>
+                  <a:schemeClr val="tx1"/>
+                </a:solidFill>
+                <a:latin typeface="+mn-lt"/>
+                <a:ea typeface="+mn-ea"/>
+                <a:cs typeface="+mn-cs"/>
+              </a:defRPr>
+            </a:lvl2pPr>
+            <a:lvl3pPr marL="914400" indent="0" algn="ctr" defTabSz="914400" rtl="0" eaLnBrk="1" latinLnBrk="0" hangingPunct="1">
+              <a:lnSpc>
+                <a:spcPct val="90000"/>
+              </a:lnSpc>
+              <a:spcBef>
+                <a:spcPts val="500"/>
+              </a:spcBef>
+              <a:buFont typeface="Arial" panose="020B0604020202020204" pitchFamily="34" charset="0"/>
+              <a:buNone/>
+              <a:defRPr sz="1800" kern="1200">
+                <a:solidFill>
+                  <a:schemeClr val="tx1"/>
+                </a:solidFill>
+                <a:latin typeface="+mn-lt"/>
+                <a:ea typeface="+mn-ea"/>
+                <a:cs typeface="+mn-cs"/>
+              </a:defRPr>
+            </a:lvl3pPr>
+            <a:lvl4pPr marL="1371600" indent="0" algn="ctr" defTabSz="914400" rtl="0" eaLnBrk="1" latinLnBrk="0" hangingPunct="1">
+              <a:lnSpc>
+                <a:spcPct val="90000"/>
+              </a:lnSpc>
+              <a:spcBef>
+                <a:spcPts val="500"/>
+              </a:spcBef>
+              <a:buFont typeface="Arial" panose="020B0604020202020204" pitchFamily="34" charset="0"/>
+              <a:buNone/>
+              <a:defRPr sz="1600" kern="1200">
+                <a:solidFill>
+                  <a:schemeClr val="tx1"/>
+                </a:solidFill>
+                <a:latin typeface="+mn-lt"/>
+                <a:ea typeface="+mn-ea"/>
+                <a:cs typeface="+mn-cs"/>
+              </a:defRPr>
+            </a:lvl4pPr>
+            <a:lvl5pPr marL="1828800" indent="0" algn="ctr" defTabSz="914400" rtl="0" eaLnBrk="1" latinLnBrk="0" hangingPunct="1">
+              <a:lnSpc>
+                <a:spcPct val="90000"/>
+              </a:lnSpc>
+              <a:spcBef>
+                <a:spcPts val="500"/>
+              </a:spcBef>
+              <a:buFont typeface="Arial" panose="020B0604020202020204" pitchFamily="34" charset="0"/>
+              <a:buNone/>
+              <a:defRPr sz="1600" kern="1200">
+                <a:solidFill>
+                  <a:schemeClr val="tx1"/>
+                </a:solidFill>
+                <a:latin typeface="+mn-lt"/>
+                <a:ea typeface="+mn-ea"/>
+                <a:cs typeface="+mn-cs"/>
+              </a:defRPr>
+            </a:lvl5pPr>
+            <a:lvl6pPr marL="2286000" indent="0" algn="ctr" defTabSz="914400" rtl="0" eaLnBrk="1" latinLnBrk="0" hangingPunct="1">
+              <a:lnSpc>
+                <a:spcPct val="90000"/>
+              </a:lnSpc>
+              <a:spcBef>
+                <a:spcPts val="500"/>
+              </a:spcBef>
+              <a:buFont typeface="Arial" panose="020B0604020202020204" pitchFamily="34" charset="0"/>
+              <a:buNone/>
+              <a:defRPr sz="1600" kern="1200">
+                <a:solidFill>
+                  <a:schemeClr val="tx1"/>
+                </a:solidFill>
+                <a:latin typeface="+mn-lt"/>
+                <a:ea typeface="+mn-ea"/>
+                <a:cs typeface="+mn-cs"/>
+              </a:defRPr>
+            </a:lvl6pPr>
+            <a:lvl7pPr marL="2743200" indent="0" algn="ctr" defTabSz="914400" rtl="0" eaLnBrk="1" latinLnBrk="0" hangingPunct="1">
+              <a:lnSpc>
+                <a:spcPct val="90000"/>
+              </a:lnSpc>
+              <a:spcBef>
+                <a:spcPts val="500"/>
+              </a:spcBef>
+              <a:buFont typeface="Arial" panose="020B0604020202020204" pitchFamily="34" charset="0"/>
+              <a:buNone/>
+              <a:defRPr sz="1600" kern="1200">
+                <a:solidFill>
+                  <a:schemeClr val="tx1"/>
+                </a:solidFill>
+                <a:latin typeface="+mn-lt"/>
+                <a:ea typeface="+mn-ea"/>
+                <a:cs typeface="+mn-cs"/>
+              </a:defRPr>
+            </a:lvl7pPr>
+            <a:lvl8pPr marL="3200400" indent="0" algn="ctr" defTabSz="914400" rtl="0" eaLnBrk="1" latinLnBrk="0" hangingPunct="1">
+              <a:lnSpc>
+                <a:spcPct val="90000"/>
+              </a:lnSpc>
+              <a:spcBef>
+                <a:spcPts val="500"/>
+              </a:spcBef>
+              <a:buFont typeface="Arial" panose="020B0604020202020204" pitchFamily="34" charset="0"/>
+              <a:buNone/>
+              <a:defRPr sz="1600" kern="1200">
+                <a:solidFill>
+                  <a:schemeClr val="tx1"/>
+                </a:solidFill>
+                <a:latin typeface="+mn-lt"/>
+                <a:ea typeface="+mn-ea"/>
+                <a:cs typeface="+mn-cs"/>
+              </a:defRPr>
+            </a:lvl8pPr>
+            <a:lvl9pPr marL="3657600" indent="0" algn="ctr" defTabSz="914400" rtl="0" eaLnBrk="1" latinLnBrk="0" hangingPunct="1">
+              <a:lnSpc>
+                <a:spcPct val="90000"/>
+              </a:lnSpc>
+              <a:spcBef>
+                <a:spcPts val="500"/>
+              </a:spcBef>
+              <a:buFont typeface="Arial" panose="020B0604020202020204" pitchFamily="34" charset="0"/>
+              <a:buNone/>
+              <a:defRPr sz="1600" kern="1200">
+                <a:solidFill>
+                  <a:schemeClr val="tx1"/>
+                </a:solidFill>
+                <a:latin typeface="+mn-lt"/>
+                <a:ea typeface="+mn-ea"/>
+                <a:cs typeface="+mn-cs"/>
+              </a:defRPr>
+            </a:lvl9pPr>
+          </a:lstStyle>
+          <a:p>
+            <a:pPr marL="0" marR="0" lvl="0" indent="0" algn="ctr" defTabSz="914400" rtl="0" eaLnBrk="1" fontAlgn="auto" latinLnBrk="0" hangingPunct="1">
+              <a:lnSpc>
+                <a:spcPct val="90000"/>
+              </a:lnSpc>
+              <a:spcBef>
+                <a:spcPts val="1000"/>
+              </a:spcBef>
+              <a:spcAft>
+                <a:spcPts val="0"/>
+              </a:spcAft>
+              <a:buClrTx/>
+              <a:buSzTx/>
+              <a:buFont typeface="Arial" panose="020B0604020202020204" pitchFamily="34" charset="0"/>
+              <a:buNone/>
+              <a:tabLst/>
+              <a:defRPr/>
+            </a:pPr>
+            <a:r>
+              <a:rPr kumimoji="0" lang="en-US" sz="2400" b="0" i="0" u="none" strike="noStrike" kern="1200" cap="none" spc="0" normalizeH="0" baseline="0" noProof="0">
+                <a:ln>
+                  <a:noFill/>
+                </a:ln>
+                <a:solidFill>
+                  <a:sysClr val="windowText" lastClr="000000"/>
+                </a:solidFill>
+                <a:effectLst/>
+                <a:uLnTx/>
+                <a:uFillTx/>
+                <a:latin typeface="Calibri" panose="020F0502020204030204"/>
+                <a:ea typeface="+mn-ea"/>
+                <a:cs typeface="+mn-cs"/>
+              </a:rPr>
+              <a:t>Writing Good Code</a:t>
+            </a:r>
+          </a:p>
+        </p:txBody>
+      </p:sp>
+    </p:spTree>
+    <p:extLst>
+      <p:ext uri="{BB962C8B-B14F-4D97-AF65-F5344CB8AC3E}">
+        <p14:creationId xmlns:p14="http://schemas.microsoft.com/office/powerpoint/2010/main" val="2774899098"/>
+      </p:ext>
+    </p:extLst>
+  </p:cSld>
+  <p:clrMapOvr>
+    <a:masterClrMapping/>
+  </p:clrMapOvr>
+</p:sld>
+</file>
+
+<file path=ppt/slides/slide10.xml><?xml version="1.0" encoding="utf-8"?>
+<p:sld xmlns:a="http://schemas.openxmlformats.org/drawingml/2006/main" xmlns:r="http://schemas.openxmlformats.org/officeDocument/2006/relationships" xmlns:p="http://schemas.openxmlformats.org/presentationml/2006/main">
+  <p:cSld>
+    <p:spTree>
+      <p:nvGrpSpPr>
+        <p:cNvPr id="1" name=""/>
+        <p:cNvGrpSpPr/>
+        <p:nvPr/>
+      </p:nvGrpSpPr>
+      <p:grpSpPr>
+        <a:xfrm>
+          <a:off x="0" y="0"/>
+          <a:ext cx="0" cy="0"/>
+          <a:chOff x="0" y="0"/>
+          <a:chExt cx="0" cy="0"/>
+        </a:xfrm>
+      </p:grpSpPr>
+      <p:sp>
+        <p:nvSpPr>
+          <p:cNvPr id="2" name="Title 1">
+            <a:extLst>
+              <a:ext uri="{FF2B5EF4-FFF2-40B4-BE49-F238E27FC236}">
+                <a16:creationId xmlns:a16="http://schemas.microsoft.com/office/drawing/2014/main" id="{763888E0-12F0-4854-8306-0F5BB76053E9}"/>
+              </a:ext>
+            </a:extLst>
+          </p:cNvPr>
+          <p:cNvSpPr>
+            <a:spLocks noGrp="1"/>
+          </p:cNvSpPr>
+          <p:nvPr>
+            <p:ph type="title"/>
+          </p:nvPr>
+        </p:nvSpPr>
+        <p:spPr>
+          <a:xfrm>
+            <a:off x="609600" y="274638"/>
+            <a:ext cx="10972800" cy="608231"/>
+          </a:xfrm>
+        </p:spPr>
+        <p:txBody>
+          <a:bodyPr/>
+          <a:lstStyle/>
+          <a:p>
+            <a:r>
+              <a:rPr lang="en-US"/>
+              <a:t>We should use an Interface</a:t>
+            </a:r>
+          </a:p>
+        </p:txBody>
+      </p:sp>
+      <p:sp>
+        <p:nvSpPr>
+          <p:cNvPr id="4" name="Rectangle 3">
+            <a:extLst>
+              <a:ext uri="{FF2B5EF4-FFF2-40B4-BE49-F238E27FC236}">
+                <a16:creationId xmlns:a16="http://schemas.microsoft.com/office/drawing/2014/main" id="{B3CB889C-FC0A-47DD-879A-83A4F3EF71AB}"/>
+              </a:ext>
+            </a:extLst>
+          </p:cNvPr>
+          <p:cNvSpPr/>
+          <p:nvPr/>
+        </p:nvSpPr>
+        <p:spPr>
+          <a:xfrm>
+            <a:off x="3216166" y="2467837"/>
+            <a:ext cx="6096000" cy="3693319"/>
+          </a:xfrm>
+          <a:prstGeom prst="rect">
+            <a:avLst/>
+          </a:prstGeom>
+          <a:gradFill>
+            <a:gsLst>
+              <a:gs pos="0">
+                <a:schemeClr val="accent1">
+                  <a:lumMod val="5000"/>
+                  <a:lumOff val="95000"/>
+                </a:schemeClr>
+              </a:gs>
+              <a:gs pos="74000">
+                <a:schemeClr val="accent1">
+                  <a:lumMod val="45000"/>
+                  <a:lumOff val="55000"/>
+                </a:schemeClr>
+              </a:gs>
+              <a:gs pos="83000">
+                <a:schemeClr val="accent1">
+                  <a:lumMod val="45000"/>
+                  <a:lumOff val="55000"/>
+                </a:schemeClr>
+              </a:gs>
+              <a:gs pos="100000">
+                <a:schemeClr val="accent1">
+                  <a:lumMod val="30000"/>
+                  <a:lumOff val="70000"/>
+                </a:schemeClr>
+              </a:gs>
+            </a:gsLst>
+            <a:lin ang="5400000" scaled="1"/>
+          </a:gradFill>
+          <a:effectLst>
+            <a:outerShdw blurRad="50800" dist="38100" dir="8100000" algn="tr" rotWithShape="0">
+              <a:prstClr val="black">
+                <a:alpha val="40000"/>
+              </a:prstClr>
+            </a:outerShdw>
+          </a:effectLst>
+        </p:spPr>
+        <p:txBody>
+          <a:bodyPr>
+            <a:spAutoFit/>
+          </a:bodyPr>
+          <a:lstStyle/>
+          <a:p>
+            <a:r>
+              <a:rPr lang="en-US">
+                <a:solidFill>
+                  <a:srgbClr val="0000FF"/>
+                </a:solidFill>
+                <a:latin typeface="Consolas" panose="020B0609020204030204" pitchFamily="49" charset="0"/>
+              </a:rPr>
+              <a:t>using</a:t>
+            </a:r>
+            <a:r>
+              <a:rPr lang="en-US">
+                <a:solidFill>
+                  <a:srgbClr val="000000"/>
+                </a:solidFill>
+                <a:latin typeface="Consolas" panose="020B0609020204030204" pitchFamily="49" charset="0"/>
+              </a:rPr>
+              <a:t> System;</a:t>
+            </a:r>
+          </a:p>
+          <a:p>
+            <a:r>
+              <a:rPr lang="en-US">
+                <a:solidFill>
+                  <a:srgbClr val="0000FF"/>
+                </a:solidFill>
+                <a:latin typeface="Consolas" panose="020B0609020204030204" pitchFamily="49" charset="0"/>
+              </a:rPr>
+              <a:t>using</a:t>
+            </a:r>
+            <a:r>
+              <a:rPr lang="en-US">
+                <a:solidFill>
+                  <a:srgbClr val="000000"/>
+                </a:solidFill>
+                <a:latin typeface="Consolas" panose="020B0609020204030204" pitchFamily="49" charset="0"/>
+              </a:rPr>
+              <a:t> System.Collections.Generic;</a:t>
+            </a:r>
+          </a:p>
+          <a:p>
+            <a:r>
+              <a:rPr lang="en-US">
+                <a:solidFill>
+                  <a:srgbClr val="0000FF"/>
+                </a:solidFill>
+                <a:latin typeface="Consolas" panose="020B0609020204030204" pitchFamily="49" charset="0"/>
+              </a:rPr>
+              <a:t>using</a:t>
+            </a:r>
+            <a:r>
+              <a:rPr lang="en-US">
+                <a:solidFill>
+                  <a:srgbClr val="000000"/>
+                </a:solidFill>
+                <a:latin typeface="Consolas" panose="020B0609020204030204" pitchFamily="49" charset="0"/>
+              </a:rPr>
+              <a:t> System.Linq;</a:t>
+            </a:r>
+          </a:p>
+          <a:p>
+            <a:r>
+              <a:rPr lang="en-US">
+                <a:solidFill>
+                  <a:srgbClr val="0000FF"/>
+                </a:solidFill>
+                <a:latin typeface="Consolas" panose="020B0609020204030204" pitchFamily="49" charset="0"/>
+              </a:rPr>
+              <a:t>using</a:t>
+            </a:r>
+            <a:r>
+              <a:rPr lang="en-US">
+                <a:solidFill>
+                  <a:srgbClr val="000000"/>
+                </a:solidFill>
+                <a:latin typeface="Consolas" panose="020B0609020204030204" pitchFamily="49" charset="0"/>
+              </a:rPr>
+              <a:t> System.Text;</a:t>
+            </a:r>
+          </a:p>
+          <a:p>
+            <a:r>
+              <a:rPr lang="en-US">
+                <a:solidFill>
+                  <a:srgbClr val="0000FF"/>
+                </a:solidFill>
+                <a:latin typeface="Consolas" panose="020B0609020204030204" pitchFamily="49" charset="0"/>
+              </a:rPr>
+              <a:t>using</a:t>
+            </a:r>
+            <a:r>
+              <a:rPr lang="en-US">
+                <a:solidFill>
+                  <a:srgbClr val="000000"/>
+                </a:solidFill>
+                <a:latin typeface="Consolas" panose="020B0609020204030204" pitchFamily="49" charset="0"/>
+              </a:rPr>
+              <a:t> System.Threading.Tasks;</a:t>
+            </a:r>
+          </a:p>
+          <a:p>
+            <a:endParaRPr lang="en-US">
+              <a:solidFill>
+                <a:srgbClr val="000000"/>
+              </a:solidFill>
+              <a:latin typeface="Consolas" panose="020B0609020204030204" pitchFamily="49" charset="0"/>
+            </a:endParaRPr>
+          </a:p>
+          <a:p>
+            <a:r>
+              <a:rPr lang="en-US">
+                <a:solidFill>
+                  <a:srgbClr val="0000FF"/>
+                </a:solidFill>
+                <a:latin typeface="Consolas" panose="020B0609020204030204" pitchFamily="49" charset="0"/>
+              </a:rPr>
+              <a:t>namespace</a:t>
+            </a:r>
+            <a:r>
+              <a:rPr lang="en-US">
+                <a:solidFill>
+                  <a:srgbClr val="000000"/>
+                </a:solidFill>
+                <a:latin typeface="Consolas" panose="020B0609020204030204" pitchFamily="49" charset="0"/>
+              </a:rPr>
+              <a:t> IWormNamespace</a:t>
+            </a:r>
+          </a:p>
+          <a:p>
+            <a:r>
+              <a:rPr lang="en-US">
+                <a:solidFill>
+                  <a:srgbClr val="000000"/>
+                </a:solidFill>
+                <a:latin typeface="Consolas" panose="020B0609020204030204" pitchFamily="49" charset="0"/>
+              </a:rPr>
+              <a:t>{</a:t>
+            </a:r>
+          </a:p>
+          <a:p>
+            <a:r>
+              <a:rPr lang="en-US">
+                <a:solidFill>
+                  <a:srgbClr val="000000"/>
+                </a:solidFill>
+                <a:latin typeface="Consolas" panose="020B0609020204030204" pitchFamily="49" charset="0"/>
+              </a:rPr>
+              <a:t>    </a:t>
+            </a:r>
+            <a:r>
+              <a:rPr lang="en-US">
+                <a:solidFill>
+                  <a:srgbClr val="0000FF"/>
+                </a:solidFill>
+                <a:latin typeface="Consolas" panose="020B0609020204030204" pitchFamily="49" charset="0"/>
+              </a:rPr>
+              <a:t>public</a:t>
+            </a:r>
+            <a:r>
+              <a:rPr lang="en-US">
+                <a:solidFill>
+                  <a:srgbClr val="000000"/>
+                </a:solidFill>
+                <a:latin typeface="Consolas" panose="020B0609020204030204" pitchFamily="49" charset="0"/>
+              </a:rPr>
+              <a:t> </a:t>
+            </a:r>
+            <a:r>
+              <a:rPr lang="en-US">
+                <a:solidFill>
+                  <a:srgbClr val="0000FF"/>
+                </a:solidFill>
+                <a:latin typeface="Consolas" panose="020B0609020204030204" pitchFamily="49" charset="0"/>
+              </a:rPr>
+              <a:t>interface</a:t>
+            </a:r>
+            <a:r>
+              <a:rPr lang="en-US">
+                <a:solidFill>
+                  <a:srgbClr val="000000"/>
+                </a:solidFill>
+                <a:latin typeface="Consolas" panose="020B0609020204030204" pitchFamily="49" charset="0"/>
+              </a:rPr>
+              <a:t> </a:t>
+            </a:r>
+            <a:r>
+              <a:rPr lang="en-US">
+                <a:solidFill>
+                  <a:srgbClr val="2B91AF"/>
+                </a:solidFill>
+                <a:latin typeface="Consolas" panose="020B0609020204030204" pitchFamily="49" charset="0"/>
+              </a:rPr>
+              <a:t>IWorm</a:t>
+            </a:r>
+            <a:endParaRPr lang="en-US">
+              <a:solidFill>
+                <a:srgbClr val="000000"/>
+              </a:solidFill>
+              <a:latin typeface="Consolas" panose="020B0609020204030204" pitchFamily="49" charset="0"/>
+            </a:endParaRPr>
+          </a:p>
+          <a:p>
+            <a:r>
+              <a:rPr lang="en-US">
+                <a:solidFill>
+                  <a:srgbClr val="000000"/>
+                </a:solidFill>
+                <a:latin typeface="Consolas" panose="020B0609020204030204" pitchFamily="49" charset="0"/>
+              </a:rPr>
+              <a:t>    {</a:t>
+            </a:r>
+          </a:p>
+          <a:p>
+            <a:r>
+              <a:rPr lang="en-US">
+                <a:solidFill>
+                  <a:srgbClr val="000000"/>
+                </a:solidFill>
+                <a:latin typeface="Consolas" panose="020B0609020204030204" pitchFamily="49" charset="0"/>
+              </a:rPr>
+              <a:t>        </a:t>
+            </a:r>
+            <a:r>
+              <a:rPr lang="en-US">
+                <a:solidFill>
+                  <a:srgbClr val="0000FF"/>
+                </a:solidFill>
+                <a:latin typeface="Consolas" panose="020B0609020204030204" pitchFamily="49" charset="0"/>
+              </a:rPr>
+              <a:t>void</a:t>
+            </a:r>
+            <a:r>
+              <a:rPr lang="en-US">
+                <a:solidFill>
+                  <a:srgbClr val="000000"/>
+                </a:solidFill>
+                <a:latin typeface="Consolas" panose="020B0609020204030204" pitchFamily="49" charset="0"/>
+              </a:rPr>
+              <a:t> Infest();</a:t>
+            </a:r>
+          </a:p>
+          <a:p>
+            <a:r>
+              <a:rPr lang="en-US">
+                <a:solidFill>
+                  <a:srgbClr val="000000"/>
+                </a:solidFill>
+                <a:latin typeface="Consolas" panose="020B0609020204030204" pitchFamily="49" charset="0"/>
+              </a:rPr>
+              <a:t>    }</a:t>
+            </a:r>
+          </a:p>
+          <a:p>
+            <a:r>
+              <a:rPr lang="en-US">
+                <a:solidFill>
+                  <a:srgbClr val="000000"/>
+                </a:solidFill>
+                <a:latin typeface="Consolas" panose="020B0609020204030204" pitchFamily="49" charset="0"/>
+              </a:rPr>
+              <a:t>}</a:t>
+            </a:r>
+          </a:p>
+        </p:txBody>
+      </p:sp>
+    </p:spTree>
+    <p:extLst>
+      <p:ext uri="{BB962C8B-B14F-4D97-AF65-F5344CB8AC3E}">
+        <p14:creationId xmlns:p14="http://schemas.microsoft.com/office/powerpoint/2010/main" val="597086304"/>
+      </p:ext>
+    </p:extLst>
+  </p:cSld>
+  <p:clrMapOvr>
+    <a:masterClrMapping/>
+  </p:clrMapOvr>
+</p:sld>
+</file>
+
+<file path=ppt/slides/slide11.xml><?xml version="1.0" encoding="utf-8"?>
+<p:sld xmlns:a="http://schemas.openxmlformats.org/drawingml/2006/main" xmlns:r="http://schemas.openxmlformats.org/officeDocument/2006/relationships" xmlns:p="http://schemas.openxmlformats.org/presentationml/2006/main">
+  <p:cSld>
+    <p:spTree>
+      <p:nvGrpSpPr>
+        <p:cNvPr id="1" name=""/>
+        <p:cNvGrpSpPr/>
+        <p:nvPr/>
+      </p:nvGrpSpPr>
+      <p:grpSpPr>
+        <a:xfrm>
+          <a:off x="0" y="0"/>
+          <a:ext cx="0" cy="0"/>
+          <a:chOff x="0" y="0"/>
+          <a:chExt cx="0" cy="0"/>
+        </a:xfrm>
+      </p:grpSpPr>
+      <p:sp>
+        <p:nvSpPr>
+          <p:cNvPr id="3" name="Content Placeholder 2">
+            <a:extLst>
+              <a:ext uri="{FF2B5EF4-FFF2-40B4-BE49-F238E27FC236}">
+                <a16:creationId xmlns:a16="http://schemas.microsoft.com/office/drawing/2014/main" id="{DC280B4D-55DA-4B9C-A236-7A598673EAFC}"/>
+              </a:ext>
+            </a:extLst>
+          </p:cNvPr>
+          <p:cNvSpPr>
+            <a:spLocks noGrp="1"/>
+          </p:cNvSpPr>
+          <p:nvPr>
+            <p:ph idx="1"/>
+          </p:nvPr>
+        </p:nvSpPr>
+        <p:spPr>
+          <a:xfrm>
+            <a:off x="858982" y="1600201"/>
+            <a:ext cx="10972800" cy="4671290"/>
+          </a:xfrm>
+          <a:gradFill>
+            <a:gsLst>
+              <a:gs pos="0">
+                <a:schemeClr val="accent1">
+                  <a:lumMod val="5000"/>
+                  <a:lumOff val="95000"/>
+                </a:schemeClr>
+              </a:gs>
+              <a:gs pos="74000">
+                <a:schemeClr val="accent1">
+                  <a:lumMod val="45000"/>
+                  <a:lumOff val="55000"/>
+                </a:schemeClr>
+              </a:gs>
+              <a:gs pos="83000">
+                <a:schemeClr val="accent1">
+                  <a:lumMod val="45000"/>
+                  <a:lumOff val="55000"/>
+                </a:schemeClr>
+              </a:gs>
+              <a:gs pos="100000">
+                <a:schemeClr val="accent1">
+                  <a:lumMod val="30000"/>
+                  <a:lumOff val="70000"/>
+                </a:schemeClr>
+              </a:gs>
+            </a:gsLst>
+            <a:lin ang="5400000" scaled="1"/>
+          </a:gradFill>
+          <a:effectLst>
+            <a:outerShdw blurRad="50800" dist="38100" dir="8100000" algn="tr" rotWithShape="0">
+              <a:prstClr val="black">
+                <a:alpha val="40000"/>
+              </a:prstClr>
+            </a:outerShdw>
+          </a:effectLst>
+        </p:spPr>
+        <p:txBody>
+          <a:bodyPr/>
+          <a:lstStyle/>
+          <a:p>
+            <a:pPr marL="0" indent="0">
+              <a:buNone/>
+            </a:pPr>
+            <a:r>
+              <a:rPr lang="en-US" sz="1200">
+                <a:solidFill>
+                  <a:srgbClr val="0000FF"/>
+                </a:solidFill>
+                <a:latin typeface="Consolas" panose="020B0609020204030204" pitchFamily="49" charset="0"/>
+              </a:rPr>
+              <a:t>using</a:t>
+            </a:r>
+            <a:r>
+              <a:rPr lang="en-US" sz="1200">
+                <a:solidFill>
+                  <a:srgbClr val="000000"/>
+                </a:solidFill>
+                <a:latin typeface="Consolas" panose="020B0609020204030204" pitchFamily="49" charset="0"/>
+              </a:rPr>
+              <a:t> System;</a:t>
+            </a:r>
+          </a:p>
+          <a:p>
+            <a:pPr marL="0" indent="0">
+              <a:buNone/>
+            </a:pPr>
+            <a:endParaRPr lang="en-US" sz="1200">
+              <a:solidFill>
+                <a:srgbClr val="000000"/>
+              </a:solidFill>
+              <a:latin typeface="Consolas" panose="020B0609020204030204" pitchFamily="49" charset="0"/>
+            </a:endParaRPr>
+          </a:p>
+          <a:p>
+            <a:pPr marL="0" indent="0">
+              <a:buNone/>
+            </a:pPr>
+            <a:r>
+              <a:rPr lang="en-US" sz="1200">
+                <a:solidFill>
+                  <a:srgbClr val="0000FF"/>
+                </a:solidFill>
+                <a:latin typeface="Consolas" panose="020B0609020204030204" pitchFamily="49" charset="0"/>
+              </a:rPr>
+              <a:t>namespace</a:t>
+            </a:r>
+            <a:r>
+              <a:rPr lang="en-US" sz="1200">
+                <a:solidFill>
+                  <a:srgbClr val="000000"/>
+                </a:solidFill>
+                <a:latin typeface="Consolas" panose="020B0609020204030204" pitchFamily="49" charset="0"/>
+              </a:rPr>
+              <a:t> Fruits</a:t>
+            </a:r>
+          </a:p>
+          <a:p>
+            <a:pPr marL="0" indent="0">
+              <a:buNone/>
+            </a:pPr>
+            <a:r>
+              <a:rPr lang="en-US" sz="1200">
+                <a:solidFill>
+                  <a:srgbClr val="000000"/>
+                </a:solidFill>
+                <a:latin typeface="Consolas" panose="020B0609020204030204" pitchFamily="49" charset="0"/>
+              </a:rPr>
+              <a:t>{</a:t>
+            </a:r>
+          </a:p>
+          <a:p>
+            <a:pPr marL="0" indent="0">
+              <a:buNone/>
+            </a:pPr>
+            <a:r>
+              <a:rPr lang="en-US" sz="1200">
+                <a:solidFill>
+                  <a:srgbClr val="000000"/>
+                </a:solidFill>
+                <a:latin typeface="Consolas" panose="020B0609020204030204" pitchFamily="49" charset="0"/>
+              </a:rPr>
+              <a:t>    </a:t>
+            </a:r>
+            <a:r>
+              <a:rPr lang="en-US" sz="1200">
+                <a:solidFill>
+                  <a:srgbClr val="0000FF"/>
+                </a:solidFill>
+                <a:latin typeface="Consolas" panose="020B0609020204030204" pitchFamily="49" charset="0"/>
+              </a:rPr>
+              <a:t>public</a:t>
+            </a:r>
+            <a:r>
+              <a:rPr lang="en-US" sz="1200">
+                <a:solidFill>
+                  <a:srgbClr val="000000"/>
+                </a:solidFill>
+                <a:latin typeface="Consolas" panose="020B0609020204030204" pitchFamily="49" charset="0"/>
+              </a:rPr>
+              <a:t> </a:t>
+            </a:r>
+            <a:r>
+              <a:rPr lang="en-US" sz="1200">
+                <a:solidFill>
+                  <a:srgbClr val="0000FF"/>
+                </a:solidFill>
+                <a:latin typeface="Consolas" panose="020B0609020204030204" pitchFamily="49" charset="0"/>
+              </a:rPr>
+              <a:t>class</a:t>
+            </a:r>
+            <a:r>
+              <a:rPr lang="en-US" sz="1200">
+                <a:solidFill>
+                  <a:srgbClr val="000000"/>
+                </a:solidFill>
+                <a:latin typeface="Consolas" panose="020B0609020204030204" pitchFamily="49" charset="0"/>
+              </a:rPr>
+              <a:t> </a:t>
+            </a:r>
+            <a:r>
+              <a:rPr lang="en-US" sz="1200">
+                <a:solidFill>
+                  <a:srgbClr val="2B91AF"/>
+                </a:solidFill>
+                <a:latin typeface="Consolas" panose="020B0609020204030204" pitchFamily="49" charset="0"/>
+              </a:rPr>
+              <a:t>Apple</a:t>
+            </a:r>
+            <a:endParaRPr lang="en-US" sz="1200">
+              <a:solidFill>
+                <a:srgbClr val="000000"/>
+              </a:solidFill>
+              <a:latin typeface="Consolas" panose="020B0609020204030204" pitchFamily="49" charset="0"/>
+            </a:endParaRPr>
+          </a:p>
+          <a:p>
+            <a:pPr marL="0" indent="0">
+              <a:buNone/>
+            </a:pPr>
+            <a:r>
+              <a:rPr lang="en-US" sz="1200">
+                <a:solidFill>
+                  <a:srgbClr val="000000"/>
+                </a:solidFill>
+                <a:latin typeface="Consolas" panose="020B0609020204030204" pitchFamily="49" charset="0"/>
+              </a:rPr>
+              <a:t>    {</a:t>
+            </a:r>
+          </a:p>
+          <a:p>
+            <a:pPr marL="0" indent="0">
+              <a:buNone/>
+            </a:pPr>
+            <a:r>
+              <a:rPr lang="en-US" sz="1200">
+                <a:solidFill>
+                  <a:srgbClr val="000000"/>
+                </a:solidFill>
+                <a:latin typeface="Consolas" panose="020B0609020204030204" pitchFamily="49" charset="0"/>
+              </a:rPr>
+              <a:t>        </a:t>
+            </a:r>
+            <a:r>
+              <a:rPr lang="en-US" sz="1200">
+                <a:solidFill>
+                  <a:srgbClr val="0000FF"/>
+                </a:solidFill>
+                <a:latin typeface="Consolas" panose="020B0609020204030204" pitchFamily="49" charset="0"/>
+              </a:rPr>
+              <a:t>private</a:t>
+            </a:r>
+            <a:r>
+              <a:rPr lang="en-US" sz="1200">
+                <a:solidFill>
+                  <a:srgbClr val="000000"/>
+                </a:solidFill>
+                <a:latin typeface="Consolas" panose="020B0609020204030204" pitchFamily="49" charset="0"/>
+              </a:rPr>
+              <a:t> Boolean mRotten;</a:t>
+            </a:r>
+          </a:p>
+          <a:p>
+            <a:pPr marL="0" indent="0">
+              <a:buNone/>
+            </a:pPr>
+            <a:r>
+              <a:rPr lang="en-US" sz="1200">
+                <a:solidFill>
+                  <a:srgbClr val="000000"/>
+                </a:solidFill>
+                <a:latin typeface="Consolas" panose="020B0609020204030204" pitchFamily="49" charset="0"/>
+              </a:rPr>
+              <a:t>        </a:t>
+            </a:r>
+            <a:r>
+              <a:rPr lang="en-US" sz="1200">
+                <a:solidFill>
+                  <a:srgbClr val="0000FF"/>
+                </a:solidFill>
+                <a:latin typeface="Consolas" panose="020B0609020204030204" pitchFamily="49" charset="0"/>
+              </a:rPr>
+              <a:t>private</a:t>
+            </a:r>
+            <a:r>
+              <a:rPr lang="en-US" sz="1200">
+                <a:solidFill>
+                  <a:srgbClr val="000000"/>
+                </a:solidFill>
+                <a:latin typeface="Consolas" panose="020B0609020204030204" pitchFamily="49" charset="0"/>
+              </a:rPr>
+              <a:t> IWormNamespace.IWorm mWorm;</a:t>
+            </a:r>
+          </a:p>
+          <a:p>
+            <a:pPr marL="0" indent="0">
+              <a:buNone/>
+            </a:pPr>
+            <a:r>
+              <a:rPr lang="en-US" sz="1200">
+                <a:solidFill>
+                  <a:srgbClr val="000000"/>
+                </a:solidFill>
+                <a:latin typeface="Consolas" panose="020B0609020204030204" pitchFamily="49" charset="0"/>
+              </a:rPr>
+              <a:t>        </a:t>
+            </a:r>
+            <a:r>
+              <a:rPr lang="en-US" sz="1200">
+                <a:solidFill>
+                  <a:srgbClr val="0000FF"/>
+                </a:solidFill>
+                <a:latin typeface="Consolas" panose="020B0609020204030204" pitchFamily="49" charset="0"/>
+              </a:rPr>
+              <a:t>public</a:t>
+            </a:r>
+            <a:r>
+              <a:rPr lang="en-US" sz="1200">
+                <a:solidFill>
+                  <a:srgbClr val="000000"/>
+                </a:solidFill>
+                <a:latin typeface="Consolas" panose="020B0609020204030204" pitchFamily="49" charset="0"/>
+              </a:rPr>
+              <a:t> Apple(IWorm worm)    </a:t>
+            </a:r>
+            <a:r>
+              <a:rPr lang="en-US" sz="1200">
+                <a:solidFill>
+                  <a:srgbClr val="008000"/>
+                </a:solidFill>
+                <a:latin typeface="Consolas" panose="020B0609020204030204" pitchFamily="49" charset="0"/>
+              </a:rPr>
+              <a:t>// Dependency Injection of IWorm into Apple</a:t>
+            </a:r>
+            <a:endParaRPr lang="en-US" sz="1200">
+              <a:solidFill>
+                <a:srgbClr val="000000"/>
+              </a:solidFill>
+              <a:latin typeface="Consolas" panose="020B0609020204030204" pitchFamily="49" charset="0"/>
+            </a:endParaRPr>
+          </a:p>
+          <a:p>
+            <a:pPr marL="0" indent="0">
+              <a:buNone/>
+            </a:pPr>
+            <a:r>
+              <a:rPr lang="en-US" sz="1200">
+                <a:solidFill>
+                  <a:srgbClr val="000000"/>
+                </a:solidFill>
+                <a:latin typeface="Consolas" panose="020B0609020204030204" pitchFamily="49" charset="0"/>
+              </a:rPr>
+              <a:t>        {</a:t>
+            </a:r>
+          </a:p>
+          <a:p>
+            <a:pPr marL="0" indent="0">
+              <a:buNone/>
+            </a:pPr>
+            <a:r>
+              <a:rPr lang="en-US" sz="1200">
+                <a:solidFill>
+                  <a:srgbClr val="000000"/>
+                </a:solidFill>
+                <a:latin typeface="Consolas" panose="020B0609020204030204" pitchFamily="49" charset="0"/>
+              </a:rPr>
+              <a:t>            </a:t>
+            </a:r>
+            <a:r>
+              <a:rPr lang="en-US" sz="1200">
+                <a:solidFill>
+                  <a:srgbClr val="008000"/>
+                </a:solidFill>
+                <a:latin typeface="Consolas" panose="020B0609020204030204" pitchFamily="49" charset="0"/>
+              </a:rPr>
+              <a:t>// Instead of the Apple object instantiating a Worm object, it's</a:t>
+            </a:r>
+            <a:endParaRPr lang="en-US" sz="1200">
+              <a:solidFill>
+                <a:srgbClr val="000000"/>
+              </a:solidFill>
+              <a:latin typeface="Consolas" panose="020B0609020204030204" pitchFamily="49" charset="0"/>
+            </a:endParaRPr>
+          </a:p>
+          <a:p>
+            <a:pPr marL="0" indent="0">
+              <a:buNone/>
+            </a:pPr>
+            <a:r>
+              <a:rPr lang="en-US" sz="1200">
+                <a:solidFill>
+                  <a:srgbClr val="000000"/>
+                </a:solidFill>
+                <a:latin typeface="Consolas" panose="020B0609020204030204" pitchFamily="49" charset="0"/>
+              </a:rPr>
+              <a:t>            </a:t>
+            </a:r>
+            <a:r>
+              <a:rPr lang="en-US" sz="1200">
+                <a:solidFill>
+                  <a:srgbClr val="008000"/>
+                </a:solidFill>
+                <a:latin typeface="Consolas" panose="020B0609020204030204" pitchFamily="49" charset="0"/>
+              </a:rPr>
+              <a:t>//  passed to the constructor. </a:t>
+            </a:r>
+            <a:endParaRPr lang="en-US" sz="1200">
+              <a:solidFill>
+                <a:srgbClr val="000000"/>
+              </a:solidFill>
+              <a:latin typeface="Consolas" panose="020B0609020204030204" pitchFamily="49" charset="0"/>
+            </a:endParaRPr>
+          </a:p>
+          <a:p>
+            <a:pPr marL="0" indent="0">
+              <a:buNone/>
+            </a:pPr>
+            <a:r>
+              <a:rPr lang="en-US" sz="1200">
+                <a:solidFill>
+                  <a:srgbClr val="000000"/>
+                </a:solidFill>
+                <a:latin typeface="Consolas" panose="020B0609020204030204" pitchFamily="49" charset="0"/>
+              </a:rPr>
+              <a:t>            </a:t>
+            </a:r>
+            <a:r>
+              <a:rPr lang="en-US" sz="1200">
+                <a:solidFill>
+                  <a:srgbClr val="008000"/>
+                </a:solidFill>
+                <a:latin typeface="Consolas" panose="020B0609020204030204" pitchFamily="49" charset="0"/>
+              </a:rPr>
+              <a:t>// AND worm is any class that implements the IWorm Interface </a:t>
+            </a:r>
+            <a:endParaRPr lang="en-US" sz="1200">
+              <a:solidFill>
+                <a:srgbClr val="000000"/>
+              </a:solidFill>
+              <a:latin typeface="Consolas" panose="020B0609020204030204" pitchFamily="49" charset="0"/>
+            </a:endParaRPr>
+          </a:p>
+          <a:p>
+            <a:pPr marL="0" indent="0">
+              <a:buNone/>
+            </a:pPr>
+            <a:r>
+              <a:rPr lang="en-US" sz="1200">
+                <a:solidFill>
+                  <a:srgbClr val="000000"/>
+                </a:solidFill>
+                <a:latin typeface="Consolas" panose="020B0609020204030204" pitchFamily="49" charset="0"/>
+              </a:rPr>
+              <a:t>            </a:t>
+            </a:r>
+            <a:r>
+              <a:rPr lang="en-US" sz="1200">
+                <a:solidFill>
+                  <a:srgbClr val="008000"/>
+                </a:solidFill>
+                <a:latin typeface="Consolas" panose="020B0609020204030204" pitchFamily="49" charset="0"/>
+              </a:rPr>
+              <a:t>//  rather than a specific class.</a:t>
+            </a:r>
+            <a:endParaRPr lang="en-US" sz="1200">
+              <a:solidFill>
+                <a:srgbClr val="000000"/>
+              </a:solidFill>
+              <a:latin typeface="Consolas" panose="020B0609020204030204" pitchFamily="49" charset="0"/>
+            </a:endParaRPr>
+          </a:p>
+          <a:p>
+            <a:pPr marL="0" indent="0">
+              <a:buNone/>
+            </a:pPr>
+            <a:r>
+              <a:rPr lang="en-US" sz="1200">
+                <a:solidFill>
+                  <a:srgbClr val="000000"/>
+                </a:solidFill>
+                <a:latin typeface="Consolas" panose="020B0609020204030204" pitchFamily="49" charset="0"/>
+              </a:rPr>
+              <a:t>            mWorm = worm;</a:t>
+            </a:r>
+          </a:p>
+          <a:p>
+            <a:pPr marL="0" indent="0">
+              <a:buNone/>
+            </a:pPr>
+            <a:r>
+              <a:rPr lang="en-US" sz="1200">
+                <a:solidFill>
+                  <a:srgbClr val="000000"/>
+                </a:solidFill>
+                <a:latin typeface="Consolas" panose="020B0609020204030204" pitchFamily="49" charset="0"/>
+              </a:rPr>
+              <a:t>            mRotten = </a:t>
+            </a:r>
+            <a:r>
+              <a:rPr lang="en-US" sz="1200">
+                <a:solidFill>
+                  <a:srgbClr val="0000FF"/>
+                </a:solidFill>
+                <a:latin typeface="Consolas" panose="020B0609020204030204" pitchFamily="49" charset="0"/>
+              </a:rPr>
+              <a:t>false</a:t>
+            </a:r>
+            <a:r>
+              <a:rPr lang="en-US" sz="1200">
+                <a:solidFill>
+                  <a:srgbClr val="000000"/>
+                </a:solidFill>
+                <a:latin typeface="Consolas" panose="020B0609020204030204" pitchFamily="49" charset="0"/>
+              </a:rPr>
+              <a:t>;</a:t>
+            </a:r>
+          </a:p>
+          <a:p>
+            <a:pPr marL="0" indent="0">
+              <a:buNone/>
+            </a:pPr>
+            <a:r>
+              <a:rPr lang="en-US" sz="1200">
+                <a:solidFill>
+                  <a:srgbClr val="000000"/>
+                </a:solidFill>
+                <a:latin typeface="Consolas" panose="020B0609020204030204" pitchFamily="49" charset="0"/>
+              </a:rPr>
+              <a:t>        }</a:t>
+            </a:r>
+          </a:p>
+          <a:p>
+            <a:pPr marL="0" indent="0">
+              <a:buNone/>
+            </a:pPr>
+            <a:r>
+              <a:rPr lang="en-US" sz="1200">
+                <a:solidFill>
+                  <a:srgbClr val="000000"/>
+                </a:solidFill>
+                <a:latin typeface="Consolas" panose="020B0609020204030204" pitchFamily="49" charset="0"/>
+              </a:rPr>
+              <a:t>        </a:t>
+            </a:r>
+            <a:r>
+              <a:rPr lang="en-US" sz="1200">
+                <a:solidFill>
+                  <a:srgbClr val="0000FF"/>
+                </a:solidFill>
+                <a:latin typeface="Consolas" panose="020B0609020204030204" pitchFamily="49" charset="0"/>
+              </a:rPr>
+              <a:t>public</a:t>
+            </a:r>
+            <a:r>
+              <a:rPr lang="en-US" sz="1200">
+                <a:solidFill>
+                  <a:srgbClr val="000000"/>
+                </a:solidFill>
+                <a:latin typeface="Consolas" panose="020B0609020204030204" pitchFamily="49" charset="0"/>
+              </a:rPr>
+              <a:t> </a:t>
+            </a:r>
+            <a:r>
+              <a:rPr lang="en-US" sz="1200">
+                <a:solidFill>
+                  <a:srgbClr val="0000FF"/>
+                </a:solidFill>
+                <a:latin typeface="Consolas" panose="020B0609020204030204" pitchFamily="49" charset="0"/>
+              </a:rPr>
+              <a:t>void</a:t>
+            </a:r>
+            <a:r>
+              <a:rPr lang="en-US" sz="1200">
+                <a:solidFill>
+                  <a:srgbClr val="000000"/>
+                </a:solidFill>
+                <a:latin typeface="Consolas" panose="020B0609020204030204" pitchFamily="49" charset="0"/>
+              </a:rPr>
+              <a:t> MakeRotten() { mRotten = </a:t>
+            </a:r>
+            <a:r>
+              <a:rPr lang="en-US" sz="1200">
+                <a:solidFill>
+                  <a:srgbClr val="0000FF"/>
+                </a:solidFill>
+                <a:latin typeface="Consolas" panose="020B0609020204030204" pitchFamily="49" charset="0"/>
+              </a:rPr>
+              <a:t>true</a:t>
+            </a:r>
+            <a:r>
+              <a:rPr lang="en-US" sz="1200">
+                <a:solidFill>
+                  <a:srgbClr val="000000"/>
+                </a:solidFill>
+                <a:latin typeface="Consolas" panose="020B0609020204030204" pitchFamily="49" charset="0"/>
+              </a:rPr>
+              <a:t>; }</a:t>
+            </a:r>
+          </a:p>
+          <a:p>
+            <a:pPr marL="0" indent="0">
+              <a:buNone/>
+            </a:pPr>
+            <a:r>
+              <a:rPr lang="en-US" sz="1200">
+                <a:solidFill>
+                  <a:srgbClr val="000000"/>
+                </a:solidFill>
+                <a:latin typeface="Consolas" panose="020B0609020204030204" pitchFamily="49" charset="0"/>
+              </a:rPr>
+              <a:t>        </a:t>
+            </a:r>
+            <a:r>
+              <a:rPr lang="en-US" sz="1200">
+                <a:solidFill>
+                  <a:srgbClr val="0000FF"/>
+                </a:solidFill>
+                <a:latin typeface="Consolas" panose="020B0609020204030204" pitchFamily="49" charset="0"/>
+              </a:rPr>
+              <a:t>public</a:t>
+            </a:r>
+            <a:r>
+              <a:rPr lang="en-US" sz="1200">
+                <a:solidFill>
+                  <a:srgbClr val="000000"/>
+                </a:solidFill>
+                <a:latin typeface="Consolas" panose="020B0609020204030204" pitchFamily="49" charset="0"/>
+              </a:rPr>
+              <a:t> Boolean IsRotten() { </a:t>
+            </a:r>
+            <a:r>
+              <a:rPr lang="en-US" sz="1200">
+                <a:solidFill>
+                  <a:srgbClr val="0000FF"/>
+                </a:solidFill>
+                <a:latin typeface="Consolas" panose="020B0609020204030204" pitchFamily="49" charset="0"/>
+              </a:rPr>
+              <a:t>return</a:t>
+            </a:r>
+            <a:r>
+              <a:rPr lang="en-US" sz="1200">
+                <a:solidFill>
+                  <a:srgbClr val="000000"/>
+                </a:solidFill>
+                <a:latin typeface="Consolas" panose="020B0609020204030204" pitchFamily="49" charset="0"/>
+              </a:rPr>
+              <a:t> mRotten; }</a:t>
+            </a:r>
+          </a:p>
+          <a:p>
+            <a:pPr marL="0" indent="0">
+              <a:buNone/>
+            </a:pPr>
+            <a:r>
+              <a:rPr lang="en-US" sz="1200">
+                <a:solidFill>
+                  <a:srgbClr val="000000"/>
+                </a:solidFill>
+                <a:latin typeface="Consolas" panose="020B0609020204030204" pitchFamily="49" charset="0"/>
+              </a:rPr>
+              <a:t>    }</a:t>
+            </a:r>
+          </a:p>
+          <a:p>
+            <a:pPr marL="0" indent="0">
+              <a:buNone/>
+            </a:pPr>
+            <a:r>
+              <a:rPr lang="en-US" sz="1200">
+                <a:solidFill>
+                  <a:srgbClr val="000000"/>
+                </a:solidFill>
+                <a:latin typeface="Consolas" panose="020B0609020204030204" pitchFamily="49" charset="0"/>
+              </a:rPr>
+              <a:t>}</a:t>
+            </a:r>
+          </a:p>
+          <a:p>
+            <a:pPr marL="0" indent="0">
+              <a:buNone/>
+            </a:pPr>
+            <a:endParaRPr lang="en-US" sz="1200"/>
+          </a:p>
+        </p:txBody>
+      </p:sp>
+      <p:sp>
+        <p:nvSpPr>
+          <p:cNvPr id="4" name="Content Placeholder 2">
+            <a:extLst>
+              <a:ext uri="{FF2B5EF4-FFF2-40B4-BE49-F238E27FC236}">
+                <a16:creationId xmlns:a16="http://schemas.microsoft.com/office/drawing/2014/main" id="{B4783503-DB62-494C-A6DB-55288128EB80}"/>
+              </a:ext>
+            </a:extLst>
+          </p:cNvPr>
+          <p:cNvSpPr txBox="1">
+            <a:spLocks/>
+          </p:cNvSpPr>
+          <p:nvPr/>
+        </p:nvSpPr>
+        <p:spPr bwMode="auto">
+          <a:xfrm>
+            <a:off x="738909" y="192450"/>
+            <a:ext cx="10972800" cy="1282263"/>
+          </a:xfrm>
+          <a:prstGeom prst="rect">
+            <a:avLst/>
+          </a:prstGeom>
+          <a:noFill/>
+          <a:ln>
+            <a:noFill/>
+          </a:ln>
+          <a:extLst>
+            <a:ext uri="{909E8E84-426E-40DD-AFC4-6F175D3DCCD1}">
+              <a14:hiddenFill xmlns:a14="http://schemas.microsoft.com/office/drawing/2010/main">
+                <a:solidFill>
+                  <a:srgbClr val="FFFFFF"/>
+                </a:solidFill>
+              </a14:hiddenFill>
+            </a:ext>
+            <a:ext uri="{91240B29-F687-4F45-9708-019B960494DF}">
+              <a14:hiddenLine xmlns:a14="http://schemas.microsoft.com/office/drawing/2010/main" w="9525">
+                <a:solidFill>
+                  <a:srgbClr val="000000"/>
+                </a:solidFill>
+                <a:miter lim="800000"/>
+                <a:headEnd/>
+                <a:tailEnd/>
+              </a14:hiddenLine>
+            </a:ext>
+          </a:extLst>
+        </p:spPr>
+        <p:txBody>
+          <a:bodyPr vert="horz" wrap="square" lIns="91440" tIns="45720" rIns="91440" bIns="45720" numCol="1" anchor="t" anchorCtr="0" compatLnSpc="1">
+            <a:prstTxWarp prst="textNoShape">
+              <a:avLst/>
+            </a:prstTxWarp>
+          </a:bodyPr>
+          <a:lstStyle>
+            <a:lvl1pPr marL="342900" indent="-342900" algn="l" rtl="0" eaLnBrk="0" fontAlgn="base" hangingPunct="0">
+              <a:spcBef>
+                <a:spcPct val="20000"/>
+              </a:spcBef>
+              <a:spcAft>
+                <a:spcPct val="0"/>
+              </a:spcAft>
+              <a:buChar char="•"/>
+              <a:defRPr sz="3200">
+                <a:solidFill>
+                  <a:schemeClr val="tx1"/>
+                </a:solidFill>
+                <a:latin typeface="+mn-lt"/>
+                <a:ea typeface="+mn-ea"/>
+                <a:cs typeface="+mn-cs"/>
+              </a:defRPr>
+            </a:lvl1pPr>
+            <a:lvl2pPr marL="742950" indent="-285750" algn="l" rtl="0" eaLnBrk="0" fontAlgn="base" hangingPunct="0">
+              <a:spcBef>
+                <a:spcPct val="20000"/>
+              </a:spcBef>
+              <a:spcAft>
+                <a:spcPct val="0"/>
+              </a:spcAft>
+              <a:buChar char="–"/>
+              <a:defRPr sz="2800">
+                <a:solidFill>
+                  <a:schemeClr val="tx1"/>
+                </a:solidFill>
+                <a:latin typeface="+mn-lt"/>
+              </a:defRPr>
+            </a:lvl2pPr>
+            <a:lvl3pPr marL="1143000" indent="-228600" algn="l" rtl="0" eaLnBrk="0" fontAlgn="base" hangingPunct="0">
+              <a:spcBef>
+                <a:spcPct val="20000"/>
+              </a:spcBef>
+              <a:spcAft>
+                <a:spcPct val="0"/>
+              </a:spcAft>
+              <a:buChar char="•"/>
+              <a:defRPr sz="2400">
+                <a:solidFill>
+                  <a:schemeClr val="tx1"/>
+                </a:solidFill>
+                <a:latin typeface="+mn-lt"/>
+              </a:defRPr>
+            </a:lvl3pPr>
+            <a:lvl4pPr marL="1600200" indent="-228600" algn="l" rtl="0" eaLnBrk="0" fontAlgn="base" hangingPunct="0">
+              <a:spcBef>
+                <a:spcPct val="20000"/>
+              </a:spcBef>
+              <a:spcAft>
+                <a:spcPct val="0"/>
+              </a:spcAft>
+              <a:buChar char="–"/>
+              <a:defRPr sz="2000">
+                <a:solidFill>
+                  <a:schemeClr val="tx1"/>
+                </a:solidFill>
+                <a:latin typeface="+mn-lt"/>
+              </a:defRPr>
+            </a:lvl4pPr>
+            <a:lvl5pPr marL="2057400" indent="-228600" algn="l" rtl="0" eaLnBrk="0" fontAlgn="base" hangingPunct="0">
+              <a:spcBef>
+                <a:spcPct val="20000"/>
+              </a:spcBef>
+              <a:spcAft>
+                <a:spcPct val="0"/>
+              </a:spcAft>
+              <a:buChar char="»"/>
+              <a:defRPr sz="2000">
+                <a:solidFill>
+                  <a:schemeClr val="tx1"/>
+                </a:solidFill>
+                <a:latin typeface="+mn-lt"/>
+              </a:defRPr>
+            </a:lvl5pPr>
+            <a:lvl6pPr marL="2514600" indent="-228600" algn="l" rtl="0" fontAlgn="base">
+              <a:spcBef>
+                <a:spcPct val="20000"/>
+              </a:spcBef>
+              <a:spcAft>
+                <a:spcPct val="0"/>
+              </a:spcAft>
+              <a:buChar char="»"/>
+              <a:defRPr sz="2000">
+                <a:solidFill>
+                  <a:schemeClr val="tx1"/>
+                </a:solidFill>
+                <a:latin typeface="+mn-lt"/>
+              </a:defRPr>
+            </a:lvl6pPr>
+            <a:lvl7pPr marL="2971800" indent="-228600" algn="l" rtl="0" fontAlgn="base">
+              <a:spcBef>
+                <a:spcPct val="20000"/>
+              </a:spcBef>
+              <a:spcAft>
+                <a:spcPct val="0"/>
+              </a:spcAft>
+              <a:buChar char="»"/>
+              <a:defRPr sz="2000">
+                <a:solidFill>
+                  <a:schemeClr val="tx1"/>
+                </a:solidFill>
+                <a:latin typeface="+mn-lt"/>
+              </a:defRPr>
+            </a:lvl7pPr>
+            <a:lvl8pPr marL="3429000" indent="-228600" algn="l" rtl="0" fontAlgn="base">
+              <a:spcBef>
+                <a:spcPct val="20000"/>
+              </a:spcBef>
+              <a:spcAft>
+                <a:spcPct val="0"/>
+              </a:spcAft>
+              <a:buChar char="»"/>
+              <a:defRPr sz="2000">
+                <a:solidFill>
+                  <a:schemeClr val="tx1"/>
+                </a:solidFill>
+                <a:latin typeface="+mn-lt"/>
+              </a:defRPr>
+            </a:lvl8pPr>
+            <a:lvl9pPr marL="3886200" indent="-228600" algn="l" rtl="0" fontAlgn="base">
+              <a:spcBef>
+                <a:spcPct val="20000"/>
+              </a:spcBef>
+              <a:spcAft>
+                <a:spcPct val="0"/>
+              </a:spcAft>
+              <a:buChar char="»"/>
+              <a:defRPr sz="2000">
+                <a:solidFill>
+                  <a:schemeClr val="tx1"/>
+                </a:solidFill>
+                <a:latin typeface="+mn-lt"/>
+              </a:defRPr>
+            </a:lvl9pPr>
+          </a:lstStyle>
+          <a:p>
+            <a:pPr marL="0" indent="0" algn="ctr">
+              <a:buFontTx/>
+              <a:buNone/>
+            </a:pPr>
+            <a:r>
+              <a:rPr lang="en-US" kern="0"/>
+              <a:t>An Apple can be infested by </a:t>
+            </a:r>
+            <a:r>
+              <a:rPr lang="en-US" i="1" kern="0"/>
+              <a:t>any class</a:t>
+            </a:r>
+            <a:r>
+              <a:rPr lang="en-US" kern="0"/>
+              <a:t> </a:t>
+            </a:r>
+          </a:p>
+          <a:p>
+            <a:pPr marL="0" indent="0" algn="ctr">
+              <a:buFontTx/>
+              <a:buNone/>
+            </a:pPr>
+            <a:r>
+              <a:rPr lang="en-US" kern="0"/>
+              <a:t>that implements the interface. </a:t>
+            </a:r>
+          </a:p>
+        </p:txBody>
+      </p:sp>
+    </p:spTree>
+    <p:extLst>
+      <p:ext uri="{BB962C8B-B14F-4D97-AF65-F5344CB8AC3E}">
+        <p14:creationId xmlns:p14="http://schemas.microsoft.com/office/powerpoint/2010/main" val="1949291055"/>
+      </p:ext>
+    </p:extLst>
+  </p:cSld>
+  <p:clrMapOvr>
+    <a:masterClrMapping/>
+  </p:clrMapOvr>
+</p:sld>
+</file>
+
+<file path=ppt/slides/slide12.xml><?xml version="1.0" encoding="utf-8"?>
+<p:sld xmlns:a="http://schemas.openxmlformats.org/drawingml/2006/main" xmlns:r="http://schemas.openxmlformats.org/officeDocument/2006/relationships" xmlns:p="http://schemas.openxmlformats.org/presentationml/2006/main">
+  <p:cSld>
+    <p:spTree>
+      <p:nvGrpSpPr>
+        <p:cNvPr id="1" name=""/>
+        <p:cNvGrpSpPr/>
+        <p:nvPr/>
+      </p:nvGrpSpPr>
+      <p:grpSpPr>
+        <a:xfrm>
+          <a:off x="0" y="0"/>
+          <a:ext cx="0" cy="0"/>
+          <a:chOff x="0" y="0"/>
+          <a:chExt cx="0" cy="0"/>
+        </a:xfrm>
+      </p:grpSpPr>
+      <p:sp>
+        <p:nvSpPr>
+          <p:cNvPr id="2" name="Title 1">
+            <a:extLst>
+              <a:ext uri="{FF2B5EF4-FFF2-40B4-BE49-F238E27FC236}">
+                <a16:creationId xmlns:a16="http://schemas.microsoft.com/office/drawing/2014/main" id="{4B72231D-ABE2-4C28-81EE-7D4DABEC7A2F}"/>
+              </a:ext>
+            </a:extLst>
+          </p:cNvPr>
+          <p:cNvSpPr>
+            <a:spLocks noGrp="1"/>
+          </p:cNvSpPr>
+          <p:nvPr>
+            <p:ph type="title"/>
+          </p:nvPr>
+        </p:nvSpPr>
+        <p:spPr/>
+        <p:txBody>
+          <a:bodyPr/>
+          <a:lstStyle/>
+          <a:p>
+            <a:r>
+              <a:rPr lang="en-US"/>
+              <a:t>Here is our Worm class</a:t>
+            </a:r>
+          </a:p>
+        </p:txBody>
+      </p:sp>
+      <p:sp>
+        <p:nvSpPr>
+          <p:cNvPr id="3" name="Content Placeholder 2">
+            <a:extLst>
+              <a:ext uri="{FF2B5EF4-FFF2-40B4-BE49-F238E27FC236}">
+                <a16:creationId xmlns:a16="http://schemas.microsoft.com/office/drawing/2014/main" id="{1092A7E5-F064-4C32-B563-2B1F5DA30677}"/>
+              </a:ext>
+            </a:extLst>
+          </p:cNvPr>
+          <p:cNvSpPr>
+            <a:spLocks noGrp="1"/>
+          </p:cNvSpPr>
+          <p:nvPr>
+            <p:ph idx="1"/>
+          </p:nvPr>
+        </p:nvSpPr>
+        <p:spPr>
+          <a:xfrm>
+            <a:off x="3048000" y="1600201"/>
+            <a:ext cx="8534400" cy="4525963"/>
+          </a:xfrm>
+        </p:spPr>
+        <p:txBody>
+          <a:bodyPr/>
+          <a:lstStyle/>
+          <a:p>
+            <a:pPr marL="0" indent="0">
+              <a:buNone/>
+            </a:pPr>
+            <a:r>
+              <a:rPr lang="en-US" sz="1200">
+                <a:solidFill>
+                  <a:srgbClr val="0000FF"/>
+                </a:solidFill>
+                <a:latin typeface="Consolas" panose="020B0609020204030204" pitchFamily="49" charset="0"/>
+              </a:rPr>
+              <a:t>using</a:t>
+            </a:r>
+            <a:r>
+              <a:rPr lang="en-US" sz="1200">
+                <a:solidFill>
+                  <a:srgbClr val="000000"/>
+                </a:solidFill>
+                <a:latin typeface="Consolas" panose="020B0609020204030204" pitchFamily="49" charset="0"/>
+              </a:rPr>
+              <a:t> IWormNamespace;</a:t>
+            </a:r>
+          </a:p>
+          <a:p>
+            <a:pPr marL="0" indent="0">
+              <a:buNone/>
+            </a:pPr>
+            <a:r>
+              <a:rPr lang="en-US" sz="1200">
+                <a:solidFill>
+                  <a:srgbClr val="0000FF"/>
+                </a:solidFill>
+                <a:latin typeface="Consolas" panose="020B0609020204030204" pitchFamily="49" charset="0"/>
+              </a:rPr>
+              <a:t>using</a:t>
+            </a:r>
+            <a:r>
+              <a:rPr lang="en-US" sz="1200">
+                <a:solidFill>
+                  <a:srgbClr val="000000"/>
+                </a:solidFill>
+                <a:latin typeface="Consolas" panose="020B0609020204030204" pitchFamily="49" charset="0"/>
+              </a:rPr>
+              <a:t> System;</a:t>
+            </a:r>
+          </a:p>
+          <a:p>
+            <a:pPr marL="0" indent="0">
+              <a:buNone/>
+            </a:pPr>
+            <a:endParaRPr lang="en-US" sz="1200">
+              <a:solidFill>
+                <a:srgbClr val="000000"/>
+              </a:solidFill>
+              <a:latin typeface="Consolas" panose="020B0609020204030204" pitchFamily="49" charset="0"/>
+            </a:endParaRPr>
+          </a:p>
+          <a:p>
+            <a:pPr marL="0" indent="0">
+              <a:buNone/>
+            </a:pPr>
+            <a:r>
+              <a:rPr lang="en-US" sz="1200">
+                <a:solidFill>
+                  <a:srgbClr val="0000FF"/>
+                </a:solidFill>
+                <a:latin typeface="Consolas" panose="020B0609020204030204" pitchFamily="49" charset="0"/>
+              </a:rPr>
+              <a:t>namespace</a:t>
+            </a:r>
+            <a:r>
+              <a:rPr lang="en-US" sz="1200">
+                <a:solidFill>
+                  <a:srgbClr val="000000"/>
+                </a:solidFill>
+                <a:latin typeface="Consolas" panose="020B0609020204030204" pitchFamily="49" charset="0"/>
+              </a:rPr>
+              <a:t> WormNamespace</a:t>
+            </a:r>
+          </a:p>
+          <a:p>
+            <a:pPr marL="0" indent="0">
+              <a:buNone/>
+            </a:pPr>
+            <a:r>
+              <a:rPr lang="en-US" sz="1200">
+                <a:solidFill>
+                  <a:srgbClr val="000000"/>
+                </a:solidFill>
+                <a:latin typeface="Consolas" panose="020B0609020204030204" pitchFamily="49" charset="0"/>
+              </a:rPr>
+              <a:t>{</a:t>
+            </a:r>
+          </a:p>
+          <a:p>
+            <a:pPr marL="0" indent="0">
+              <a:buNone/>
+            </a:pPr>
+            <a:r>
+              <a:rPr lang="en-US" sz="1200">
+                <a:solidFill>
+                  <a:srgbClr val="000000"/>
+                </a:solidFill>
+                <a:latin typeface="Consolas" panose="020B0609020204030204" pitchFamily="49" charset="0"/>
+              </a:rPr>
+              <a:t>    </a:t>
+            </a:r>
+            <a:r>
+              <a:rPr lang="en-US" sz="1200">
+                <a:solidFill>
+                  <a:srgbClr val="0000FF"/>
+                </a:solidFill>
+                <a:latin typeface="Consolas" panose="020B0609020204030204" pitchFamily="49" charset="0"/>
+              </a:rPr>
+              <a:t>public</a:t>
+            </a:r>
+            <a:r>
+              <a:rPr lang="en-US" sz="1200">
+                <a:solidFill>
+                  <a:srgbClr val="000000"/>
+                </a:solidFill>
+                <a:latin typeface="Consolas" panose="020B0609020204030204" pitchFamily="49" charset="0"/>
+              </a:rPr>
+              <a:t> </a:t>
+            </a:r>
+            <a:r>
+              <a:rPr lang="en-US" sz="1200">
+                <a:solidFill>
+                  <a:srgbClr val="0000FF"/>
+                </a:solidFill>
+                <a:latin typeface="Consolas" panose="020B0609020204030204" pitchFamily="49" charset="0"/>
+              </a:rPr>
+              <a:t>class</a:t>
+            </a:r>
+            <a:r>
+              <a:rPr lang="en-US" sz="1200">
+                <a:solidFill>
+                  <a:srgbClr val="000000"/>
+                </a:solidFill>
+                <a:latin typeface="Consolas" panose="020B0609020204030204" pitchFamily="49" charset="0"/>
+              </a:rPr>
+              <a:t> </a:t>
+            </a:r>
+            <a:r>
+              <a:rPr lang="en-US" sz="1200">
+                <a:solidFill>
+                  <a:srgbClr val="2B91AF"/>
+                </a:solidFill>
+                <a:latin typeface="Consolas" panose="020B0609020204030204" pitchFamily="49" charset="0"/>
+              </a:rPr>
+              <a:t>Worm</a:t>
+            </a:r>
+            <a:r>
+              <a:rPr lang="en-US" sz="1200">
+                <a:solidFill>
+                  <a:srgbClr val="000000"/>
+                </a:solidFill>
+                <a:latin typeface="Consolas" panose="020B0609020204030204" pitchFamily="49" charset="0"/>
+              </a:rPr>
+              <a:t>: IWorm</a:t>
+            </a:r>
+          </a:p>
+          <a:p>
+            <a:pPr marL="0" indent="0">
+              <a:buNone/>
+            </a:pPr>
+            <a:r>
+              <a:rPr lang="en-US" sz="1200">
+                <a:solidFill>
+                  <a:srgbClr val="000000"/>
+                </a:solidFill>
+                <a:latin typeface="Consolas" panose="020B0609020204030204" pitchFamily="49" charset="0"/>
+              </a:rPr>
+              <a:t>    {</a:t>
+            </a:r>
+          </a:p>
+          <a:p>
+            <a:pPr marL="0" indent="0">
+              <a:buNone/>
+            </a:pPr>
+            <a:r>
+              <a:rPr lang="en-US" sz="1200">
+                <a:solidFill>
+                  <a:srgbClr val="000000"/>
+                </a:solidFill>
+                <a:latin typeface="Consolas" panose="020B0609020204030204" pitchFamily="49" charset="0"/>
+              </a:rPr>
+              <a:t>        </a:t>
+            </a:r>
+            <a:r>
+              <a:rPr lang="en-US" sz="1200">
+                <a:solidFill>
+                  <a:srgbClr val="0000FF"/>
+                </a:solidFill>
+                <a:latin typeface="Consolas" panose="020B0609020204030204" pitchFamily="49" charset="0"/>
+              </a:rPr>
+              <a:t>public</a:t>
+            </a:r>
+            <a:r>
+              <a:rPr lang="en-US" sz="1200">
+                <a:solidFill>
+                  <a:srgbClr val="000000"/>
+                </a:solidFill>
+                <a:latin typeface="Consolas" panose="020B0609020204030204" pitchFamily="49" charset="0"/>
+              </a:rPr>
+              <a:t> </a:t>
+            </a:r>
+            <a:r>
+              <a:rPr lang="en-US" sz="1200">
+                <a:solidFill>
+                  <a:srgbClr val="0000FF"/>
+                </a:solidFill>
+                <a:latin typeface="Consolas" panose="020B0609020204030204" pitchFamily="49" charset="0"/>
+              </a:rPr>
+              <a:t>void</a:t>
+            </a:r>
+            <a:r>
+              <a:rPr lang="en-US" sz="1200">
+                <a:solidFill>
+                  <a:srgbClr val="000000"/>
+                </a:solidFill>
+                <a:latin typeface="Consolas" panose="020B0609020204030204" pitchFamily="49" charset="0"/>
+              </a:rPr>
+              <a:t> Infest()</a:t>
+            </a:r>
+          </a:p>
+          <a:p>
+            <a:pPr marL="0" indent="0">
+              <a:buNone/>
+            </a:pPr>
+            <a:r>
+              <a:rPr lang="en-US" sz="1200">
+                <a:solidFill>
+                  <a:srgbClr val="000000"/>
+                </a:solidFill>
+                <a:latin typeface="Consolas" panose="020B0609020204030204" pitchFamily="49" charset="0"/>
+              </a:rPr>
+              <a:t>        {</a:t>
+            </a:r>
+          </a:p>
+          <a:p>
+            <a:pPr marL="0" indent="0">
+              <a:buNone/>
+            </a:pPr>
+            <a:r>
+              <a:rPr lang="en-US" sz="1200">
+                <a:solidFill>
+                  <a:srgbClr val="000000"/>
+                </a:solidFill>
+                <a:latin typeface="Consolas" panose="020B0609020204030204" pitchFamily="49" charset="0"/>
+              </a:rPr>
+              <a:t>            Console.WriteLine(</a:t>
+            </a:r>
+            <a:r>
+              <a:rPr lang="en-US" sz="1200">
+                <a:solidFill>
+                  <a:srgbClr val="A31515"/>
+                </a:solidFill>
+                <a:latin typeface="Consolas" panose="020B0609020204030204" pitchFamily="49" charset="0"/>
+              </a:rPr>
+              <a:t>"Worm is infesting apple..."</a:t>
+            </a:r>
+            <a:r>
+              <a:rPr lang="en-US" sz="1200">
+                <a:solidFill>
+                  <a:srgbClr val="000000"/>
+                </a:solidFill>
+                <a:latin typeface="Consolas" panose="020B0609020204030204" pitchFamily="49" charset="0"/>
+              </a:rPr>
+              <a:t>);</a:t>
+            </a:r>
+          </a:p>
+          <a:p>
+            <a:pPr marL="0" indent="0">
+              <a:buNone/>
+            </a:pPr>
+            <a:r>
+              <a:rPr lang="en-US" sz="1200">
+                <a:solidFill>
+                  <a:srgbClr val="000000"/>
+                </a:solidFill>
+                <a:latin typeface="Consolas" panose="020B0609020204030204" pitchFamily="49" charset="0"/>
+              </a:rPr>
+              <a:t>        }</a:t>
+            </a:r>
+          </a:p>
+          <a:p>
+            <a:pPr marL="0" indent="0">
+              <a:buNone/>
+            </a:pPr>
+            <a:r>
+              <a:rPr lang="en-US" sz="1200">
+                <a:solidFill>
+                  <a:srgbClr val="000000"/>
+                </a:solidFill>
+                <a:latin typeface="Consolas" panose="020B0609020204030204" pitchFamily="49" charset="0"/>
+              </a:rPr>
+              <a:t>    }</a:t>
+            </a:r>
+          </a:p>
+          <a:p>
+            <a:pPr marL="0" indent="0">
+              <a:buNone/>
+            </a:pPr>
+            <a:r>
+              <a:rPr lang="en-US" sz="1200">
+                <a:solidFill>
+                  <a:srgbClr val="000000"/>
+                </a:solidFill>
+                <a:latin typeface="Consolas" panose="020B0609020204030204" pitchFamily="49" charset="0"/>
+              </a:rPr>
+              <a:t>}</a:t>
+            </a:r>
+          </a:p>
+          <a:p>
+            <a:pPr marL="0" indent="0">
+              <a:buNone/>
+            </a:pPr>
+            <a:endParaRPr lang="en-US" sz="1200"/>
+          </a:p>
+        </p:txBody>
+      </p:sp>
+    </p:spTree>
+    <p:extLst>
+      <p:ext uri="{BB962C8B-B14F-4D97-AF65-F5344CB8AC3E}">
+        <p14:creationId xmlns:p14="http://schemas.microsoft.com/office/powerpoint/2010/main" val="3375037798"/>
+      </p:ext>
+    </p:extLst>
+  </p:cSld>
+  <p:clrMapOvr>
+    <a:masterClrMapping/>
+  </p:clrMapOvr>
+</p:sld>
+</file>
+
+<file path=ppt/slides/slide13.xml><?xml version="1.0" encoding="utf-8"?>
+<p:sld xmlns:a="http://schemas.openxmlformats.org/drawingml/2006/main" xmlns:r="http://schemas.openxmlformats.org/officeDocument/2006/relationships" xmlns:p="http://schemas.openxmlformats.org/presentationml/2006/main">
+  <p:cSld>
+    <p:spTree>
+      <p:nvGrpSpPr>
+        <p:cNvPr id="1" name=""/>
+        <p:cNvGrpSpPr/>
+        <p:nvPr/>
+      </p:nvGrpSpPr>
+      <p:grpSpPr>
+        <a:xfrm>
+          <a:off x="0" y="0"/>
+          <a:ext cx="0" cy="0"/>
+          <a:chOff x="0" y="0"/>
+          <a:chExt cx="0" cy="0"/>
+        </a:xfrm>
+      </p:grpSpPr>
+      <p:sp>
+        <p:nvSpPr>
+          <p:cNvPr id="2" name="Title 1">
+            <a:extLst>
+              <a:ext uri="{FF2B5EF4-FFF2-40B4-BE49-F238E27FC236}">
+                <a16:creationId xmlns:a16="http://schemas.microsoft.com/office/drawing/2014/main" id="{F2111BAA-6A09-4A42-95D8-50B036F4EF42}"/>
+              </a:ext>
+            </a:extLst>
+          </p:cNvPr>
+          <p:cNvSpPr>
+            <a:spLocks noGrp="1"/>
+          </p:cNvSpPr>
+          <p:nvPr>
+            <p:ph type="title"/>
+          </p:nvPr>
+        </p:nvSpPr>
+        <p:spPr/>
+        <p:txBody>
+          <a:bodyPr/>
+          <a:lstStyle/>
+          <a:p>
+            <a:r>
+              <a:rPr lang="en-US"/>
+              <a:t>The entire Solution has 4 projects</a:t>
+            </a:r>
+          </a:p>
+        </p:txBody>
+      </p:sp>
+      <p:pic>
+        <p:nvPicPr>
+          <p:cNvPr id="4" name="Picture 3">
+            <a:extLst>
+              <a:ext uri="{FF2B5EF4-FFF2-40B4-BE49-F238E27FC236}">
+                <a16:creationId xmlns:a16="http://schemas.microsoft.com/office/drawing/2014/main" id="{7553FA5D-C718-4C7F-96AD-8C76680A7AC0}"/>
+              </a:ext>
+            </a:extLst>
+          </p:cNvPr>
+          <p:cNvPicPr>
+            <a:picLocks noChangeAspect="1"/>
+          </p:cNvPicPr>
+          <p:nvPr/>
+        </p:nvPicPr>
+        <p:blipFill>
+          <a:blip r:embed="rId2"/>
+          <a:stretch>
+            <a:fillRect/>
+          </a:stretch>
+        </p:blipFill>
+        <p:spPr>
+          <a:xfrm>
+            <a:off x="4133850" y="2200275"/>
+            <a:ext cx="3924300" cy="2457450"/>
+          </a:xfrm>
+          <a:prstGeom prst="rect">
+            <a:avLst/>
+          </a:prstGeom>
+          <a:effectLst>
+            <a:outerShdw blurRad="50800" dist="38100" dir="8100000" algn="tr" rotWithShape="0">
+              <a:prstClr val="black">
+                <a:alpha val="40000"/>
+              </a:prstClr>
+            </a:outerShdw>
+          </a:effectLst>
+        </p:spPr>
+      </p:pic>
+    </p:spTree>
+    <p:extLst>
+      <p:ext uri="{BB962C8B-B14F-4D97-AF65-F5344CB8AC3E}">
+        <p14:creationId xmlns:p14="http://schemas.microsoft.com/office/powerpoint/2010/main" val="1963997551"/>
+      </p:ext>
+    </p:extLst>
+  </p:cSld>
+  <p:clrMapOvr>
+    <a:masterClrMapping/>
+  </p:clrMapOvr>
+</p:sld>
+</file>
+
+<file path=ppt/slides/slide2.xml><?xml version="1.0" encoding="utf-8"?>
+<p:sld xmlns:a="http://schemas.openxmlformats.org/drawingml/2006/main" xmlns:r="http://schemas.openxmlformats.org/officeDocument/2006/relationships" xmlns:p="http://schemas.openxmlformats.org/presentationml/2006/main">
+  <p:cSld>
+    <p:spTree>
+      <p:nvGrpSpPr>
+        <p:cNvPr id="1" name=""/>
+        <p:cNvGrpSpPr/>
+        <p:nvPr/>
+      </p:nvGrpSpPr>
+      <p:grpSpPr>
+        <a:xfrm>
+          <a:off x="0" y="0"/>
+          <a:ext cx="0" cy="0"/>
+          <a:chOff x="0" y="0"/>
+          <a:chExt cx="0" cy="0"/>
+        </a:xfrm>
+      </p:grpSpPr>
+      <p:sp>
+        <p:nvSpPr>
           <p:cNvPr id="2" name="Title 1"/>
           <p:cNvSpPr>
             <a:spLocks noGrp="1"/>
@@ -6643,7 +6087,7 @@
     </p:spTree>
     <p:extLst>
       <p:ext uri="{BB962C8B-B14F-4D97-AF65-F5344CB8AC3E}">
-        <p14:creationId xmlns:p14="http://schemas.microsoft.com/office/powerpoint/2010/main" val="2774899098"/>
+        <p14:creationId xmlns:p14="http://schemas.microsoft.com/office/powerpoint/2010/main" val="3945156846"/>
       </p:ext>
     </p:extLst>
   </p:cSld>
@@ -6653,7 +6097,7 @@
 </p:sld>
 </file>
 
-<file path=ppt/slides/slide2.xml><?xml version="1.0" encoding="utf-8"?>
+<file path=ppt/slides/slide3.xml><?xml version="1.0" encoding="utf-8"?>
 <p:sld xmlns:a="http://schemas.openxmlformats.org/drawingml/2006/main" xmlns:r="http://schemas.openxmlformats.org/officeDocument/2006/relationships" xmlns:p="http://schemas.openxmlformats.org/presentationml/2006/main">
   <p:cSld>
     <p:spTree>
@@ -6887,490 +6331,6 @@
 </p:sld>
 </file>
 
-<file path=ppt/slides/slide3.xml><?xml version="1.0" encoding="utf-8"?>
-<p:sld xmlns:a="http://schemas.openxmlformats.org/drawingml/2006/main" xmlns:r="http://schemas.openxmlformats.org/officeDocument/2006/relationships" xmlns:p="http://schemas.openxmlformats.org/presentationml/2006/main">
-  <p:cSld>
-    <p:spTree>
-      <p:nvGrpSpPr>
-        <p:cNvPr id="1" name=""/>
-        <p:cNvGrpSpPr/>
-        <p:nvPr/>
-      </p:nvGrpSpPr>
-      <p:grpSpPr>
-        <a:xfrm>
-          <a:off x="0" y="0"/>
-          <a:ext cx="0" cy="0"/>
-          <a:chOff x="0" y="0"/>
-          <a:chExt cx="0" cy="0"/>
-        </a:xfrm>
-      </p:grpSpPr>
-      <p:sp>
-        <p:nvSpPr>
-          <p:cNvPr id="2" name="Title 1">
-            <a:extLst>
-              <a:ext uri="{FF2B5EF4-FFF2-40B4-BE49-F238E27FC236}">
-                <a16:creationId xmlns:a16="http://schemas.microsoft.com/office/drawing/2014/main" id="{55AE38A9-9DBA-4343-9A6E-51ED20DFE1E5}"/>
-              </a:ext>
-            </a:extLst>
-          </p:cNvPr>
-          <p:cNvSpPr>
-            <a:spLocks noGrp="1"/>
-          </p:cNvSpPr>
-          <p:nvPr>
-            <p:ph type="title"/>
-          </p:nvPr>
-        </p:nvSpPr>
-        <p:spPr/>
-        <p:txBody>
-          <a:bodyPr/>
-          <a:lstStyle/>
-          <a:p>
-            <a:r>
-              <a:rPr lang="en-US"/>
-              <a:t>Unit Test</a:t>
-            </a:r>
-          </a:p>
-        </p:txBody>
-      </p:sp>
-      <p:sp>
-        <p:nvSpPr>
-          <p:cNvPr id="3" name="Content Placeholder 2">
-            <a:extLst>
-              <a:ext uri="{FF2B5EF4-FFF2-40B4-BE49-F238E27FC236}">
-                <a16:creationId xmlns:a16="http://schemas.microsoft.com/office/drawing/2014/main" id="{85EA328E-77B8-4B6C-991E-73175DD5109B}"/>
-              </a:ext>
-            </a:extLst>
-          </p:cNvPr>
-          <p:cNvSpPr>
-            <a:spLocks noGrp="1"/>
-          </p:cNvSpPr>
-          <p:nvPr>
-            <p:ph idx="1"/>
-          </p:nvPr>
-        </p:nvSpPr>
-        <p:spPr>
-          <a:xfrm>
-            <a:off x="2286000" y="1600201"/>
-            <a:ext cx="9296400" cy="4525963"/>
-          </a:xfrm>
-        </p:spPr>
-        <p:txBody>
-          <a:bodyPr/>
-          <a:lstStyle/>
-          <a:p>
-            <a:pPr marL="0" indent="0">
-              <a:buNone/>
-            </a:pPr>
-            <a:r>
-              <a:rPr lang="en-US" sz="1200" b="1">
-                <a:solidFill>
-                  <a:srgbClr val="0000FF"/>
-                </a:solidFill>
-                <a:latin typeface="Consolas" panose="020B0609020204030204" pitchFamily="49" charset="0"/>
-              </a:rPr>
-              <a:t>using</a:t>
-            </a:r>
-            <a:r>
-              <a:rPr lang="en-US" sz="1200" b="1">
-                <a:solidFill>
-                  <a:srgbClr val="000000"/>
-                </a:solidFill>
-                <a:latin typeface="Consolas" panose="020B0609020204030204" pitchFamily="49" charset="0"/>
-              </a:rPr>
-              <a:t> System;</a:t>
-            </a:r>
-          </a:p>
-          <a:p>
-            <a:pPr marL="0" indent="0">
-              <a:buNone/>
-            </a:pPr>
-            <a:r>
-              <a:rPr lang="en-US" sz="1200" b="1">
-                <a:solidFill>
-                  <a:srgbClr val="0000FF"/>
-                </a:solidFill>
-                <a:latin typeface="Consolas" panose="020B0609020204030204" pitchFamily="49" charset="0"/>
-              </a:rPr>
-              <a:t>using</a:t>
-            </a:r>
-            <a:r>
-              <a:rPr lang="en-US" sz="1200" b="1">
-                <a:solidFill>
-                  <a:srgbClr val="000000"/>
-                </a:solidFill>
-                <a:latin typeface="Consolas" panose="020B0609020204030204" pitchFamily="49" charset="0"/>
-              </a:rPr>
-              <a:t> Microsoft.VisualStudio.TestTools.UnitTesting;</a:t>
-            </a:r>
-          </a:p>
-          <a:p>
-            <a:pPr marL="0" indent="0">
-              <a:buNone/>
-            </a:pPr>
-            <a:endParaRPr lang="en-US" sz="1200" b="1">
-              <a:solidFill>
-                <a:srgbClr val="000000"/>
-              </a:solidFill>
-              <a:latin typeface="Consolas" panose="020B0609020204030204" pitchFamily="49" charset="0"/>
-            </a:endParaRPr>
-          </a:p>
-          <a:p>
-            <a:pPr marL="0" indent="0">
-              <a:buNone/>
-            </a:pPr>
-            <a:endParaRPr lang="en-US" sz="1200" b="1">
-              <a:solidFill>
-                <a:srgbClr val="000000"/>
-              </a:solidFill>
-              <a:latin typeface="Consolas" panose="020B0609020204030204" pitchFamily="49" charset="0"/>
-            </a:endParaRPr>
-          </a:p>
-          <a:p>
-            <a:pPr marL="0" indent="0">
-              <a:buNone/>
-            </a:pPr>
-            <a:r>
-              <a:rPr lang="en-US" sz="1200" b="1">
-                <a:solidFill>
-                  <a:srgbClr val="0000FF"/>
-                </a:solidFill>
-                <a:latin typeface="Consolas" panose="020B0609020204030204" pitchFamily="49" charset="0"/>
-              </a:rPr>
-              <a:t>namespace</a:t>
-            </a:r>
-            <a:r>
-              <a:rPr lang="en-US" sz="1200" b="1">
-                <a:solidFill>
-                  <a:srgbClr val="000000"/>
-                </a:solidFill>
-                <a:latin typeface="Consolas" panose="020B0609020204030204" pitchFamily="49" charset="0"/>
-              </a:rPr>
-              <a:t> UnitTestProject</a:t>
-            </a:r>
-          </a:p>
-          <a:p>
-            <a:pPr marL="0" indent="0">
-              <a:buNone/>
-            </a:pPr>
-            <a:r>
-              <a:rPr lang="en-US" sz="1200" b="1">
-                <a:solidFill>
-                  <a:srgbClr val="000000"/>
-                </a:solidFill>
-                <a:latin typeface="Consolas" panose="020B0609020204030204" pitchFamily="49" charset="0"/>
-              </a:rPr>
-              <a:t>{</a:t>
-            </a:r>
-          </a:p>
-          <a:p>
-            <a:pPr marL="0" indent="0">
-              <a:buNone/>
-            </a:pPr>
-            <a:r>
-              <a:rPr lang="en-US" sz="1200" b="1">
-                <a:solidFill>
-                  <a:srgbClr val="000000"/>
-                </a:solidFill>
-                <a:latin typeface="Consolas" panose="020B0609020204030204" pitchFamily="49" charset="0"/>
-              </a:rPr>
-              <a:t>    [TestClass]</a:t>
-            </a:r>
-          </a:p>
-          <a:p>
-            <a:pPr marL="0" indent="0">
-              <a:buNone/>
-            </a:pPr>
-            <a:r>
-              <a:rPr lang="en-US" sz="1200" b="1">
-                <a:solidFill>
-                  <a:srgbClr val="000000"/>
-                </a:solidFill>
-                <a:latin typeface="Consolas" panose="020B0609020204030204" pitchFamily="49" charset="0"/>
-              </a:rPr>
-              <a:t>    </a:t>
-            </a:r>
-            <a:r>
-              <a:rPr lang="en-US" sz="1200" b="1">
-                <a:solidFill>
-                  <a:srgbClr val="0000FF"/>
-                </a:solidFill>
-                <a:latin typeface="Consolas" panose="020B0609020204030204" pitchFamily="49" charset="0"/>
-              </a:rPr>
-              <a:t>public</a:t>
-            </a:r>
-            <a:r>
-              <a:rPr lang="en-US" sz="1200" b="1">
-                <a:solidFill>
-                  <a:srgbClr val="000000"/>
-                </a:solidFill>
-                <a:latin typeface="Consolas" panose="020B0609020204030204" pitchFamily="49" charset="0"/>
-              </a:rPr>
-              <a:t> </a:t>
-            </a:r>
-            <a:r>
-              <a:rPr lang="en-US" sz="1200" b="1">
-                <a:solidFill>
-                  <a:srgbClr val="0000FF"/>
-                </a:solidFill>
-                <a:latin typeface="Consolas" panose="020B0609020204030204" pitchFamily="49" charset="0"/>
-              </a:rPr>
-              <a:t>class</a:t>
-            </a:r>
-            <a:r>
-              <a:rPr lang="en-US" sz="1200" b="1">
-                <a:solidFill>
-                  <a:srgbClr val="000000"/>
-                </a:solidFill>
-                <a:latin typeface="Consolas" panose="020B0609020204030204" pitchFamily="49" charset="0"/>
-              </a:rPr>
-              <a:t> </a:t>
-            </a:r>
-            <a:r>
-              <a:rPr lang="en-US" sz="1200" b="1">
-                <a:solidFill>
-                  <a:srgbClr val="2B91AF"/>
-                </a:solidFill>
-                <a:latin typeface="Consolas" panose="020B0609020204030204" pitchFamily="49" charset="0"/>
-              </a:rPr>
-              <a:t>UnitTest1</a:t>
-            </a:r>
-            <a:endParaRPr lang="en-US" sz="1200" b="1">
-              <a:solidFill>
-                <a:srgbClr val="000000"/>
-              </a:solidFill>
-              <a:latin typeface="Consolas" panose="020B0609020204030204" pitchFamily="49" charset="0"/>
-            </a:endParaRPr>
-          </a:p>
-          <a:p>
-            <a:pPr marL="0" indent="0">
-              <a:buNone/>
-            </a:pPr>
-            <a:r>
-              <a:rPr lang="en-US" sz="1200" b="1">
-                <a:solidFill>
-                  <a:srgbClr val="000000"/>
-                </a:solidFill>
-                <a:latin typeface="Consolas" panose="020B0609020204030204" pitchFamily="49" charset="0"/>
-              </a:rPr>
-              <a:t>    {</a:t>
-            </a:r>
-          </a:p>
-          <a:p>
-            <a:pPr marL="0" indent="0">
-              <a:buNone/>
-            </a:pPr>
-            <a:r>
-              <a:rPr lang="en-US" sz="1200" b="1">
-                <a:solidFill>
-                  <a:srgbClr val="000000"/>
-                </a:solidFill>
-                <a:latin typeface="Consolas" panose="020B0609020204030204" pitchFamily="49" charset="0"/>
-              </a:rPr>
-              <a:t>        [TestMethod]</a:t>
-            </a:r>
-          </a:p>
-          <a:p>
-            <a:pPr marL="0" indent="0">
-              <a:buNone/>
-            </a:pPr>
-            <a:r>
-              <a:rPr lang="en-US" sz="1200" b="1">
-                <a:solidFill>
-                  <a:srgbClr val="000000"/>
-                </a:solidFill>
-                <a:latin typeface="Consolas" panose="020B0609020204030204" pitchFamily="49" charset="0"/>
-              </a:rPr>
-              <a:t>        </a:t>
-            </a:r>
-            <a:r>
-              <a:rPr lang="en-US" sz="1200" b="1">
-                <a:solidFill>
-                  <a:srgbClr val="0000FF"/>
-                </a:solidFill>
-                <a:latin typeface="Consolas" panose="020B0609020204030204" pitchFamily="49" charset="0"/>
-              </a:rPr>
-              <a:t>public</a:t>
-            </a:r>
-            <a:r>
-              <a:rPr lang="en-US" sz="1200" b="1">
-                <a:solidFill>
-                  <a:srgbClr val="000000"/>
-                </a:solidFill>
-                <a:latin typeface="Consolas" panose="020B0609020204030204" pitchFamily="49" charset="0"/>
-              </a:rPr>
-              <a:t> </a:t>
-            </a:r>
-            <a:r>
-              <a:rPr lang="en-US" sz="1200" b="1">
-                <a:solidFill>
-                  <a:srgbClr val="0000FF"/>
-                </a:solidFill>
-                <a:latin typeface="Consolas" panose="020B0609020204030204" pitchFamily="49" charset="0"/>
-              </a:rPr>
-              <a:t>void</a:t>
-            </a:r>
-            <a:r>
-              <a:rPr lang="en-US" sz="1200" b="1">
-                <a:solidFill>
-                  <a:srgbClr val="000000"/>
-                </a:solidFill>
-                <a:latin typeface="Consolas" panose="020B0609020204030204" pitchFamily="49" charset="0"/>
-              </a:rPr>
-              <a:t> TestMethod1()</a:t>
-            </a:r>
-          </a:p>
-          <a:p>
-            <a:pPr marL="0" indent="0">
-              <a:buNone/>
-            </a:pPr>
-            <a:r>
-              <a:rPr lang="en-US" sz="1200" b="1">
-                <a:solidFill>
-                  <a:srgbClr val="000000"/>
-                </a:solidFill>
-                <a:latin typeface="Consolas" panose="020B0609020204030204" pitchFamily="49" charset="0"/>
-              </a:rPr>
-              <a:t>        {</a:t>
-            </a:r>
-          </a:p>
-          <a:p>
-            <a:pPr marL="0" indent="0">
-              <a:buNone/>
-            </a:pPr>
-            <a:r>
-              <a:rPr lang="en-US" sz="1200" b="1">
-                <a:solidFill>
-                  <a:srgbClr val="000000"/>
-                </a:solidFill>
-                <a:latin typeface="Consolas" panose="020B0609020204030204" pitchFamily="49" charset="0"/>
-              </a:rPr>
-              <a:t>            Fruits.Apple myApple = </a:t>
-            </a:r>
-            <a:r>
-              <a:rPr lang="en-US" sz="1200" b="1">
-                <a:solidFill>
-                  <a:srgbClr val="0000FF"/>
-                </a:solidFill>
-                <a:latin typeface="Consolas" panose="020B0609020204030204" pitchFamily="49" charset="0"/>
-              </a:rPr>
-              <a:t>new</a:t>
-            </a:r>
-            <a:r>
-              <a:rPr lang="en-US" sz="1200" b="1">
-                <a:solidFill>
-                  <a:srgbClr val="000000"/>
-                </a:solidFill>
-                <a:latin typeface="Consolas" panose="020B0609020204030204" pitchFamily="49" charset="0"/>
-              </a:rPr>
-              <a:t> Fruits.Apple();</a:t>
-            </a:r>
-          </a:p>
-          <a:p>
-            <a:pPr marL="0" indent="0">
-              <a:buNone/>
-            </a:pPr>
-            <a:r>
-              <a:rPr lang="en-US" sz="1200" b="1">
-                <a:solidFill>
-                  <a:srgbClr val="000000"/>
-                </a:solidFill>
-                <a:latin typeface="Consolas" panose="020B0609020204030204" pitchFamily="49" charset="0"/>
-              </a:rPr>
-              <a:t>            Assert.AreEqual(myApple.IsRotten(), </a:t>
-            </a:r>
-            <a:r>
-              <a:rPr lang="en-US" sz="1200" b="1">
-                <a:solidFill>
-                  <a:srgbClr val="0000FF"/>
-                </a:solidFill>
-                <a:latin typeface="Consolas" panose="020B0609020204030204" pitchFamily="49" charset="0"/>
-              </a:rPr>
-              <a:t>false</a:t>
-            </a:r>
-            <a:r>
-              <a:rPr lang="en-US" sz="1200" b="1">
-                <a:solidFill>
-                  <a:srgbClr val="000000"/>
-                </a:solidFill>
-                <a:latin typeface="Consolas" panose="020B0609020204030204" pitchFamily="49" charset="0"/>
-              </a:rPr>
-              <a:t>);</a:t>
-            </a:r>
-          </a:p>
-          <a:p>
-            <a:pPr marL="0" indent="0">
-              <a:buNone/>
-            </a:pPr>
-            <a:endParaRPr lang="en-US" sz="1200" b="1">
-              <a:solidFill>
-                <a:srgbClr val="000000"/>
-              </a:solidFill>
-              <a:latin typeface="Consolas" panose="020B0609020204030204" pitchFamily="49" charset="0"/>
-            </a:endParaRPr>
-          </a:p>
-          <a:p>
-            <a:pPr marL="0" indent="0">
-              <a:buNone/>
-            </a:pPr>
-            <a:r>
-              <a:rPr lang="en-US" sz="1200" b="1">
-                <a:solidFill>
-                  <a:srgbClr val="000000"/>
-                </a:solidFill>
-                <a:latin typeface="Consolas" panose="020B0609020204030204" pitchFamily="49" charset="0"/>
-              </a:rPr>
-              <a:t>        }</a:t>
-            </a:r>
-          </a:p>
-          <a:p>
-            <a:pPr marL="0" indent="0">
-              <a:buNone/>
-            </a:pPr>
-            <a:r>
-              <a:rPr lang="en-US" sz="1200" b="1">
-                <a:solidFill>
-                  <a:srgbClr val="000000"/>
-                </a:solidFill>
-                <a:latin typeface="Consolas" panose="020B0609020204030204" pitchFamily="49" charset="0"/>
-              </a:rPr>
-              <a:t>    }</a:t>
-            </a:r>
-          </a:p>
-          <a:p>
-            <a:pPr marL="0" indent="0">
-              <a:buNone/>
-            </a:pPr>
-            <a:r>
-              <a:rPr lang="en-US" sz="1200" b="1">
-                <a:solidFill>
-                  <a:srgbClr val="000000"/>
-                </a:solidFill>
-                <a:latin typeface="Consolas" panose="020B0609020204030204" pitchFamily="49" charset="0"/>
-              </a:rPr>
-              <a:t>}</a:t>
-            </a:r>
-          </a:p>
-          <a:p>
-            <a:pPr marL="0" indent="0">
-              <a:buNone/>
-            </a:pPr>
-            <a:endParaRPr lang="en-US" sz="1200" b="1"/>
-          </a:p>
-        </p:txBody>
-      </p:sp>
-    </p:spTree>
-    <p:extLst>
-      <p:ext uri="{BB962C8B-B14F-4D97-AF65-F5344CB8AC3E}">
-        <p14:creationId xmlns:p14="http://schemas.microsoft.com/office/powerpoint/2010/main" val="1136333904"/>
-      </p:ext>
-    </p:extLst>
-  </p:cSld>
-  <p:clrMapOvr>
-    <a:masterClrMapping/>
-  </p:clrMapOvr>
-</p:sld>
-</file>
-
 <file path=ppt/slides/slide4.xml><?xml version="1.0" encoding="utf-8"?>
 <p:sld xmlns:a="http://schemas.openxmlformats.org/drawingml/2006/main" xmlns:r="http://schemas.openxmlformats.org/officeDocument/2006/relationships" xmlns:p="http://schemas.openxmlformats.org/presentationml/2006/main">
   <p:cSld>
@@ -7393,6 +6353,490 @@
           <p:cNvPr id="2" name="Title 1">
             <a:extLst>
               <a:ext uri="{FF2B5EF4-FFF2-40B4-BE49-F238E27FC236}">
+                <a16:creationId xmlns:a16="http://schemas.microsoft.com/office/drawing/2014/main" id="{55AE38A9-9DBA-4343-9A6E-51ED20DFE1E5}"/>
+              </a:ext>
+            </a:extLst>
+          </p:cNvPr>
+          <p:cNvSpPr>
+            <a:spLocks noGrp="1"/>
+          </p:cNvSpPr>
+          <p:nvPr>
+            <p:ph type="title"/>
+          </p:nvPr>
+        </p:nvSpPr>
+        <p:spPr/>
+        <p:txBody>
+          <a:bodyPr/>
+          <a:lstStyle/>
+          <a:p>
+            <a:r>
+              <a:rPr lang="en-US"/>
+              <a:t>Unit Test</a:t>
+            </a:r>
+          </a:p>
+        </p:txBody>
+      </p:sp>
+      <p:sp>
+        <p:nvSpPr>
+          <p:cNvPr id="3" name="Content Placeholder 2">
+            <a:extLst>
+              <a:ext uri="{FF2B5EF4-FFF2-40B4-BE49-F238E27FC236}">
+                <a16:creationId xmlns:a16="http://schemas.microsoft.com/office/drawing/2014/main" id="{85EA328E-77B8-4B6C-991E-73175DD5109B}"/>
+              </a:ext>
+            </a:extLst>
+          </p:cNvPr>
+          <p:cNvSpPr>
+            <a:spLocks noGrp="1"/>
+          </p:cNvSpPr>
+          <p:nvPr>
+            <p:ph idx="1"/>
+          </p:nvPr>
+        </p:nvSpPr>
+        <p:spPr>
+          <a:xfrm>
+            <a:off x="2286000" y="1600201"/>
+            <a:ext cx="9296400" cy="4525963"/>
+          </a:xfrm>
+        </p:spPr>
+        <p:txBody>
+          <a:bodyPr/>
+          <a:lstStyle/>
+          <a:p>
+            <a:pPr marL="0" indent="0">
+              <a:buNone/>
+            </a:pPr>
+            <a:r>
+              <a:rPr lang="en-US" sz="1200" b="1">
+                <a:solidFill>
+                  <a:srgbClr val="0000FF"/>
+                </a:solidFill>
+                <a:latin typeface="Consolas" panose="020B0609020204030204" pitchFamily="49" charset="0"/>
+              </a:rPr>
+              <a:t>using</a:t>
+            </a:r>
+            <a:r>
+              <a:rPr lang="en-US" sz="1200" b="1">
+                <a:solidFill>
+                  <a:srgbClr val="000000"/>
+                </a:solidFill>
+                <a:latin typeface="Consolas" panose="020B0609020204030204" pitchFamily="49" charset="0"/>
+              </a:rPr>
+              <a:t> System;</a:t>
+            </a:r>
+          </a:p>
+          <a:p>
+            <a:pPr marL="0" indent="0">
+              <a:buNone/>
+            </a:pPr>
+            <a:r>
+              <a:rPr lang="en-US" sz="1200" b="1">
+                <a:solidFill>
+                  <a:srgbClr val="0000FF"/>
+                </a:solidFill>
+                <a:latin typeface="Consolas" panose="020B0609020204030204" pitchFamily="49" charset="0"/>
+              </a:rPr>
+              <a:t>using</a:t>
+            </a:r>
+            <a:r>
+              <a:rPr lang="en-US" sz="1200" b="1">
+                <a:solidFill>
+                  <a:srgbClr val="000000"/>
+                </a:solidFill>
+                <a:latin typeface="Consolas" panose="020B0609020204030204" pitchFamily="49" charset="0"/>
+              </a:rPr>
+              <a:t> Microsoft.VisualStudio.TestTools.UnitTesting;</a:t>
+            </a:r>
+          </a:p>
+          <a:p>
+            <a:pPr marL="0" indent="0">
+              <a:buNone/>
+            </a:pPr>
+            <a:endParaRPr lang="en-US" sz="1200" b="1">
+              <a:solidFill>
+                <a:srgbClr val="000000"/>
+              </a:solidFill>
+              <a:latin typeface="Consolas" panose="020B0609020204030204" pitchFamily="49" charset="0"/>
+            </a:endParaRPr>
+          </a:p>
+          <a:p>
+            <a:pPr marL="0" indent="0">
+              <a:buNone/>
+            </a:pPr>
+            <a:endParaRPr lang="en-US" sz="1200" b="1">
+              <a:solidFill>
+                <a:srgbClr val="000000"/>
+              </a:solidFill>
+              <a:latin typeface="Consolas" panose="020B0609020204030204" pitchFamily="49" charset="0"/>
+            </a:endParaRPr>
+          </a:p>
+          <a:p>
+            <a:pPr marL="0" indent="0">
+              <a:buNone/>
+            </a:pPr>
+            <a:r>
+              <a:rPr lang="en-US" sz="1200" b="1">
+                <a:solidFill>
+                  <a:srgbClr val="0000FF"/>
+                </a:solidFill>
+                <a:latin typeface="Consolas" panose="020B0609020204030204" pitchFamily="49" charset="0"/>
+              </a:rPr>
+              <a:t>namespace</a:t>
+            </a:r>
+            <a:r>
+              <a:rPr lang="en-US" sz="1200" b="1">
+                <a:solidFill>
+                  <a:srgbClr val="000000"/>
+                </a:solidFill>
+                <a:latin typeface="Consolas" panose="020B0609020204030204" pitchFamily="49" charset="0"/>
+              </a:rPr>
+              <a:t> UnitTestProject</a:t>
+            </a:r>
+          </a:p>
+          <a:p>
+            <a:pPr marL="0" indent="0">
+              <a:buNone/>
+            </a:pPr>
+            <a:r>
+              <a:rPr lang="en-US" sz="1200" b="1">
+                <a:solidFill>
+                  <a:srgbClr val="000000"/>
+                </a:solidFill>
+                <a:latin typeface="Consolas" panose="020B0609020204030204" pitchFamily="49" charset="0"/>
+              </a:rPr>
+              <a:t>{</a:t>
+            </a:r>
+          </a:p>
+          <a:p>
+            <a:pPr marL="0" indent="0">
+              <a:buNone/>
+            </a:pPr>
+            <a:r>
+              <a:rPr lang="en-US" sz="1200" b="1">
+                <a:solidFill>
+                  <a:srgbClr val="000000"/>
+                </a:solidFill>
+                <a:latin typeface="Consolas" panose="020B0609020204030204" pitchFamily="49" charset="0"/>
+              </a:rPr>
+              <a:t>    [TestClass]</a:t>
+            </a:r>
+          </a:p>
+          <a:p>
+            <a:pPr marL="0" indent="0">
+              <a:buNone/>
+            </a:pPr>
+            <a:r>
+              <a:rPr lang="en-US" sz="1200" b="1">
+                <a:solidFill>
+                  <a:srgbClr val="000000"/>
+                </a:solidFill>
+                <a:latin typeface="Consolas" panose="020B0609020204030204" pitchFamily="49" charset="0"/>
+              </a:rPr>
+              <a:t>    </a:t>
+            </a:r>
+            <a:r>
+              <a:rPr lang="en-US" sz="1200" b="1">
+                <a:solidFill>
+                  <a:srgbClr val="0000FF"/>
+                </a:solidFill>
+                <a:latin typeface="Consolas" panose="020B0609020204030204" pitchFamily="49" charset="0"/>
+              </a:rPr>
+              <a:t>public</a:t>
+            </a:r>
+            <a:r>
+              <a:rPr lang="en-US" sz="1200" b="1">
+                <a:solidFill>
+                  <a:srgbClr val="000000"/>
+                </a:solidFill>
+                <a:latin typeface="Consolas" panose="020B0609020204030204" pitchFamily="49" charset="0"/>
+              </a:rPr>
+              <a:t> </a:t>
+            </a:r>
+            <a:r>
+              <a:rPr lang="en-US" sz="1200" b="1">
+                <a:solidFill>
+                  <a:srgbClr val="0000FF"/>
+                </a:solidFill>
+                <a:latin typeface="Consolas" panose="020B0609020204030204" pitchFamily="49" charset="0"/>
+              </a:rPr>
+              <a:t>class</a:t>
+            </a:r>
+            <a:r>
+              <a:rPr lang="en-US" sz="1200" b="1">
+                <a:solidFill>
+                  <a:srgbClr val="000000"/>
+                </a:solidFill>
+                <a:latin typeface="Consolas" panose="020B0609020204030204" pitchFamily="49" charset="0"/>
+              </a:rPr>
+              <a:t> </a:t>
+            </a:r>
+            <a:r>
+              <a:rPr lang="en-US" sz="1200" b="1">
+                <a:solidFill>
+                  <a:srgbClr val="2B91AF"/>
+                </a:solidFill>
+                <a:latin typeface="Consolas" panose="020B0609020204030204" pitchFamily="49" charset="0"/>
+              </a:rPr>
+              <a:t>UnitTest1</a:t>
+            </a:r>
+            <a:endParaRPr lang="en-US" sz="1200" b="1">
+              <a:solidFill>
+                <a:srgbClr val="000000"/>
+              </a:solidFill>
+              <a:latin typeface="Consolas" panose="020B0609020204030204" pitchFamily="49" charset="0"/>
+            </a:endParaRPr>
+          </a:p>
+          <a:p>
+            <a:pPr marL="0" indent="0">
+              <a:buNone/>
+            </a:pPr>
+            <a:r>
+              <a:rPr lang="en-US" sz="1200" b="1">
+                <a:solidFill>
+                  <a:srgbClr val="000000"/>
+                </a:solidFill>
+                <a:latin typeface="Consolas" panose="020B0609020204030204" pitchFamily="49" charset="0"/>
+              </a:rPr>
+              <a:t>    {</a:t>
+            </a:r>
+          </a:p>
+          <a:p>
+            <a:pPr marL="0" indent="0">
+              <a:buNone/>
+            </a:pPr>
+            <a:r>
+              <a:rPr lang="en-US" sz="1200" b="1">
+                <a:solidFill>
+                  <a:srgbClr val="000000"/>
+                </a:solidFill>
+                <a:latin typeface="Consolas" panose="020B0609020204030204" pitchFamily="49" charset="0"/>
+              </a:rPr>
+              <a:t>        [TestMethod]</a:t>
+            </a:r>
+          </a:p>
+          <a:p>
+            <a:pPr marL="0" indent="0">
+              <a:buNone/>
+            </a:pPr>
+            <a:r>
+              <a:rPr lang="en-US" sz="1200" b="1">
+                <a:solidFill>
+                  <a:srgbClr val="000000"/>
+                </a:solidFill>
+                <a:latin typeface="Consolas" panose="020B0609020204030204" pitchFamily="49" charset="0"/>
+              </a:rPr>
+              <a:t>        </a:t>
+            </a:r>
+            <a:r>
+              <a:rPr lang="en-US" sz="1200" b="1">
+                <a:solidFill>
+                  <a:srgbClr val="0000FF"/>
+                </a:solidFill>
+                <a:latin typeface="Consolas" panose="020B0609020204030204" pitchFamily="49" charset="0"/>
+              </a:rPr>
+              <a:t>public</a:t>
+            </a:r>
+            <a:r>
+              <a:rPr lang="en-US" sz="1200" b="1">
+                <a:solidFill>
+                  <a:srgbClr val="000000"/>
+                </a:solidFill>
+                <a:latin typeface="Consolas" panose="020B0609020204030204" pitchFamily="49" charset="0"/>
+              </a:rPr>
+              <a:t> </a:t>
+            </a:r>
+            <a:r>
+              <a:rPr lang="en-US" sz="1200" b="1">
+                <a:solidFill>
+                  <a:srgbClr val="0000FF"/>
+                </a:solidFill>
+                <a:latin typeface="Consolas" panose="020B0609020204030204" pitchFamily="49" charset="0"/>
+              </a:rPr>
+              <a:t>void</a:t>
+            </a:r>
+            <a:r>
+              <a:rPr lang="en-US" sz="1200" b="1">
+                <a:solidFill>
+                  <a:srgbClr val="000000"/>
+                </a:solidFill>
+                <a:latin typeface="Consolas" panose="020B0609020204030204" pitchFamily="49" charset="0"/>
+              </a:rPr>
+              <a:t> TestMethod1()</a:t>
+            </a:r>
+          </a:p>
+          <a:p>
+            <a:pPr marL="0" indent="0">
+              <a:buNone/>
+            </a:pPr>
+            <a:r>
+              <a:rPr lang="en-US" sz="1200" b="1">
+                <a:solidFill>
+                  <a:srgbClr val="000000"/>
+                </a:solidFill>
+                <a:latin typeface="Consolas" panose="020B0609020204030204" pitchFamily="49" charset="0"/>
+              </a:rPr>
+              <a:t>        {</a:t>
+            </a:r>
+          </a:p>
+          <a:p>
+            <a:pPr marL="0" indent="0">
+              <a:buNone/>
+            </a:pPr>
+            <a:r>
+              <a:rPr lang="en-US" sz="1200" b="1">
+                <a:solidFill>
+                  <a:srgbClr val="000000"/>
+                </a:solidFill>
+                <a:latin typeface="Consolas" panose="020B0609020204030204" pitchFamily="49" charset="0"/>
+              </a:rPr>
+              <a:t>            Fruits.Apple myApple = </a:t>
+            </a:r>
+            <a:r>
+              <a:rPr lang="en-US" sz="1200" b="1">
+                <a:solidFill>
+                  <a:srgbClr val="0000FF"/>
+                </a:solidFill>
+                <a:latin typeface="Consolas" panose="020B0609020204030204" pitchFamily="49" charset="0"/>
+              </a:rPr>
+              <a:t>new</a:t>
+            </a:r>
+            <a:r>
+              <a:rPr lang="en-US" sz="1200" b="1">
+                <a:solidFill>
+                  <a:srgbClr val="000000"/>
+                </a:solidFill>
+                <a:latin typeface="Consolas" panose="020B0609020204030204" pitchFamily="49" charset="0"/>
+              </a:rPr>
+              <a:t> Fruits.Apple();</a:t>
+            </a:r>
+          </a:p>
+          <a:p>
+            <a:pPr marL="0" indent="0">
+              <a:buNone/>
+            </a:pPr>
+            <a:r>
+              <a:rPr lang="en-US" sz="1200" b="1">
+                <a:solidFill>
+                  <a:srgbClr val="000000"/>
+                </a:solidFill>
+                <a:latin typeface="Consolas" panose="020B0609020204030204" pitchFamily="49" charset="0"/>
+              </a:rPr>
+              <a:t>            Assert.AreEqual(myApple.IsRotten(), </a:t>
+            </a:r>
+            <a:r>
+              <a:rPr lang="en-US" sz="1200" b="1">
+                <a:solidFill>
+                  <a:srgbClr val="0000FF"/>
+                </a:solidFill>
+                <a:latin typeface="Consolas" panose="020B0609020204030204" pitchFamily="49" charset="0"/>
+              </a:rPr>
+              <a:t>false</a:t>
+            </a:r>
+            <a:r>
+              <a:rPr lang="en-US" sz="1200" b="1">
+                <a:solidFill>
+                  <a:srgbClr val="000000"/>
+                </a:solidFill>
+                <a:latin typeface="Consolas" panose="020B0609020204030204" pitchFamily="49" charset="0"/>
+              </a:rPr>
+              <a:t>);</a:t>
+            </a:r>
+          </a:p>
+          <a:p>
+            <a:pPr marL="0" indent="0">
+              <a:buNone/>
+            </a:pPr>
+            <a:endParaRPr lang="en-US" sz="1200" b="1">
+              <a:solidFill>
+                <a:srgbClr val="000000"/>
+              </a:solidFill>
+              <a:latin typeface="Consolas" panose="020B0609020204030204" pitchFamily="49" charset="0"/>
+            </a:endParaRPr>
+          </a:p>
+          <a:p>
+            <a:pPr marL="0" indent="0">
+              <a:buNone/>
+            </a:pPr>
+            <a:r>
+              <a:rPr lang="en-US" sz="1200" b="1">
+                <a:solidFill>
+                  <a:srgbClr val="000000"/>
+                </a:solidFill>
+                <a:latin typeface="Consolas" panose="020B0609020204030204" pitchFamily="49" charset="0"/>
+              </a:rPr>
+              <a:t>        }</a:t>
+            </a:r>
+          </a:p>
+          <a:p>
+            <a:pPr marL="0" indent="0">
+              <a:buNone/>
+            </a:pPr>
+            <a:r>
+              <a:rPr lang="en-US" sz="1200" b="1">
+                <a:solidFill>
+                  <a:srgbClr val="000000"/>
+                </a:solidFill>
+                <a:latin typeface="Consolas" panose="020B0609020204030204" pitchFamily="49" charset="0"/>
+              </a:rPr>
+              <a:t>    }</a:t>
+            </a:r>
+          </a:p>
+          <a:p>
+            <a:pPr marL="0" indent="0">
+              <a:buNone/>
+            </a:pPr>
+            <a:r>
+              <a:rPr lang="en-US" sz="1200" b="1">
+                <a:solidFill>
+                  <a:srgbClr val="000000"/>
+                </a:solidFill>
+                <a:latin typeface="Consolas" panose="020B0609020204030204" pitchFamily="49" charset="0"/>
+              </a:rPr>
+              <a:t>}</a:t>
+            </a:r>
+          </a:p>
+          <a:p>
+            <a:pPr marL="0" indent="0">
+              <a:buNone/>
+            </a:pPr>
+            <a:endParaRPr lang="en-US" sz="1200" b="1"/>
+          </a:p>
+        </p:txBody>
+      </p:sp>
+    </p:spTree>
+    <p:extLst>
+      <p:ext uri="{BB962C8B-B14F-4D97-AF65-F5344CB8AC3E}">
+        <p14:creationId xmlns:p14="http://schemas.microsoft.com/office/powerpoint/2010/main" val="1136333904"/>
+      </p:ext>
+    </p:extLst>
+  </p:cSld>
+  <p:clrMapOvr>
+    <a:masterClrMapping/>
+  </p:clrMapOvr>
+</p:sld>
+</file>
+
+<file path=ppt/slides/slide5.xml><?xml version="1.0" encoding="utf-8"?>
+<p:sld xmlns:a="http://schemas.openxmlformats.org/drawingml/2006/main" xmlns:r="http://schemas.openxmlformats.org/officeDocument/2006/relationships" xmlns:p="http://schemas.openxmlformats.org/presentationml/2006/main">
+  <p:cSld>
+    <p:spTree>
+      <p:nvGrpSpPr>
+        <p:cNvPr id="1" name=""/>
+        <p:cNvGrpSpPr/>
+        <p:nvPr/>
+      </p:nvGrpSpPr>
+      <p:grpSpPr>
+        <a:xfrm>
+          <a:off x="0" y="0"/>
+          <a:ext cx="0" cy="0"/>
+          <a:chOff x="0" y="0"/>
+          <a:chExt cx="0" cy="0"/>
+        </a:xfrm>
+      </p:grpSpPr>
+      <p:sp>
+        <p:nvSpPr>
+          <p:cNvPr id="2" name="Title 1">
+            <a:extLst>
+              <a:ext uri="{FF2B5EF4-FFF2-40B4-BE49-F238E27FC236}">
                 <a16:creationId xmlns:a16="http://schemas.microsoft.com/office/drawing/2014/main" id="{25554530-A5E4-4B96-A3E0-0BEFEA5D1181}"/>
               </a:ext>
             </a:extLst>
@@ -7974,7 +7418,7 @@
 </p:sld>
 </file>
 
-<file path=ppt/slides/slide5.xml><?xml version="1.0" encoding="utf-8"?>
+<file path=ppt/slides/slide6.xml><?xml version="1.0" encoding="utf-8"?>
 <p:sld xmlns:a="http://schemas.openxmlformats.org/drawingml/2006/main" xmlns:r="http://schemas.openxmlformats.org/officeDocument/2006/relationships" xmlns:p="http://schemas.openxmlformats.org/presentationml/2006/main">
   <p:cSld>
     <p:spTree>
@@ -8145,7 +7589,7 @@
 </p:sld>
 </file>
 
-<file path=ppt/slides/slide6.xml><?xml version="1.0" encoding="utf-8"?>
+<file path=ppt/slides/slide7.xml><?xml version="1.0" encoding="utf-8"?>
 <p:sld xmlns:a="http://schemas.openxmlformats.org/drawingml/2006/main" xmlns:r="http://schemas.openxmlformats.org/officeDocument/2006/relationships" xmlns:p="http://schemas.openxmlformats.org/presentationml/2006/main">
   <p:cSld>
     <p:spTree>
@@ -8233,268 +7677,222 @@
 </p:sld>
 </file>
 
-<file path=ppt/theme/theme1.xml><?xml version="1.0" encoding="utf-8"?>
-<a:theme xmlns:a="http://schemas.openxmlformats.org/drawingml/2006/main" name="Office Theme">
-  <a:themeElements>
-    <a:clrScheme name="Office">
-      <a:dk1>
-        <a:sysClr val="windowText" lastClr="000000"/>
-      </a:dk1>
-      <a:lt1>
-        <a:sysClr val="window" lastClr="FFFFFF"/>
-      </a:lt1>
-      <a:dk2>
-        <a:srgbClr val="44546A"/>
-      </a:dk2>
-      <a:lt2>
-        <a:srgbClr val="E7E6E6"/>
-      </a:lt2>
-      <a:accent1>
-        <a:srgbClr val="5B9BD5"/>
-      </a:accent1>
-      <a:accent2>
-        <a:srgbClr val="ED7D31"/>
-      </a:accent2>
-      <a:accent3>
-        <a:srgbClr val="A5A5A5"/>
-      </a:accent3>
-      <a:accent4>
-        <a:srgbClr val="FFC000"/>
-      </a:accent4>
-      <a:accent5>
-        <a:srgbClr val="4472C4"/>
-      </a:accent5>
-      <a:accent6>
-        <a:srgbClr val="70AD47"/>
-      </a:accent6>
-      <a:hlink>
-        <a:srgbClr val="0563C1"/>
-      </a:hlink>
-      <a:folHlink>
-        <a:srgbClr val="954F72"/>
-      </a:folHlink>
-    </a:clrScheme>
-    <a:fontScheme name="Office">
-      <a:majorFont>
-        <a:latin typeface="Calibri Light" panose="020F0302020204030204"/>
-        <a:ea typeface=""/>
-        <a:cs typeface=""/>
-        <a:font script="Jpan" typeface="ＭＳ Ｐゴシック"/>
-        <a:font script="Hang" typeface="맑은 고딕"/>
-        <a:font script="Hans" typeface="宋体"/>
-        <a:font script="Hant" typeface="新細明體"/>
-        <a:font script="Arab" typeface="Times New Roman"/>
-        <a:font script="Hebr" typeface="Times New Roman"/>
-        <a:font script="Thai" typeface="Angsana New"/>
-        <a:font script="Ethi" typeface="Nyala"/>
-        <a:font script="Beng" typeface="Vrinda"/>
-        <a:font script="Gujr" typeface="Shruti"/>
-        <a:font script="Khmr" typeface="MoolBoran"/>
-        <a:font script="Knda" typeface="Tunga"/>
-        <a:font script="Guru" typeface="Raavi"/>
-        <a:font script="Cans" typeface="Euphemia"/>
-        <a:font script="Cher" typeface="Plantagenet Cherokee"/>
-        <a:font script="Yiii" typeface="Microsoft Yi Baiti"/>
-        <a:font script="Tibt" typeface="Microsoft Himalaya"/>
-        <a:font script="Thaa" typeface="MV Boli"/>
-        <a:font script="Deva" typeface="Mangal"/>
-        <a:font script="Telu" typeface="Gautami"/>
-        <a:font script="Taml" typeface="Latha"/>
-        <a:font script="Syrc" typeface="Estrangelo Edessa"/>
-        <a:font script="Orya" typeface="Kalinga"/>
-        <a:font script="Mlym" typeface="Kartika"/>
-        <a:font script="Laoo" typeface="DokChampa"/>
-        <a:font script="Sinh" typeface="Iskoola Pota"/>
-        <a:font script="Mong" typeface="Mongolian Baiti"/>
-        <a:font script="Viet" typeface="Times New Roman"/>
-        <a:font script="Uigh" typeface="Microsoft Uighur"/>
-        <a:font script="Geor" typeface="Sylfaen"/>
-      </a:majorFont>
-      <a:minorFont>
-        <a:latin typeface="Calibri" panose="020F0502020204030204"/>
-        <a:ea typeface=""/>
-        <a:cs typeface=""/>
-        <a:font script="Jpan" typeface="ＭＳ Ｐゴシック"/>
-        <a:font script="Hang" typeface="맑은 고딕"/>
-        <a:font script="Hans" typeface="宋体"/>
-        <a:font script="Hant" typeface="新細明體"/>
-        <a:font script="Arab" typeface="Arial"/>
-        <a:font script="Hebr" typeface="Arial"/>
-        <a:font script="Thai" typeface="Cordia New"/>
-        <a:font script="Ethi" typeface="Nyala"/>
-        <a:font script="Beng" typeface="Vrinda"/>
-        <a:font script="Gujr" typeface="Shruti"/>
-        <a:font script="Khmr" typeface="DaunPenh"/>
-        <a:font script="Knda" typeface="Tunga"/>
-        <a:font script="Guru" typeface="Raavi"/>
-        <a:font script="Cans" typeface="Euphemia"/>
-        <a:font script="Cher" typeface="Plantagenet Cherokee"/>
-        <a:font script="Yiii" typeface="Microsoft Yi Baiti"/>
-        <a:font script="Tibt" typeface="Microsoft Himalaya"/>
-        <a:font script="Thaa" typeface="MV Boli"/>
-        <a:font script="Deva" typeface="Mangal"/>
-        <a:font script="Telu" typeface="Gautami"/>
-        <a:font script="Taml" typeface="Latha"/>
-        <a:font script="Syrc" typeface="Estrangelo Edessa"/>
-        <a:font script="Orya" typeface="Kalinga"/>
-        <a:font script="Mlym" typeface="Kartika"/>
-        <a:font script="Laoo" typeface="DokChampa"/>
-        <a:font script="Sinh" typeface="Iskoola Pota"/>
-        <a:font script="Mong" typeface="Mongolian Baiti"/>
-        <a:font script="Viet" typeface="Arial"/>
-        <a:font script="Uigh" typeface="Microsoft Uighur"/>
-        <a:font script="Geor" typeface="Sylfaen"/>
-      </a:minorFont>
-    </a:fontScheme>
-    <a:fmtScheme name="Office">
-      <a:fillStyleLst>
-        <a:solidFill>
-          <a:schemeClr val="phClr"/>
-        </a:solidFill>
-        <a:gradFill rotWithShape="1">
-          <a:gsLst>
-            <a:gs pos="0">
-              <a:schemeClr val="phClr">
-                <a:lumMod val="110000"/>
-                <a:satMod val="105000"/>
-                <a:tint val="67000"/>
-              </a:schemeClr>
-            </a:gs>
-            <a:gs pos="50000">
-              <a:schemeClr val="phClr">
-                <a:lumMod val="105000"/>
-                <a:satMod val="103000"/>
-                <a:tint val="73000"/>
-              </a:schemeClr>
-            </a:gs>
-            <a:gs pos="100000">
-              <a:schemeClr val="phClr">
-                <a:lumMod val="105000"/>
-                <a:satMod val="109000"/>
-                <a:tint val="81000"/>
-              </a:schemeClr>
-            </a:gs>
-          </a:gsLst>
-          <a:lin ang="5400000" scaled="0"/>
-        </a:gradFill>
-        <a:gradFill rotWithShape="1">
-          <a:gsLst>
-            <a:gs pos="0">
-              <a:schemeClr val="phClr">
-                <a:satMod val="103000"/>
-                <a:lumMod val="102000"/>
-                <a:tint val="94000"/>
-              </a:schemeClr>
-            </a:gs>
-            <a:gs pos="50000">
-              <a:schemeClr val="phClr">
-                <a:satMod val="110000"/>
-                <a:lumMod val="100000"/>
-                <a:shade val="100000"/>
-              </a:schemeClr>
-            </a:gs>
-            <a:gs pos="100000">
-              <a:schemeClr val="phClr">
-                <a:lumMod val="99000"/>
-                <a:satMod val="120000"/>
-                <a:shade val="78000"/>
-              </a:schemeClr>
-            </a:gs>
-          </a:gsLst>
-          <a:lin ang="5400000" scaled="0"/>
-        </a:gradFill>
-      </a:fillStyleLst>
-      <a:lnStyleLst>
-        <a:ln w="6350" cap="flat" cmpd="sng" algn="ctr">
-          <a:solidFill>
-            <a:schemeClr val="phClr"/>
-          </a:solidFill>
-          <a:prstDash val="solid"/>
-          <a:miter lim="800000"/>
-        </a:ln>
-        <a:ln w="12700" cap="flat" cmpd="sng" algn="ctr">
-          <a:solidFill>
-            <a:schemeClr val="phClr"/>
-          </a:solidFill>
-          <a:prstDash val="solid"/>
-          <a:miter lim="800000"/>
-        </a:ln>
-        <a:ln w="19050" cap="flat" cmpd="sng" algn="ctr">
-          <a:solidFill>
-            <a:schemeClr val="phClr"/>
-          </a:solidFill>
-          <a:prstDash val="solid"/>
-          <a:miter lim="800000"/>
-        </a:ln>
-      </a:lnStyleLst>
-      <a:effectStyleLst>
-        <a:effectStyle>
-          <a:effectLst/>
-        </a:effectStyle>
-        <a:effectStyle>
-          <a:effectLst/>
-        </a:effectStyle>
-        <a:effectStyle>
-          <a:effectLst>
-            <a:outerShdw blurRad="57150" dist="19050" dir="5400000" algn="ctr" rotWithShape="0">
-              <a:srgbClr val="000000">
-                <a:alpha val="63000"/>
-              </a:srgbClr>
-            </a:outerShdw>
-          </a:effectLst>
-        </a:effectStyle>
-      </a:effectStyleLst>
-      <a:bgFillStyleLst>
-        <a:solidFill>
-          <a:schemeClr val="phClr"/>
-        </a:solidFill>
-        <a:solidFill>
-          <a:schemeClr val="phClr">
-            <a:tint val="95000"/>
-            <a:satMod val="170000"/>
-          </a:schemeClr>
-        </a:solidFill>
-        <a:gradFill rotWithShape="1">
-          <a:gsLst>
-            <a:gs pos="0">
-              <a:schemeClr val="phClr">
-                <a:tint val="93000"/>
-                <a:satMod val="150000"/>
-                <a:shade val="98000"/>
-                <a:lumMod val="102000"/>
-              </a:schemeClr>
-            </a:gs>
-            <a:gs pos="50000">
-              <a:schemeClr val="phClr">
-                <a:tint val="98000"/>
-                <a:satMod val="130000"/>
-                <a:shade val="90000"/>
-                <a:lumMod val="103000"/>
-              </a:schemeClr>
-            </a:gs>
-            <a:gs pos="100000">
-              <a:schemeClr val="phClr">
-                <a:shade val="63000"/>
-                <a:satMod val="120000"/>
-              </a:schemeClr>
-            </a:gs>
-          </a:gsLst>
-          <a:lin ang="5400000" scaled="0"/>
-        </a:gradFill>
-      </a:bgFillStyleLst>
-    </a:fmtScheme>
-  </a:themeElements>
-  <a:objectDefaults/>
-  <a:extraClrSchemeLst/>
-  <a:extLst>
-    <a:ext uri="{05A4C25C-085E-4340-85A3-A5531E510DB2}">
-      <thm15:themeFamily xmlns:thm15="http://schemas.microsoft.com/office/thememl/2012/main" name="Office Theme" id="{62F939B6-93AF-4DB8-9C6B-D6C7DFDC589F}" vid="{4A3C46E8-61CC-4603-A589-7422A47A8E4A}"/>
-    </a:ext>
-  </a:extLst>
-</a:theme>
+<file path=ppt/slides/slide8.xml><?xml version="1.0" encoding="utf-8"?>
+<p:sld xmlns:a="http://schemas.openxmlformats.org/drawingml/2006/main" xmlns:r="http://schemas.openxmlformats.org/officeDocument/2006/relationships" xmlns:p="http://schemas.openxmlformats.org/presentationml/2006/main">
+  <p:cSld>
+    <p:spTree>
+      <p:nvGrpSpPr>
+        <p:cNvPr id="1" name=""/>
+        <p:cNvGrpSpPr/>
+        <p:nvPr/>
+      </p:nvGrpSpPr>
+      <p:grpSpPr>
+        <a:xfrm>
+          <a:off x="0" y="0"/>
+          <a:ext cx="0" cy="0"/>
+          <a:chOff x="0" y="0"/>
+          <a:chExt cx="0" cy="0"/>
+        </a:xfrm>
+      </p:grpSpPr>
+      <p:sp>
+        <p:nvSpPr>
+          <p:cNvPr id="2" name="Title 1">
+            <a:extLst>
+              <a:ext uri="{FF2B5EF4-FFF2-40B4-BE49-F238E27FC236}">
+                <a16:creationId xmlns:a16="http://schemas.microsoft.com/office/drawing/2014/main" id="{F58AD455-724F-4AB3-A4F1-05CF5413F039}"/>
+              </a:ext>
+            </a:extLst>
+          </p:cNvPr>
+          <p:cNvSpPr>
+            <a:spLocks noGrp="1"/>
+          </p:cNvSpPr>
+          <p:nvPr>
+            <p:ph type="title"/>
+          </p:nvPr>
+        </p:nvSpPr>
+        <p:spPr/>
+        <p:txBody>
+          <a:bodyPr/>
+          <a:lstStyle/>
+          <a:p>
+            <a:r>
+              <a:rPr lang="en-US"/>
+              <a:t>Now, introduce a Worm</a:t>
+            </a:r>
+          </a:p>
+        </p:txBody>
+      </p:sp>
+      <p:sp>
+        <p:nvSpPr>
+          <p:cNvPr id="3" name="Content Placeholder 2">
+            <a:extLst>
+              <a:ext uri="{FF2B5EF4-FFF2-40B4-BE49-F238E27FC236}">
+                <a16:creationId xmlns:a16="http://schemas.microsoft.com/office/drawing/2014/main" id="{EBB0FD23-2765-4D1B-8503-D5366C2E7804}"/>
+              </a:ext>
+            </a:extLst>
+          </p:cNvPr>
+          <p:cNvSpPr>
+            <a:spLocks noGrp="1"/>
+          </p:cNvSpPr>
+          <p:nvPr>
+            <p:ph idx="1"/>
+          </p:nvPr>
+        </p:nvSpPr>
+        <p:spPr>
+          <a:xfrm>
+            <a:off x="1765738" y="1600201"/>
+            <a:ext cx="9816662" cy="4525963"/>
+          </a:xfrm>
+        </p:spPr>
+        <p:txBody>
+          <a:bodyPr/>
+          <a:lstStyle/>
+          <a:p>
+            <a:r>
+              <a:rPr lang="en-US"/>
+              <a:t>A worm infests an apple</a:t>
+            </a:r>
+          </a:p>
+          <a:p>
+            <a:r>
+              <a:rPr lang="en-US"/>
+              <a:t>However, other things infest apples</a:t>
+            </a:r>
+          </a:p>
+          <a:p>
+            <a:pPr lvl="1"/>
+            <a:r>
+              <a:rPr lang="en-US"/>
+              <a:t>Mites</a:t>
+            </a:r>
+          </a:p>
+          <a:p>
+            <a:pPr lvl="1"/>
+            <a:r>
+              <a:rPr lang="en-US"/>
+              <a:t>Woolly Apple Aphids</a:t>
+            </a:r>
+          </a:p>
+          <a:p>
+            <a:pPr lvl="1"/>
+            <a:r>
+              <a:rPr lang="en-US"/>
+              <a:t>Grubs</a:t>
+            </a:r>
+          </a:p>
+        </p:txBody>
+      </p:sp>
+    </p:spTree>
+    <p:extLst>
+      <p:ext uri="{BB962C8B-B14F-4D97-AF65-F5344CB8AC3E}">
+        <p14:creationId xmlns:p14="http://schemas.microsoft.com/office/powerpoint/2010/main" val="3838874065"/>
+      </p:ext>
+    </p:extLst>
+  </p:cSld>
+  <p:clrMapOvr>
+    <a:masterClrMapping/>
+  </p:clrMapOvr>
+</p:sld>
 </file>
 
-<file path=ppt/theme/theme2.xml><?xml version="1.0" encoding="utf-8"?>
+<file path=ppt/slides/slide9.xml><?xml version="1.0" encoding="utf-8"?>
+<p:sld xmlns:a="http://schemas.openxmlformats.org/drawingml/2006/main" xmlns:r="http://schemas.openxmlformats.org/officeDocument/2006/relationships" xmlns:p="http://schemas.openxmlformats.org/presentationml/2006/main">
+  <p:cSld>
+    <p:spTree>
+      <p:nvGrpSpPr>
+        <p:cNvPr id="1" name=""/>
+        <p:cNvGrpSpPr/>
+        <p:nvPr/>
+      </p:nvGrpSpPr>
+      <p:grpSpPr>
+        <a:xfrm>
+          <a:off x="0" y="0"/>
+          <a:ext cx="0" cy="0"/>
+          <a:chOff x="0" y="0"/>
+          <a:chExt cx="0" cy="0"/>
+        </a:xfrm>
+      </p:grpSpPr>
+      <p:sp>
+        <p:nvSpPr>
+          <p:cNvPr id="2" name="Title 1">
+            <a:extLst>
+              <a:ext uri="{FF2B5EF4-FFF2-40B4-BE49-F238E27FC236}">
+                <a16:creationId xmlns:a16="http://schemas.microsoft.com/office/drawing/2014/main" id="{0894B443-D759-44B1-8C75-389C82BE7DF5}"/>
+              </a:ext>
+            </a:extLst>
+          </p:cNvPr>
+          <p:cNvSpPr>
+            <a:spLocks noGrp="1"/>
+          </p:cNvSpPr>
+          <p:nvPr>
+            <p:ph type="title"/>
+          </p:nvPr>
+        </p:nvSpPr>
+        <p:spPr/>
+        <p:txBody>
+          <a:bodyPr/>
+          <a:lstStyle/>
+          <a:p>
+            <a:r>
+              <a:rPr lang="en-US"/>
+              <a:t>What’s the relationship?</a:t>
+            </a:r>
+          </a:p>
+        </p:txBody>
+      </p:sp>
+      <p:sp>
+        <p:nvSpPr>
+          <p:cNvPr id="3" name="Content Placeholder 2">
+            <a:extLst>
+              <a:ext uri="{FF2B5EF4-FFF2-40B4-BE49-F238E27FC236}">
+                <a16:creationId xmlns:a16="http://schemas.microsoft.com/office/drawing/2014/main" id="{36013614-E796-4ED0-9E20-FF00E4DB5D70}"/>
+              </a:ext>
+            </a:extLst>
+          </p:cNvPr>
+          <p:cNvSpPr>
+            <a:spLocks noGrp="1"/>
+          </p:cNvSpPr>
+          <p:nvPr>
+            <p:ph idx="1"/>
+          </p:nvPr>
+        </p:nvSpPr>
+        <p:spPr>
+          <a:xfrm>
+            <a:off x="609599" y="1600201"/>
+            <a:ext cx="11372193" cy="4525963"/>
+          </a:xfrm>
+        </p:spPr>
+        <p:txBody>
+          <a:bodyPr/>
+          <a:lstStyle/>
+          <a:p>
+            <a:r>
+              <a:rPr lang="en-US"/>
+              <a:t>An Apple “has-a” Worm</a:t>
+            </a:r>
+          </a:p>
+          <a:p>
+            <a:r>
+              <a:rPr lang="en-US"/>
+              <a:t>Conceptually that’s OK, but since other things can infest…</a:t>
+            </a:r>
+          </a:p>
+        </p:txBody>
+      </p:sp>
+    </p:spTree>
+    <p:extLst>
+      <p:ext uri="{BB962C8B-B14F-4D97-AF65-F5344CB8AC3E}">
+        <p14:creationId xmlns:p14="http://schemas.microsoft.com/office/powerpoint/2010/main" val="3150648969"/>
+      </p:ext>
+    </p:extLst>
+  </p:cSld>
+  <p:clrMapOvr>
+    <a:masterClrMapping/>
+  </p:clrMapOvr>
+</p:sld>
+</file>
+
+<file path=ppt/theme/theme1.xml><?xml version="1.0" encoding="utf-8"?>
 <a:theme xmlns:a="http://schemas.openxmlformats.org/drawingml/2006/main" name="1_Default Design">
   <a:themeElements>
     <a:clrScheme name="1_Default Design 1">
